--- a/Modules/Module5/Slides 5.pptx
+++ b/Modules/Module5/Slides 5.pptx
@@ -5,19 +5,29 @@
     <p:sldMasterId id="2147483648" r:id="rId1"/>
   </p:sldMasterIdLst>
   <p:notesMasterIdLst>
-    <p:notesMasterId r:id="rId12"/>
+    <p:notesMasterId r:id="rId22"/>
   </p:notesMasterIdLst>
   <p:sldIdLst>
     <p:sldId id="256" r:id="rId2"/>
-    <p:sldId id="791" r:id="rId3"/>
-    <p:sldId id="802" r:id="rId4"/>
-    <p:sldId id="278" r:id="rId5"/>
-    <p:sldId id="544" r:id="rId6"/>
-    <p:sldId id="773" r:id="rId7"/>
-    <p:sldId id="774" r:id="rId8"/>
-    <p:sldId id="274" r:id="rId9"/>
-    <p:sldId id="788" r:id="rId10"/>
-    <p:sldId id="789" r:id="rId11"/>
+    <p:sldId id="802" r:id="rId3"/>
+    <p:sldId id="278" r:id="rId4"/>
+    <p:sldId id="544" r:id="rId5"/>
+    <p:sldId id="803" r:id="rId6"/>
+    <p:sldId id="804" r:id="rId7"/>
+    <p:sldId id="805" r:id="rId8"/>
+    <p:sldId id="806" r:id="rId9"/>
+    <p:sldId id="808" r:id="rId10"/>
+    <p:sldId id="807" r:id="rId11"/>
+    <p:sldId id="809" r:id="rId12"/>
+    <p:sldId id="810" r:id="rId13"/>
+    <p:sldId id="811" r:id="rId14"/>
+    <p:sldId id="274" r:id="rId15"/>
+    <p:sldId id="813" r:id="rId16"/>
+    <p:sldId id="788" r:id="rId17"/>
+    <p:sldId id="815" r:id="rId18"/>
+    <p:sldId id="814" r:id="rId19"/>
+    <p:sldId id="812" r:id="rId20"/>
+    <p:sldId id="789" r:id="rId21"/>
   </p:sldIdLst>
   <p:sldSz cx="12192000" cy="6858000"/>
   <p:notesSz cx="6858000" cy="9144000"/>
@@ -182,6 +192,64 @@
 </inkml:ink>
 </file>
 
+<file path=ppt/ink/ink3.xml><?xml version="1.0" encoding="utf-8"?>
+<inkml:ink xmlns:inkml="http://www.w3.org/2003/InkML">
+  <inkml:definitions>
+    <inkml:context xml:id="ctx0">
+      <inkml:inkSource xml:id="inkSrc0">
+        <inkml:traceFormat>
+          <inkml:channel name="X" type="integer" min="-2.14748E9" max="2.14748E9" units="cm"/>
+          <inkml:channel name="Y" type="integer" min="-2.14748E9" max="2.14748E9" units="cm"/>
+        </inkml:traceFormat>
+        <inkml:channelProperties>
+          <inkml:channelProperty channel="X" name="resolution" value="1000" units="1/cm"/>
+          <inkml:channelProperty channel="Y" name="resolution" value="1000" units="1/cm"/>
+        </inkml:channelProperties>
+      </inkml:inkSource>
+      <inkml:timestamp xml:id="ts0" timeString="2025-01-03T15:46:51.025"/>
+    </inkml:context>
+    <inkml:brush xml:id="br0">
+      <inkml:brushProperty name="width" value="0.3" units="cm"/>
+      <inkml:brushProperty name="height" value="0.6" units="cm"/>
+      <inkml:brushProperty name="color" value="#FFFC00"/>
+      <inkml:brushProperty name="tip" value="rectangle"/>
+      <inkml:brushProperty name="rasterOp" value="maskPen"/>
+      <inkml:brushProperty name="ignorePressure" value="1"/>
+    </inkml:brush>
+  </inkml:definitions>
+  <inkml:trace contextRef="#ctx0" brushRef="#br0">2808 297,'-5'-1,"1"-1,0 0,0 0,0 0,0 0,0-1,0 1,0-1,1 0,-1 0,-3-5,-12-8,-8-3,0 0,-1 2,-1 2,0 0,-1 2,-58-17,73 26,1-1,0-1,0 0,-22-13,21 10,-1 1,0 1,-19-6,6 5,2-1,-1 2,1 1,-1 1,-40-2,-464 8,515 1,0 0,0 1,0 1,1 0,-1 1,1 1,-24 12,22-9,-1-1,1-1,-1-1,-1-1,-24 4,16-5,0 1,0 1,1 2,-1 0,2 2,-38 19,-55 27,-26 18,104-56,0 3,1 0,2 3,-70 55,99-69,0 0,1 1,0 1,1-1,-10 21,-22 33,12-33,19-23,0 0,0 1,1 0,0 0,1 0,-6 13,10-18,-1 0,0 0,0-1,0 0,-1 1,1-1,-1 0,0-1,0 1,-7 4,5-4,1 0,0 1,0-1,1 1,-1 0,-5 9,-6 17,2 0,1 1,-10 37,15-42,-1 0,-1-1,-1 0,-1-1,-22 34,27-48,2 0,0 0,0 0,1 1,0 0,1 0,0 0,1 0,1 0,0 0,0 0,2 15,-9 65,1-40,2 0,3 102,-1 31,-12-105,10-59,1 0,-2 34,5 313,3-174,0-166,1 0,1-1,2 0,1 0,20 52,-19-60,-2-5,0-1,-1 1,-1 0,0 1,-1-1,2 21,-2-8,1-1,2 1,1-1,1 0,1 0,22 43,-17-33,16 58,-21-62,1 0,1-1,17 30,45 103,-51-107,37 65,-43-93,-7-12,0 0,2-1,0 0,14 15,10 13,-29-35,0 0,1 0,0-1,1 0,0 0,11 8,4 0,1-1,0-1,1-1,1-1,31 10,-37-14,0 2,-1 0,0 0,-1 2,0 0,22 21,-13-11,39 22,1 0,-40-25,46 23,231 92,-297-132,17 9,1-2,28 7,-26-8,0 1,0 1,40 22,-42-19,0-1,1-1,45 12,-14-7,64 26,-65-21,-29-11,-11-4,0 0,0-1,0 0,1-2,25 3,56 8,-70-8,52 3,-10-9,-33-1,-1 2,0 1,63 13,-53-7,1-2,0-3,-1-1,61-6,2 1,15 5,135-5,-228-1,0-2,0-1,0-2,33-14,21-17,-59 27,-1 0,2 2,37-10,-37 13,0-2,-1 0,-1-2,0-1,44-30,-60 39,-1 0,1 0,0 0,0 1,11-2,-10 3,-1-1,1 0,-1 0,0-1,9-5,33-21,-26 16,-1-1,0-2,30-25,-38 26,-2-2,14-18,20-25,19-19,-50 59,-2-1,0 0,17-37,-10 18,-14 29,0 0,1 1,11-13,-14 19,0-1,-1 0,0-1,0 1,0-1,-1 0,0 0,-1 0,1-1,-1 1,-1-1,4-14,5-57,-2 18,2-94,-11 128,2-1,0 0,11-48,-9 52,-1 0,1-45,-4 47,1 0,1 0,8-37,-1 10,-2 0,-2 0,-2-1,-7-91,1 24,5 22,-4-105,-3 172,0-1,-14-41,11 46,1-1,1 0,-3-40,7 50,0-1,-1 1,-1 0,-1 0,0 1,-1 0,-12-23,-15-40,9-26,21 82,-1-1,-2 1,0 0,-1 0,-12-25,-71-100,55 88,-49-63,71 105,-1 1,-20-16,-23-24,9 10,37 37,1-1,0-1,-16-19,12 12,-1 1,0 0,-22-17,-2-1,-6-4,30 27,1-1,-23-25,23 23,1 0,-2 1,0 0,-22-14,-9-15,42 36,-1 1,0 0,0 0,0 0,0 1,-1-1,0 1,0 1,0-1,0 1,-1 0,1 0,-11-2,5 3,1-1,-1-1,1 0,-1 0,1-1,1 0,-1-1,1 0,0-1,0 0,-9-9,-4-2,-2 2,-43-24,1 2,50 30,1 1,-1 0,-1 1,1 1,-30-6,22 6,-183-23,184 24,-1 1,-43-1,45 4,0-1,0-1,-33-7,-18-5,51 11</inkml:trace>
+</inkml:ink>
+</file>
+
+<file path=ppt/ink/ink4.xml><?xml version="1.0" encoding="utf-8"?>
+<inkml:ink xmlns:inkml="http://www.w3.org/2003/InkML">
+  <inkml:definitions>
+    <inkml:context xml:id="ctx0">
+      <inkml:inkSource xml:id="inkSrc0">
+        <inkml:traceFormat>
+          <inkml:channel name="X" type="integer" min="-2.14748E9" max="2.14748E9" units="cm"/>
+          <inkml:channel name="Y" type="integer" min="-2.14748E9" max="2.14748E9" units="cm"/>
+        </inkml:traceFormat>
+        <inkml:channelProperties>
+          <inkml:channelProperty channel="X" name="resolution" value="1000" units="1/cm"/>
+          <inkml:channelProperty channel="Y" name="resolution" value="1000" units="1/cm"/>
+        </inkml:channelProperties>
+      </inkml:inkSource>
+      <inkml:timestamp xml:id="ts0" timeString="2025-01-07T23:14:53.811"/>
+    </inkml:context>
+    <inkml:brush xml:id="br0">
+      <inkml:brushProperty name="width" value="0.3" units="cm"/>
+      <inkml:brushProperty name="height" value="0.6" units="cm"/>
+      <inkml:brushProperty name="color" value="#FFFC00"/>
+      <inkml:brushProperty name="tip" value="rectangle"/>
+      <inkml:brushProperty name="rasterOp" value="maskPen"/>
+      <inkml:brushProperty name="ignorePressure" value="1"/>
+    </inkml:brush>
+  </inkml:definitions>
+  <inkml:trace contextRef="#ctx0" brushRef="#br0">3320 242,'-4'-2,"0"1,0 0,0-1,0 0,1 0,-1 0,0 0,1-1,0 1,-6-7,-16-9,-41-13,-117-37,84 33,98 35,-29-13,0 2,0 2,-1 1,0 1,-1 1,-52-2,-874 10,936-1,0 2,-41 9,40-7,-1-1,-30 2,-36-5,51-2,0 1,-1 3,-63 11,-94 18,98-21,68-8,0 1,-33 8,53-9,1 0,0 1,0 0,0 1,0 0,1 0,-1 1,1 1,-14 13,-104 105,-60 66,125-115,7-5,44-58,1 1,0 1,2 0,-1 1,2-1,0 1,-9 32,8-23,-1-1,-18 33,16-31,1 0,1 0,1 1,1 1,2-1,-4 46,8-62,-7 86,8 142,3-96,-4-93,5 87,-2-119,0-1,2 0,0 0,1 0,13 30,-4-19,2 0,0 0,2-2,1 0,32 33,-38-43,0 0,-2 1,0 1,16 34,17 27,-19-42,-9-12,1 0,0-2,28 28,105 106,-110-101,-32-44,0 0,1-1,0 1,20 18,0-6,-1 1,-1 1,-1 2,39 53,-31-33,44 45,-40-48,-25-31,1-1,0-1,24 17,-24-20,-1 1,0 0,-1 1,0 0,15 21,-17-20,1 0,-1 0,2-2,0 1,0-1,0-1,20 11,-1 0,-3-1,1-2,1-1,43 17,1 0,-44-18,54 18,-57-25,1 0,0-2,1-1,-1-1,35 0,-33-4,0 1,-1 2,46 9,-26-4,1-2,0-3,97-5,-37-1,368 3,-461-2,0 0,-1-1,1-1,-1-1,0 0,0-1,-1 0,1-2,-1 0,15-11,45-20,-64 33,-1-1,1 0,-2 0,1-1,-1 0,0-1,10-12,-8 9,0 0,1 0,18-12,-19 16,1-1,-1-1,-1 0,0-1,-1 0,0 0,12-19,43-93,-52 96,16-11,-24 34,0 0,0 0,0-1,-1 0,0 1,0-1,-1 0,4-8,17-51,37-71,-15 38,21-53,-51 111,-1-1,8-48,-10 40,18-47,-18 60,-1-1,-1 0,-3-1,4-39,3 7,0-14,1-15,-9 71,-2 0,2-29,-7-483,-1 513,-1 1,-10-47,1 16,3 16,-27-76,21 75,-13-63,22 73,-1 0,-1 1,-17-43,21 64,-1-1,-1 1,1 0,-1 0,-1 0,0 1,0 0,-1 0,0 1,0 0,0 0,-1 1,-16-9,-114-58,120 62,0 0,-23-17,31 20,1 0,-2 1,1 0,-1 0,0 1,0 1,-1 0,0 1,-15-4,-22 0,31 1</inkml:trace>
+</inkml:ink>
+</file>
+
 <file path=ppt/notesMasters/notesMaster1.xml><?xml version="1.0" encoding="utf-8"?>
 <p:notesMaster xmlns:a="http://schemas.openxmlformats.org/drawingml/2006/main" xmlns:r="http://schemas.openxmlformats.org/officeDocument/2006/relationships" xmlns:p="http://schemas.openxmlformats.org/presentationml/2006/main">
   <p:cSld>
@@ -596,7 +664,7 @@
           <a:p>
             <a:fld id="{0DAD7FE9-5289-4F4D-A94E-3D2F71FF67D0}" type="slidenum">
               <a:rPr lang="en-US" smtClean="0"/>
-              <a:t>6</a:t>
+              <a:t>5</a:t>
             </a:fld>
             <a:endParaRPr lang="en-US"/>
           </a:p>
@@ -623,7 +691,7 @@
         <p:cNvPr id="1" name="">
           <a:extLst>
             <a:ext uri="{FF2B5EF4-FFF2-40B4-BE49-F238E27FC236}">
-              <a16:creationId xmlns:a16="http://schemas.microsoft.com/office/drawing/2014/main" id="{FFAFEC49-BC4A-EE34-6B5E-31FCA4F69232}"/>
+              <a16:creationId xmlns:a16="http://schemas.microsoft.com/office/drawing/2014/main" id="{16425150-EBCF-0E47-ED8D-E4E1971120D4}"/>
             </a:ext>
           </a:extLst>
         </p:cNvPr>
@@ -643,7 +711,7 @@
           <p:cNvPr id="2" name="Slide Image Placeholder 1">
             <a:extLst>
               <a:ext uri="{FF2B5EF4-FFF2-40B4-BE49-F238E27FC236}">
-                <a16:creationId xmlns:a16="http://schemas.microsoft.com/office/drawing/2014/main" id="{7EB2BA47-948B-F27F-A7D3-8547A29C3848}"/>
+                <a16:creationId xmlns:a16="http://schemas.microsoft.com/office/drawing/2014/main" id="{7D4D01C3-0E83-9CBB-CF20-AE655BC64BE4}"/>
               </a:ext>
             </a:extLst>
           </p:cNvPr>
@@ -661,7 +729,7 @@
           <p:cNvPr id="3" name="Notes Placeholder 2">
             <a:extLst>
               <a:ext uri="{FF2B5EF4-FFF2-40B4-BE49-F238E27FC236}">
-                <a16:creationId xmlns:a16="http://schemas.microsoft.com/office/drawing/2014/main" id="{AA5C8FFF-B0CC-97D1-E393-F4348D2E1499}"/>
+                <a16:creationId xmlns:a16="http://schemas.microsoft.com/office/drawing/2014/main" id="{EEAD5D8B-3B6A-1B1C-AC33-A3B3B251B26D}"/>
               </a:ext>
             </a:extLst>
           </p:cNvPr>
@@ -686,7 +754,7 @@
           <p:cNvPr id="4" name="Slide Number Placeholder 3">
             <a:extLst>
               <a:ext uri="{FF2B5EF4-FFF2-40B4-BE49-F238E27FC236}">
-                <a16:creationId xmlns:a16="http://schemas.microsoft.com/office/drawing/2014/main" id="{2F3D7AD7-D848-200A-3C76-D001FEE96A83}"/>
+                <a16:creationId xmlns:a16="http://schemas.microsoft.com/office/drawing/2014/main" id="{6325181E-A814-95F3-C2C0-61B983C5588D}"/>
               </a:ext>
             </a:extLst>
           </p:cNvPr>
@@ -704,7 +772,7 @@
           <a:p>
             <a:fld id="{0DAD7FE9-5289-4F4D-A94E-3D2F71FF67D0}" type="slidenum">
               <a:rPr lang="en-US" smtClean="0"/>
-              <a:t>7</a:t>
+              <a:t>6</a:t>
             </a:fld>
             <a:endParaRPr lang="en-US"/>
           </a:p>
@@ -713,7 +781,763 @@
     </p:spTree>
     <p:extLst>
       <p:ext uri="{BB962C8B-B14F-4D97-AF65-F5344CB8AC3E}">
-        <p14:creationId xmlns:p14="http://schemas.microsoft.com/office/powerpoint/2010/main" val="3090256126"/>
+        <p14:creationId xmlns:p14="http://schemas.microsoft.com/office/powerpoint/2010/main" val="2222965851"/>
+      </p:ext>
+    </p:extLst>
+  </p:cSld>
+  <p:clrMapOvr>
+    <a:masterClrMapping/>
+  </p:clrMapOvr>
+</p:notes>
+</file>
+
+<file path=ppt/notesSlides/notesSlide3.xml><?xml version="1.0" encoding="utf-8"?>
+<p:notes xmlns:a="http://schemas.openxmlformats.org/drawingml/2006/main" xmlns:r="http://schemas.openxmlformats.org/officeDocument/2006/relationships" xmlns:p="http://schemas.openxmlformats.org/presentationml/2006/main">
+  <p:cSld>
+    <p:spTree>
+      <p:nvGrpSpPr>
+        <p:cNvPr id="1" name="">
+          <a:extLst>
+            <a:ext uri="{FF2B5EF4-FFF2-40B4-BE49-F238E27FC236}">
+              <a16:creationId xmlns:a16="http://schemas.microsoft.com/office/drawing/2014/main" id="{382115BB-919D-3673-4635-136C538CACD0}"/>
+            </a:ext>
+          </a:extLst>
+        </p:cNvPr>
+        <p:cNvGrpSpPr/>
+        <p:nvPr/>
+      </p:nvGrpSpPr>
+      <p:grpSpPr>
+        <a:xfrm>
+          <a:off x="0" y="0"/>
+          <a:ext cx="0" cy="0"/>
+          <a:chOff x="0" y="0"/>
+          <a:chExt cx="0" cy="0"/>
+        </a:xfrm>
+      </p:grpSpPr>
+      <p:sp>
+        <p:nvSpPr>
+          <p:cNvPr id="2" name="Slide Image Placeholder 1">
+            <a:extLst>
+              <a:ext uri="{FF2B5EF4-FFF2-40B4-BE49-F238E27FC236}">
+                <a16:creationId xmlns:a16="http://schemas.microsoft.com/office/drawing/2014/main" id="{F720EAE3-7D22-8E6D-B312-BE92024A7FF0}"/>
+              </a:ext>
+            </a:extLst>
+          </p:cNvPr>
+          <p:cNvSpPr>
+            <a:spLocks noGrp="1" noRot="1" noChangeAspect="1"/>
+          </p:cNvSpPr>
+          <p:nvPr>
+            <p:ph type="sldImg"/>
+          </p:nvPr>
+        </p:nvSpPr>
+        <p:spPr/>
+      </p:sp>
+      <p:sp>
+        <p:nvSpPr>
+          <p:cNvPr id="3" name="Notes Placeholder 2">
+            <a:extLst>
+              <a:ext uri="{FF2B5EF4-FFF2-40B4-BE49-F238E27FC236}">
+                <a16:creationId xmlns:a16="http://schemas.microsoft.com/office/drawing/2014/main" id="{7460ACF5-B946-A551-A165-437F418F2005}"/>
+              </a:ext>
+            </a:extLst>
+          </p:cNvPr>
+          <p:cNvSpPr>
+            <a:spLocks noGrp="1"/>
+          </p:cNvSpPr>
+          <p:nvPr>
+            <p:ph type="body" idx="1"/>
+          </p:nvPr>
+        </p:nvSpPr>
+        <p:spPr/>
+        <p:txBody>
+          <a:bodyPr/>
+          <a:lstStyle/>
+          <a:p>
+            <a:endParaRPr lang="en-US" dirty="0"/>
+          </a:p>
+        </p:txBody>
+      </p:sp>
+      <p:sp>
+        <p:nvSpPr>
+          <p:cNvPr id="4" name="Slide Number Placeholder 3">
+            <a:extLst>
+              <a:ext uri="{FF2B5EF4-FFF2-40B4-BE49-F238E27FC236}">
+                <a16:creationId xmlns:a16="http://schemas.microsoft.com/office/drawing/2014/main" id="{69CA88F5-2E44-DBC8-51A6-371DA4B22690}"/>
+              </a:ext>
+            </a:extLst>
+          </p:cNvPr>
+          <p:cNvSpPr>
+            <a:spLocks noGrp="1"/>
+          </p:cNvSpPr>
+          <p:nvPr>
+            <p:ph type="sldNum" sz="quarter" idx="5"/>
+          </p:nvPr>
+        </p:nvSpPr>
+        <p:spPr/>
+        <p:txBody>
+          <a:bodyPr/>
+          <a:lstStyle/>
+          <a:p>
+            <a:fld id="{0DAD7FE9-5289-4F4D-A94E-3D2F71FF67D0}" type="slidenum">
+              <a:rPr lang="en-US" smtClean="0"/>
+              <a:t>7</a:t>
+            </a:fld>
+            <a:endParaRPr lang="en-US"/>
+          </a:p>
+        </p:txBody>
+      </p:sp>
+    </p:spTree>
+    <p:extLst>
+      <p:ext uri="{BB962C8B-B14F-4D97-AF65-F5344CB8AC3E}">
+        <p14:creationId xmlns:p14="http://schemas.microsoft.com/office/powerpoint/2010/main" val="3708680776"/>
+      </p:ext>
+    </p:extLst>
+  </p:cSld>
+  <p:clrMapOvr>
+    <a:masterClrMapping/>
+  </p:clrMapOvr>
+</p:notes>
+</file>
+
+<file path=ppt/notesSlides/notesSlide4.xml><?xml version="1.0" encoding="utf-8"?>
+<p:notes xmlns:a="http://schemas.openxmlformats.org/drawingml/2006/main" xmlns:r="http://schemas.openxmlformats.org/officeDocument/2006/relationships" xmlns:p="http://schemas.openxmlformats.org/presentationml/2006/main">
+  <p:cSld>
+    <p:spTree>
+      <p:nvGrpSpPr>
+        <p:cNvPr id="1" name="">
+          <a:extLst>
+            <a:ext uri="{FF2B5EF4-FFF2-40B4-BE49-F238E27FC236}">
+              <a16:creationId xmlns:a16="http://schemas.microsoft.com/office/drawing/2014/main" id="{0D8AEFBA-D37A-4CC6-8EC7-5EBA64FBF2AE}"/>
+            </a:ext>
+          </a:extLst>
+        </p:cNvPr>
+        <p:cNvGrpSpPr/>
+        <p:nvPr/>
+      </p:nvGrpSpPr>
+      <p:grpSpPr>
+        <a:xfrm>
+          <a:off x="0" y="0"/>
+          <a:ext cx="0" cy="0"/>
+          <a:chOff x="0" y="0"/>
+          <a:chExt cx="0" cy="0"/>
+        </a:xfrm>
+      </p:grpSpPr>
+      <p:sp>
+        <p:nvSpPr>
+          <p:cNvPr id="2" name="Slide Image Placeholder 1">
+            <a:extLst>
+              <a:ext uri="{FF2B5EF4-FFF2-40B4-BE49-F238E27FC236}">
+                <a16:creationId xmlns:a16="http://schemas.microsoft.com/office/drawing/2014/main" id="{EC2FC118-1CAC-133B-BD02-BE39F915E3CB}"/>
+              </a:ext>
+            </a:extLst>
+          </p:cNvPr>
+          <p:cNvSpPr>
+            <a:spLocks noGrp="1" noRot="1" noChangeAspect="1"/>
+          </p:cNvSpPr>
+          <p:nvPr>
+            <p:ph type="sldImg"/>
+          </p:nvPr>
+        </p:nvSpPr>
+        <p:spPr/>
+      </p:sp>
+      <p:sp>
+        <p:nvSpPr>
+          <p:cNvPr id="3" name="Notes Placeholder 2">
+            <a:extLst>
+              <a:ext uri="{FF2B5EF4-FFF2-40B4-BE49-F238E27FC236}">
+                <a16:creationId xmlns:a16="http://schemas.microsoft.com/office/drawing/2014/main" id="{079D1F98-A4C8-0A1C-A733-2F18D765CDC4}"/>
+              </a:ext>
+            </a:extLst>
+          </p:cNvPr>
+          <p:cNvSpPr>
+            <a:spLocks noGrp="1"/>
+          </p:cNvSpPr>
+          <p:nvPr>
+            <p:ph type="body" idx="1"/>
+          </p:nvPr>
+        </p:nvSpPr>
+        <p:spPr/>
+        <p:txBody>
+          <a:bodyPr/>
+          <a:lstStyle/>
+          <a:p>
+            <a:endParaRPr lang="en-US" dirty="0"/>
+          </a:p>
+        </p:txBody>
+      </p:sp>
+      <p:sp>
+        <p:nvSpPr>
+          <p:cNvPr id="4" name="Slide Number Placeholder 3">
+            <a:extLst>
+              <a:ext uri="{FF2B5EF4-FFF2-40B4-BE49-F238E27FC236}">
+                <a16:creationId xmlns:a16="http://schemas.microsoft.com/office/drawing/2014/main" id="{55619BF0-8E31-C5B7-A017-BF03AA87F757}"/>
+              </a:ext>
+            </a:extLst>
+          </p:cNvPr>
+          <p:cNvSpPr>
+            <a:spLocks noGrp="1"/>
+          </p:cNvSpPr>
+          <p:nvPr>
+            <p:ph type="sldNum" sz="quarter" idx="5"/>
+          </p:nvPr>
+        </p:nvSpPr>
+        <p:spPr/>
+        <p:txBody>
+          <a:bodyPr/>
+          <a:lstStyle/>
+          <a:p>
+            <a:fld id="{0DAD7FE9-5289-4F4D-A94E-3D2F71FF67D0}" type="slidenum">
+              <a:rPr lang="en-US" smtClean="0"/>
+              <a:t>8</a:t>
+            </a:fld>
+            <a:endParaRPr lang="en-US"/>
+          </a:p>
+        </p:txBody>
+      </p:sp>
+    </p:spTree>
+    <p:extLst>
+      <p:ext uri="{BB962C8B-B14F-4D97-AF65-F5344CB8AC3E}">
+        <p14:creationId xmlns:p14="http://schemas.microsoft.com/office/powerpoint/2010/main" val="552983644"/>
+      </p:ext>
+    </p:extLst>
+  </p:cSld>
+  <p:clrMapOvr>
+    <a:masterClrMapping/>
+  </p:clrMapOvr>
+</p:notes>
+</file>
+
+<file path=ppt/notesSlides/notesSlide5.xml><?xml version="1.0" encoding="utf-8"?>
+<p:notes xmlns:a="http://schemas.openxmlformats.org/drawingml/2006/main" xmlns:r="http://schemas.openxmlformats.org/officeDocument/2006/relationships" xmlns:p="http://schemas.openxmlformats.org/presentationml/2006/main">
+  <p:cSld>
+    <p:spTree>
+      <p:nvGrpSpPr>
+        <p:cNvPr id="1" name="">
+          <a:extLst>
+            <a:ext uri="{FF2B5EF4-FFF2-40B4-BE49-F238E27FC236}">
+              <a16:creationId xmlns:a16="http://schemas.microsoft.com/office/drawing/2014/main" id="{96DA407F-B56D-44F2-6427-43FBAEB90C7C}"/>
+            </a:ext>
+          </a:extLst>
+        </p:cNvPr>
+        <p:cNvGrpSpPr/>
+        <p:nvPr/>
+      </p:nvGrpSpPr>
+      <p:grpSpPr>
+        <a:xfrm>
+          <a:off x="0" y="0"/>
+          <a:ext cx="0" cy="0"/>
+          <a:chOff x="0" y="0"/>
+          <a:chExt cx="0" cy="0"/>
+        </a:xfrm>
+      </p:grpSpPr>
+      <p:sp>
+        <p:nvSpPr>
+          <p:cNvPr id="2" name="Slide Image Placeholder 1">
+            <a:extLst>
+              <a:ext uri="{FF2B5EF4-FFF2-40B4-BE49-F238E27FC236}">
+                <a16:creationId xmlns:a16="http://schemas.microsoft.com/office/drawing/2014/main" id="{76EA2DBF-CF7D-CAE4-900A-D3E9B66D64AD}"/>
+              </a:ext>
+            </a:extLst>
+          </p:cNvPr>
+          <p:cNvSpPr>
+            <a:spLocks noGrp="1" noRot="1" noChangeAspect="1"/>
+          </p:cNvSpPr>
+          <p:nvPr>
+            <p:ph type="sldImg"/>
+          </p:nvPr>
+        </p:nvSpPr>
+        <p:spPr/>
+      </p:sp>
+      <p:sp>
+        <p:nvSpPr>
+          <p:cNvPr id="3" name="Notes Placeholder 2">
+            <a:extLst>
+              <a:ext uri="{FF2B5EF4-FFF2-40B4-BE49-F238E27FC236}">
+                <a16:creationId xmlns:a16="http://schemas.microsoft.com/office/drawing/2014/main" id="{FCB439DB-CA04-DEF6-CFC9-9A59044B1B8A}"/>
+              </a:ext>
+            </a:extLst>
+          </p:cNvPr>
+          <p:cNvSpPr>
+            <a:spLocks noGrp="1"/>
+          </p:cNvSpPr>
+          <p:nvPr>
+            <p:ph type="body" idx="1"/>
+          </p:nvPr>
+        </p:nvSpPr>
+        <p:spPr/>
+        <p:txBody>
+          <a:bodyPr/>
+          <a:lstStyle/>
+          <a:p>
+            <a:endParaRPr lang="en-US" dirty="0"/>
+          </a:p>
+        </p:txBody>
+      </p:sp>
+      <p:sp>
+        <p:nvSpPr>
+          <p:cNvPr id="4" name="Slide Number Placeholder 3">
+            <a:extLst>
+              <a:ext uri="{FF2B5EF4-FFF2-40B4-BE49-F238E27FC236}">
+                <a16:creationId xmlns:a16="http://schemas.microsoft.com/office/drawing/2014/main" id="{EDF9BC2B-4ABE-93D6-AB43-0F089B619504}"/>
+              </a:ext>
+            </a:extLst>
+          </p:cNvPr>
+          <p:cNvSpPr>
+            <a:spLocks noGrp="1"/>
+          </p:cNvSpPr>
+          <p:nvPr>
+            <p:ph type="sldNum" sz="quarter" idx="5"/>
+          </p:nvPr>
+        </p:nvSpPr>
+        <p:spPr/>
+        <p:txBody>
+          <a:bodyPr/>
+          <a:lstStyle/>
+          <a:p>
+            <a:fld id="{0DAD7FE9-5289-4F4D-A94E-3D2F71FF67D0}" type="slidenum">
+              <a:rPr lang="en-US" smtClean="0"/>
+              <a:t>9</a:t>
+            </a:fld>
+            <a:endParaRPr lang="en-US"/>
+          </a:p>
+        </p:txBody>
+      </p:sp>
+    </p:spTree>
+    <p:extLst>
+      <p:ext uri="{BB962C8B-B14F-4D97-AF65-F5344CB8AC3E}">
+        <p14:creationId xmlns:p14="http://schemas.microsoft.com/office/powerpoint/2010/main" val="1337799380"/>
+      </p:ext>
+    </p:extLst>
+  </p:cSld>
+  <p:clrMapOvr>
+    <a:masterClrMapping/>
+  </p:clrMapOvr>
+</p:notes>
+</file>
+
+<file path=ppt/notesSlides/notesSlide6.xml><?xml version="1.0" encoding="utf-8"?>
+<p:notes xmlns:a="http://schemas.openxmlformats.org/drawingml/2006/main" xmlns:r="http://schemas.openxmlformats.org/officeDocument/2006/relationships" xmlns:p="http://schemas.openxmlformats.org/presentationml/2006/main">
+  <p:cSld>
+    <p:spTree>
+      <p:nvGrpSpPr>
+        <p:cNvPr id="1" name="">
+          <a:extLst>
+            <a:ext uri="{FF2B5EF4-FFF2-40B4-BE49-F238E27FC236}">
+              <a16:creationId xmlns:a16="http://schemas.microsoft.com/office/drawing/2014/main" id="{0E8C1836-8CAA-8BB0-B1C9-264F2A08F71B}"/>
+            </a:ext>
+          </a:extLst>
+        </p:cNvPr>
+        <p:cNvGrpSpPr/>
+        <p:nvPr/>
+      </p:nvGrpSpPr>
+      <p:grpSpPr>
+        <a:xfrm>
+          <a:off x="0" y="0"/>
+          <a:ext cx="0" cy="0"/>
+          <a:chOff x="0" y="0"/>
+          <a:chExt cx="0" cy="0"/>
+        </a:xfrm>
+      </p:grpSpPr>
+      <p:sp>
+        <p:nvSpPr>
+          <p:cNvPr id="2" name="Slide Image Placeholder 1">
+            <a:extLst>
+              <a:ext uri="{FF2B5EF4-FFF2-40B4-BE49-F238E27FC236}">
+                <a16:creationId xmlns:a16="http://schemas.microsoft.com/office/drawing/2014/main" id="{778282B5-8929-FAFB-0F64-2B4DBEDCC09B}"/>
+              </a:ext>
+            </a:extLst>
+          </p:cNvPr>
+          <p:cNvSpPr>
+            <a:spLocks noGrp="1" noRot="1" noChangeAspect="1"/>
+          </p:cNvSpPr>
+          <p:nvPr>
+            <p:ph type="sldImg"/>
+          </p:nvPr>
+        </p:nvSpPr>
+        <p:spPr/>
+      </p:sp>
+      <p:sp>
+        <p:nvSpPr>
+          <p:cNvPr id="3" name="Notes Placeholder 2">
+            <a:extLst>
+              <a:ext uri="{FF2B5EF4-FFF2-40B4-BE49-F238E27FC236}">
+                <a16:creationId xmlns:a16="http://schemas.microsoft.com/office/drawing/2014/main" id="{BFF5C9A4-7B7C-A090-CEAB-6F9F7EF1F63A}"/>
+              </a:ext>
+            </a:extLst>
+          </p:cNvPr>
+          <p:cNvSpPr>
+            <a:spLocks noGrp="1"/>
+          </p:cNvSpPr>
+          <p:nvPr>
+            <p:ph type="body" idx="1"/>
+          </p:nvPr>
+        </p:nvSpPr>
+        <p:spPr/>
+        <p:txBody>
+          <a:bodyPr/>
+          <a:lstStyle/>
+          <a:p>
+            <a:endParaRPr lang="en-US" dirty="0"/>
+          </a:p>
+        </p:txBody>
+      </p:sp>
+      <p:sp>
+        <p:nvSpPr>
+          <p:cNvPr id="4" name="Slide Number Placeholder 3">
+            <a:extLst>
+              <a:ext uri="{FF2B5EF4-FFF2-40B4-BE49-F238E27FC236}">
+                <a16:creationId xmlns:a16="http://schemas.microsoft.com/office/drawing/2014/main" id="{90846E42-5788-9E34-ADE3-4B1DB15289D1}"/>
+              </a:ext>
+            </a:extLst>
+          </p:cNvPr>
+          <p:cNvSpPr>
+            <a:spLocks noGrp="1"/>
+          </p:cNvSpPr>
+          <p:nvPr>
+            <p:ph type="sldNum" sz="quarter" idx="5"/>
+          </p:nvPr>
+        </p:nvSpPr>
+        <p:spPr/>
+        <p:txBody>
+          <a:bodyPr/>
+          <a:lstStyle/>
+          <a:p>
+            <a:fld id="{0DAD7FE9-5289-4F4D-A94E-3D2F71FF67D0}" type="slidenum">
+              <a:rPr lang="en-US" smtClean="0"/>
+              <a:t>10</a:t>
+            </a:fld>
+            <a:endParaRPr lang="en-US"/>
+          </a:p>
+        </p:txBody>
+      </p:sp>
+    </p:spTree>
+    <p:extLst>
+      <p:ext uri="{BB962C8B-B14F-4D97-AF65-F5344CB8AC3E}">
+        <p14:creationId xmlns:p14="http://schemas.microsoft.com/office/powerpoint/2010/main" val="3673469292"/>
+      </p:ext>
+    </p:extLst>
+  </p:cSld>
+  <p:clrMapOvr>
+    <a:masterClrMapping/>
+  </p:clrMapOvr>
+</p:notes>
+</file>
+
+<file path=ppt/notesSlides/notesSlide7.xml><?xml version="1.0" encoding="utf-8"?>
+<p:notes xmlns:a="http://schemas.openxmlformats.org/drawingml/2006/main" xmlns:r="http://schemas.openxmlformats.org/officeDocument/2006/relationships" xmlns:p="http://schemas.openxmlformats.org/presentationml/2006/main">
+  <p:cSld>
+    <p:spTree>
+      <p:nvGrpSpPr>
+        <p:cNvPr id="1" name="">
+          <a:extLst>
+            <a:ext uri="{FF2B5EF4-FFF2-40B4-BE49-F238E27FC236}">
+              <a16:creationId xmlns:a16="http://schemas.microsoft.com/office/drawing/2014/main" id="{B72B03F3-01E3-9701-A0DF-15985D0CF6BC}"/>
+            </a:ext>
+          </a:extLst>
+        </p:cNvPr>
+        <p:cNvGrpSpPr/>
+        <p:nvPr/>
+      </p:nvGrpSpPr>
+      <p:grpSpPr>
+        <a:xfrm>
+          <a:off x="0" y="0"/>
+          <a:ext cx="0" cy="0"/>
+          <a:chOff x="0" y="0"/>
+          <a:chExt cx="0" cy="0"/>
+        </a:xfrm>
+      </p:grpSpPr>
+      <p:sp>
+        <p:nvSpPr>
+          <p:cNvPr id="2" name="Slide Image Placeholder 1">
+            <a:extLst>
+              <a:ext uri="{FF2B5EF4-FFF2-40B4-BE49-F238E27FC236}">
+                <a16:creationId xmlns:a16="http://schemas.microsoft.com/office/drawing/2014/main" id="{A44C9688-70E1-95AB-263B-ABAFDC53FF1D}"/>
+              </a:ext>
+            </a:extLst>
+          </p:cNvPr>
+          <p:cNvSpPr>
+            <a:spLocks noGrp="1" noRot="1" noChangeAspect="1"/>
+          </p:cNvSpPr>
+          <p:nvPr>
+            <p:ph type="sldImg"/>
+          </p:nvPr>
+        </p:nvSpPr>
+        <p:spPr/>
+      </p:sp>
+      <p:sp>
+        <p:nvSpPr>
+          <p:cNvPr id="3" name="Notes Placeholder 2">
+            <a:extLst>
+              <a:ext uri="{FF2B5EF4-FFF2-40B4-BE49-F238E27FC236}">
+                <a16:creationId xmlns:a16="http://schemas.microsoft.com/office/drawing/2014/main" id="{D87D931D-46F6-89E0-1672-A3987E4B088F}"/>
+              </a:ext>
+            </a:extLst>
+          </p:cNvPr>
+          <p:cNvSpPr>
+            <a:spLocks noGrp="1"/>
+          </p:cNvSpPr>
+          <p:nvPr>
+            <p:ph type="body" idx="1"/>
+          </p:nvPr>
+        </p:nvSpPr>
+        <p:spPr/>
+        <p:txBody>
+          <a:bodyPr/>
+          <a:lstStyle/>
+          <a:p>
+            <a:endParaRPr lang="en-US" dirty="0"/>
+          </a:p>
+        </p:txBody>
+      </p:sp>
+      <p:sp>
+        <p:nvSpPr>
+          <p:cNvPr id="4" name="Slide Number Placeholder 3">
+            <a:extLst>
+              <a:ext uri="{FF2B5EF4-FFF2-40B4-BE49-F238E27FC236}">
+                <a16:creationId xmlns:a16="http://schemas.microsoft.com/office/drawing/2014/main" id="{BF8091A9-7F06-355A-D6FB-E9EC156D2551}"/>
+              </a:ext>
+            </a:extLst>
+          </p:cNvPr>
+          <p:cNvSpPr>
+            <a:spLocks noGrp="1"/>
+          </p:cNvSpPr>
+          <p:nvPr>
+            <p:ph type="sldNum" sz="quarter" idx="5"/>
+          </p:nvPr>
+        </p:nvSpPr>
+        <p:spPr/>
+        <p:txBody>
+          <a:bodyPr/>
+          <a:lstStyle/>
+          <a:p>
+            <a:fld id="{0DAD7FE9-5289-4F4D-A94E-3D2F71FF67D0}" type="slidenum">
+              <a:rPr lang="en-US" smtClean="0"/>
+              <a:t>11</a:t>
+            </a:fld>
+            <a:endParaRPr lang="en-US"/>
+          </a:p>
+        </p:txBody>
+      </p:sp>
+    </p:spTree>
+    <p:extLst>
+      <p:ext uri="{BB962C8B-B14F-4D97-AF65-F5344CB8AC3E}">
+        <p14:creationId xmlns:p14="http://schemas.microsoft.com/office/powerpoint/2010/main" val="3854457586"/>
+      </p:ext>
+    </p:extLst>
+  </p:cSld>
+  <p:clrMapOvr>
+    <a:masterClrMapping/>
+  </p:clrMapOvr>
+</p:notes>
+</file>
+
+<file path=ppt/notesSlides/notesSlide8.xml><?xml version="1.0" encoding="utf-8"?>
+<p:notes xmlns:a="http://schemas.openxmlformats.org/drawingml/2006/main" xmlns:r="http://schemas.openxmlformats.org/officeDocument/2006/relationships" xmlns:p="http://schemas.openxmlformats.org/presentationml/2006/main">
+  <p:cSld>
+    <p:spTree>
+      <p:nvGrpSpPr>
+        <p:cNvPr id="1" name="">
+          <a:extLst>
+            <a:ext uri="{FF2B5EF4-FFF2-40B4-BE49-F238E27FC236}">
+              <a16:creationId xmlns:a16="http://schemas.microsoft.com/office/drawing/2014/main" id="{EC976A0D-CF1B-696E-BCEC-4486B4C26C66}"/>
+            </a:ext>
+          </a:extLst>
+        </p:cNvPr>
+        <p:cNvGrpSpPr/>
+        <p:nvPr/>
+      </p:nvGrpSpPr>
+      <p:grpSpPr>
+        <a:xfrm>
+          <a:off x="0" y="0"/>
+          <a:ext cx="0" cy="0"/>
+          <a:chOff x="0" y="0"/>
+          <a:chExt cx="0" cy="0"/>
+        </a:xfrm>
+      </p:grpSpPr>
+      <p:sp>
+        <p:nvSpPr>
+          <p:cNvPr id="2" name="Slide Image Placeholder 1">
+            <a:extLst>
+              <a:ext uri="{FF2B5EF4-FFF2-40B4-BE49-F238E27FC236}">
+                <a16:creationId xmlns:a16="http://schemas.microsoft.com/office/drawing/2014/main" id="{BA2C8681-07C5-B06F-BF33-E647B8D3CDA1}"/>
+              </a:ext>
+            </a:extLst>
+          </p:cNvPr>
+          <p:cNvSpPr>
+            <a:spLocks noGrp="1" noRot="1" noChangeAspect="1"/>
+          </p:cNvSpPr>
+          <p:nvPr>
+            <p:ph type="sldImg"/>
+          </p:nvPr>
+        </p:nvSpPr>
+        <p:spPr/>
+      </p:sp>
+      <p:sp>
+        <p:nvSpPr>
+          <p:cNvPr id="3" name="Notes Placeholder 2">
+            <a:extLst>
+              <a:ext uri="{FF2B5EF4-FFF2-40B4-BE49-F238E27FC236}">
+                <a16:creationId xmlns:a16="http://schemas.microsoft.com/office/drawing/2014/main" id="{E76AA52A-32DE-9F35-2320-ACC12D962DAE}"/>
+              </a:ext>
+            </a:extLst>
+          </p:cNvPr>
+          <p:cNvSpPr>
+            <a:spLocks noGrp="1"/>
+          </p:cNvSpPr>
+          <p:nvPr>
+            <p:ph type="body" idx="1"/>
+          </p:nvPr>
+        </p:nvSpPr>
+        <p:spPr/>
+        <p:txBody>
+          <a:bodyPr/>
+          <a:lstStyle/>
+          <a:p>
+            <a:endParaRPr lang="en-US" dirty="0"/>
+          </a:p>
+        </p:txBody>
+      </p:sp>
+      <p:sp>
+        <p:nvSpPr>
+          <p:cNvPr id="4" name="Slide Number Placeholder 3">
+            <a:extLst>
+              <a:ext uri="{FF2B5EF4-FFF2-40B4-BE49-F238E27FC236}">
+                <a16:creationId xmlns:a16="http://schemas.microsoft.com/office/drawing/2014/main" id="{3C53D2F5-4164-590A-A1F1-DB7139E10933}"/>
+              </a:ext>
+            </a:extLst>
+          </p:cNvPr>
+          <p:cNvSpPr>
+            <a:spLocks noGrp="1"/>
+          </p:cNvSpPr>
+          <p:nvPr>
+            <p:ph type="sldNum" sz="quarter" idx="5"/>
+          </p:nvPr>
+        </p:nvSpPr>
+        <p:spPr/>
+        <p:txBody>
+          <a:bodyPr/>
+          <a:lstStyle/>
+          <a:p>
+            <a:fld id="{0DAD7FE9-5289-4F4D-A94E-3D2F71FF67D0}" type="slidenum">
+              <a:rPr lang="en-US" smtClean="0"/>
+              <a:t>12</a:t>
+            </a:fld>
+            <a:endParaRPr lang="en-US"/>
+          </a:p>
+        </p:txBody>
+      </p:sp>
+    </p:spTree>
+    <p:extLst>
+      <p:ext uri="{BB962C8B-B14F-4D97-AF65-F5344CB8AC3E}">
+        <p14:creationId xmlns:p14="http://schemas.microsoft.com/office/powerpoint/2010/main" val="188608259"/>
+      </p:ext>
+    </p:extLst>
+  </p:cSld>
+  <p:clrMapOvr>
+    <a:masterClrMapping/>
+  </p:clrMapOvr>
+</p:notes>
+</file>
+
+<file path=ppt/notesSlides/notesSlide9.xml><?xml version="1.0" encoding="utf-8"?>
+<p:notes xmlns:a="http://schemas.openxmlformats.org/drawingml/2006/main" xmlns:r="http://schemas.openxmlformats.org/officeDocument/2006/relationships" xmlns:p="http://schemas.openxmlformats.org/presentationml/2006/main">
+  <p:cSld>
+    <p:spTree>
+      <p:nvGrpSpPr>
+        <p:cNvPr id="1" name="">
+          <a:extLst>
+            <a:ext uri="{FF2B5EF4-FFF2-40B4-BE49-F238E27FC236}">
+              <a16:creationId xmlns:a16="http://schemas.microsoft.com/office/drawing/2014/main" id="{F7628B7D-3A44-9C77-0075-D32FDC66E6F1}"/>
+            </a:ext>
+          </a:extLst>
+        </p:cNvPr>
+        <p:cNvGrpSpPr/>
+        <p:nvPr/>
+      </p:nvGrpSpPr>
+      <p:grpSpPr>
+        <a:xfrm>
+          <a:off x="0" y="0"/>
+          <a:ext cx="0" cy="0"/>
+          <a:chOff x="0" y="0"/>
+          <a:chExt cx="0" cy="0"/>
+        </a:xfrm>
+      </p:grpSpPr>
+      <p:sp>
+        <p:nvSpPr>
+          <p:cNvPr id="2" name="Slide Image Placeholder 1">
+            <a:extLst>
+              <a:ext uri="{FF2B5EF4-FFF2-40B4-BE49-F238E27FC236}">
+                <a16:creationId xmlns:a16="http://schemas.microsoft.com/office/drawing/2014/main" id="{8582F975-B949-4A4F-3726-C310C412A8FA}"/>
+              </a:ext>
+            </a:extLst>
+          </p:cNvPr>
+          <p:cNvSpPr>
+            <a:spLocks noGrp="1" noRot="1" noChangeAspect="1"/>
+          </p:cNvSpPr>
+          <p:nvPr>
+            <p:ph type="sldImg"/>
+          </p:nvPr>
+        </p:nvSpPr>
+        <p:spPr/>
+      </p:sp>
+      <p:sp>
+        <p:nvSpPr>
+          <p:cNvPr id="3" name="Notes Placeholder 2">
+            <a:extLst>
+              <a:ext uri="{FF2B5EF4-FFF2-40B4-BE49-F238E27FC236}">
+                <a16:creationId xmlns:a16="http://schemas.microsoft.com/office/drawing/2014/main" id="{DE9E9C55-3414-B2AB-E738-F5D61B65CC6F}"/>
+              </a:ext>
+            </a:extLst>
+          </p:cNvPr>
+          <p:cNvSpPr>
+            <a:spLocks noGrp="1"/>
+          </p:cNvSpPr>
+          <p:nvPr>
+            <p:ph type="body" idx="1"/>
+          </p:nvPr>
+        </p:nvSpPr>
+        <p:spPr/>
+        <p:txBody>
+          <a:bodyPr/>
+          <a:lstStyle/>
+          <a:p>
+            <a:endParaRPr lang="en-US" dirty="0"/>
+          </a:p>
+        </p:txBody>
+      </p:sp>
+      <p:sp>
+        <p:nvSpPr>
+          <p:cNvPr id="4" name="Slide Number Placeholder 3">
+            <a:extLst>
+              <a:ext uri="{FF2B5EF4-FFF2-40B4-BE49-F238E27FC236}">
+                <a16:creationId xmlns:a16="http://schemas.microsoft.com/office/drawing/2014/main" id="{91332332-DE5B-22D4-7258-A073FB7FD6DF}"/>
+              </a:ext>
+            </a:extLst>
+          </p:cNvPr>
+          <p:cNvSpPr>
+            <a:spLocks noGrp="1"/>
+          </p:cNvSpPr>
+          <p:nvPr>
+            <p:ph type="sldNum" sz="quarter" idx="5"/>
+          </p:nvPr>
+        </p:nvSpPr>
+        <p:spPr/>
+        <p:txBody>
+          <a:bodyPr/>
+          <a:lstStyle/>
+          <a:p>
+            <a:fld id="{0DAD7FE9-5289-4F4D-A94E-3D2F71FF67D0}" type="slidenum">
+              <a:rPr lang="en-US" smtClean="0"/>
+              <a:t>13</a:t>
+            </a:fld>
+            <a:endParaRPr lang="en-US"/>
+          </a:p>
+        </p:txBody>
+      </p:sp>
+    </p:spTree>
+    <p:extLst>
+      <p:ext uri="{BB962C8B-B14F-4D97-AF65-F5344CB8AC3E}">
+        <p14:creationId xmlns:p14="http://schemas.microsoft.com/office/powerpoint/2010/main" val="2301668927"/>
       </p:ext>
     </p:extLst>
   </p:cSld>
@@ -7476,7 +8300,7 @@
         <p:cNvPr id="1" name="">
           <a:extLst>
             <a:ext uri="{FF2B5EF4-FFF2-40B4-BE49-F238E27FC236}">
-              <a16:creationId xmlns:a16="http://schemas.microsoft.com/office/drawing/2014/main" id="{80A7F663-885D-20E6-3CA9-694F72B95274}"/>
+              <a16:creationId xmlns:a16="http://schemas.microsoft.com/office/drawing/2014/main" id="{17641882-4E02-D879-CF04-106C779F7F4A}"/>
             </a:ext>
           </a:extLst>
         </p:cNvPr>
@@ -7493,742 +8317,10 @@
       </p:grpSpPr>
       <p:sp>
         <p:nvSpPr>
-          <p:cNvPr id="2" name="Title 1">
-            <a:extLst>
-              <a:ext uri="{FF2B5EF4-FFF2-40B4-BE49-F238E27FC236}">
-                <a16:creationId xmlns:a16="http://schemas.microsoft.com/office/drawing/2014/main" id="{2A99BCBA-1F39-88CD-7904-2CD6B7BA4634}"/>
-              </a:ext>
-            </a:extLst>
-          </p:cNvPr>
-          <p:cNvSpPr>
-            <a:spLocks noGrp="1"/>
-          </p:cNvSpPr>
-          <p:nvPr>
-            <p:ph type="title"/>
-          </p:nvPr>
-        </p:nvSpPr>
-        <p:spPr/>
-        <p:txBody>
-          <a:bodyPr/>
-          <a:lstStyle/>
-          <a:p>
-            <a:r>
-              <a:rPr lang="en-US" sz="3000" b="1" dirty="0">
-                <a:solidFill>
-                  <a:schemeClr val="tx2"/>
-                </a:solidFill>
-              </a:rPr>
-              <a:t>Where we are</a:t>
-            </a:r>
-          </a:p>
-        </p:txBody>
-      </p:sp>
-      <p:pic>
-        <p:nvPicPr>
-          <p:cNvPr id="14" name="Picture 13" descr="A diagram of a machine learning algorithm&#10;&#10;Description automatically generated">
-            <a:extLst>
-              <a:ext uri="{FF2B5EF4-FFF2-40B4-BE49-F238E27FC236}">
-                <a16:creationId xmlns:a16="http://schemas.microsoft.com/office/drawing/2014/main" id="{EE3CA2A9-7EDD-7C21-F989-6BD46FDBE0AD}"/>
-              </a:ext>
-            </a:extLst>
-          </p:cNvPr>
-          <p:cNvPicPr>
-            <a:picLocks noChangeAspect="1"/>
-          </p:cNvPicPr>
-          <p:nvPr/>
-        </p:nvPicPr>
-        <p:blipFill>
-          <a:blip r:embed="rId2"/>
-          <a:stretch>
-            <a:fillRect/>
-          </a:stretch>
-        </p:blipFill>
-        <p:spPr>
-          <a:xfrm>
-            <a:off x="3696649" y="1949887"/>
-            <a:ext cx="5240421" cy="2958225"/>
-          </a:xfrm>
-          <a:prstGeom prst="rect">
-            <a:avLst/>
-          </a:prstGeom>
-        </p:spPr>
-      </p:pic>
-      <mc:AlternateContent xmlns:mc="http://schemas.openxmlformats.org/markup-compatibility/2006">
-        <mc:Choice xmlns:p14="http://schemas.microsoft.com/office/powerpoint/2010/main" Requires="p14">
-          <p:contentPart p14:bwMode="auto" r:id="rId3">
-            <p14:nvContentPartPr>
-              <p14:cNvPr id="3" name="Ink 2">
-                <a:extLst>
-                  <a:ext uri="{FF2B5EF4-FFF2-40B4-BE49-F238E27FC236}">
-                    <a16:creationId xmlns:a16="http://schemas.microsoft.com/office/drawing/2014/main" id="{B958BF4A-1E9C-0649-6FB3-BE03C4B47874}"/>
-                  </a:ext>
-                </a:extLst>
-              </p14:cNvPr>
-              <p14:cNvContentPartPr/>
-              <p14:nvPr/>
-            </p14:nvContentPartPr>
-            <p14:xfrm>
-              <a:off x="6647040" y="3688729"/>
-              <a:ext cx="1421280" cy="1315440"/>
-            </p14:xfrm>
-          </p:contentPart>
-        </mc:Choice>
-        <mc:Fallback>
-          <p:pic>
-            <p:nvPicPr>
-              <p:cNvPr id="3" name="Ink 2">
-                <a:extLst>
-                  <a:ext uri="{FF2B5EF4-FFF2-40B4-BE49-F238E27FC236}">
-                    <a16:creationId xmlns:a16="http://schemas.microsoft.com/office/drawing/2014/main" id="{B958BF4A-1E9C-0649-6FB3-BE03C4B47874}"/>
-                  </a:ext>
-                </a:extLst>
-              </p:cNvPr>
-              <p:cNvPicPr/>
-              <p:nvPr/>
-            </p:nvPicPr>
-            <p:blipFill>
-              <a:blip r:embed="rId4"/>
-              <a:stretch>
-                <a:fillRect/>
-              </a:stretch>
-            </p:blipFill>
-            <p:spPr>
-              <a:xfrm>
-                <a:off x="6593040" y="3580729"/>
-                <a:ext cx="1528920" cy="1531080"/>
-              </a:xfrm>
-              <a:prstGeom prst="rect">
-                <a:avLst/>
-              </a:prstGeom>
-            </p:spPr>
-          </p:pic>
-        </mc:Fallback>
-      </mc:AlternateContent>
-    </p:spTree>
-    <p:extLst>
-      <p:ext uri="{BB962C8B-B14F-4D97-AF65-F5344CB8AC3E}">
-        <p14:creationId xmlns:p14="http://schemas.microsoft.com/office/powerpoint/2010/main" val="2835453254"/>
-      </p:ext>
-    </p:extLst>
-  </p:cSld>
-  <p:clrMapOvr>
-    <a:masterClrMapping/>
-  </p:clrMapOvr>
-</p:sld>
-</file>
-
-<file path=ppt/slides/slide2.xml><?xml version="1.0" encoding="utf-8"?>
-<p:sld xmlns:a="http://schemas.openxmlformats.org/drawingml/2006/main" xmlns:r="http://schemas.openxmlformats.org/officeDocument/2006/relationships" xmlns:p="http://schemas.openxmlformats.org/presentationml/2006/main">
-  <p:cSld>
-    <p:spTree>
-      <p:nvGrpSpPr>
-        <p:cNvPr id="1" name="">
-          <a:extLst>
-            <a:ext uri="{FF2B5EF4-FFF2-40B4-BE49-F238E27FC236}">
-              <a16:creationId xmlns:a16="http://schemas.microsoft.com/office/drawing/2014/main" id="{0A2B2CD4-F230-0671-E08F-8686A03DCE78}"/>
-            </a:ext>
-          </a:extLst>
-        </p:cNvPr>
-        <p:cNvGrpSpPr/>
-        <p:nvPr/>
-      </p:nvGrpSpPr>
-      <p:grpSpPr>
-        <a:xfrm>
-          <a:off x="0" y="0"/>
-          <a:ext cx="0" cy="0"/>
-          <a:chOff x="0" y="0"/>
-          <a:chExt cx="0" cy="0"/>
-        </a:xfrm>
-      </p:grpSpPr>
-      <p:sp>
-        <p:nvSpPr>
-          <p:cNvPr id="2" name="Title 1">
-            <a:extLst>
-              <a:ext uri="{FF2B5EF4-FFF2-40B4-BE49-F238E27FC236}">
-                <a16:creationId xmlns:a16="http://schemas.microsoft.com/office/drawing/2014/main" id="{80F3637D-DE2D-62A6-1168-4BC03EAA397A}"/>
-              </a:ext>
-            </a:extLst>
-          </p:cNvPr>
-          <p:cNvSpPr>
-            <a:spLocks noGrp="1"/>
-          </p:cNvSpPr>
-          <p:nvPr>
-            <p:ph type="title"/>
-          </p:nvPr>
-        </p:nvSpPr>
-        <p:spPr/>
-        <p:txBody>
-          <a:bodyPr/>
-          <a:lstStyle/>
-          <a:p>
-            <a:r>
-              <a:rPr lang="en-US" dirty="0">
-                <a:solidFill>
-                  <a:schemeClr val="tx2"/>
-                </a:solidFill>
-              </a:rPr>
-              <a:t>Syllabus Reminder</a:t>
-            </a:r>
-            <a:endParaRPr lang="en-US" sz="3000" b="1" i="1" dirty="0">
-              <a:solidFill>
-                <a:schemeClr val="tx2"/>
-              </a:solidFill>
-            </a:endParaRPr>
-          </a:p>
-        </p:txBody>
-      </p:sp>
-      <p:sp>
-        <p:nvSpPr>
-          <p:cNvPr id="3" name="Content Placeholder 4">
-            <a:extLst>
-              <a:ext uri="{FF2B5EF4-FFF2-40B4-BE49-F238E27FC236}">
-                <a16:creationId xmlns:a16="http://schemas.microsoft.com/office/drawing/2014/main" id="{8C264A58-A805-FA8B-F75B-8B81BCDC6631}"/>
-              </a:ext>
-            </a:extLst>
-          </p:cNvPr>
-          <p:cNvSpPr txBox="1">
-            <a:spLocks/>
-          </p:cNvSpPr>
-          <p:nvPr/>
-        </p:nvSpPr>
-        <p:spPr>
-          <a:xfrm>
-            <a:off x="990600" y="1398905"/>
-            <a:ext cx="10515600" cy="4351338"/>
-          </a:xfrm>
-          <a:prstGeom prst="rect">
-            <a:avLst/>
-          </a:prstGeom>
-        </p:spPr>
-        <p:txBody>
-          <a:bodyPr vert="horz" lIns="91440" tIns="45720" rIns="91440" bIns="45720" rtlCol="0">
-            <a:noAutofit/>
-          </a:bodyPr>
-          <a:lstStyle>
-            <a:lvl1pPr marL="228600" indent="-228600" algn="l" defTabSz="914400" rtl="0" eaLnBrk="1" latinLnBrk="0" hangingPunct="1">
-              <a:lnSpc>
-                <a:spcPct val="90000"/>
-              </a:lnSpc>
-              <a:spcBef>
-                <a:spcPts val="1000"/>
-              </a:spcBef>
-              <a:buFont typeface="Arial" panose="020B0604020202020204" pitchFamily="34" charset="0"/>
-              <a:buChar char="•"/>
-              <a:defRPr sz="2800" kern="1200">
-                <a:solidFill>
-                  <a:schemeClr val="tx1"/>
-                </a:solidFill>
-                <a:latin typeface="+mn-lt"/>
-                <a:ea typeface="+mn-ea"/>
-                <a:cs typeface="+mn-cs"/>
-              </a:defRPr>
-            </a:lvl1pPr>
-            <a:lvl2pPr marL="685800" indent="-228600" algn="l" defTabSz="914400" rtl="0" eaLnBrk="1" latinLnBrk="0" hangingPunct="1">
-              <a:lnSpc>
-                <a:spcPct val="90000"/>
-              </a:lnSpc>
-              <a:spcBef>
-                <a:spcPts val="500"/>
-              </a:spcBef>
-              <a:buFont typeface="Arial" panose="020B0604020202020204" pitchFamily="34" charset="0"/>
-              <a:buChar char="•"/>
-              <a:defRPr sz="2400" kern="1200">
-                <a:solidFill>
-                  <a:schemeClr val="tx1"/>
-                </a:solidFill>
-                <a:latin typeface="+mn-lt"/>
-                <a:ea typeface="+mn-ea"/>
-                <a:cs typeface="+mn-cs"/>
-              </a:defRPr>
-            </a:lvl2pPr>
-            <a:lvl3pPr marL="1143000" indent="-228600" algn="l" defTabSz="914400" rtl="0" eaLnBrk="1" latinLnBrk="0" hangingPunct="1">
-              <a:lnSpc>
-                <a:spcPct val="90000"/>
-              </a:lnSpc>
-              <a:spcBef>
-                <a:spcPts val="500"/>
-              </a:spcBef>
-              <a:buFont typeface="Arial" panose="020B0604020202020204" pitchFamily="34" charset="0"/>
-              <a:buChar char="•"/>
-              <a:defRPr sz="2000" kern="1200">
-                <a:solidFill>
-                  <a:schemeClr val="tx1"/>
-                </a:solidFill>
-                <a:latin typeface="+mn-lt"/>
-                <a:ea typeface="+mn-ea"/>
-                <a:cs typeface="+mn-cs"/>
-              </a:defRPr>
-            </a:lvl3pPr>
-            <a:lvl4pPr marL="1600200" indent="-228600" algn="l" defTabSz="914400" rtl="0" eaLnBrk="1" latinLnBrk="0" hangingPunct="1">
-              <a:lnSpc>
-                <a:spcPct val="90000"/>
-              </a:lnSpc>
-              <a:spcBef>
-                <a:spcPts val="500"/>
-              </a:spcBef>
-              <a:buFont typeface="Arial" panose="020B0604020202020204" pitchFamily="34" charset="0"/>
-              <a:buChar char="•"/>
-              <a:defRPr sz="1800" kern="1200">
-                <a:solidFill>
-                  <a:schemeClr val="tx1"/>
-                </a:solidFill>
-                <a:latin typeface="+mn-lt"/>
-                <a:ea typeface="+mn-ea"/>
-                <a:cs typeface="+mn-cs"/>
-              </a:defRPr>
-            </a:lvl4pPr>
-            <a:lvl5pPr marL="2057400" indent="-228600" algn="l" defTabSz="914400" rtl="0" eaLnBrk="1" latinLnBrk="0" hangingPunct="1">
-              <a:lnSpc>
-                <a:spcPct val="90000"/>
-              </a:lnSpc>
-              <a:spcBef>
-                <a:spcPts val="500"/>
-              </a:spcBef>
-              <a:buFont typeface="Arial" panose="020B0604020202020204" pitchFamily="34" charset="0"/>
-              <a:buChar char="•"/>
-              <a:defRPr sz="1800" kern="1200">
-                <a:solidFill>
-                  <a:schemeClr val="tx1"/>
-                </a:solidFill>
-                <a:latin typeface="+mn-lt"/>
-                <a:ea typeface="+mn-ea"/>
-                <a:cs typeface="+mn-cs"/>
-              </a:defRPr>
-            </a:lvl5pPr>
-            <a:lvl6pPr marL="2514600" indent="-228600" algn="l" defTabSz="914400" rtl="0" eaLnBrk="1" latinLnBrk="0" hangingPunct="1">
-              <a:lnSpc>
-                <a:spcPct val="90000"/>
-              </a:lnSpc>
-              <a:spcBef>
-                <a:spcPts val="500"/>
-              </a:spcBef>
-              <a:buFont typeface="Arial" panose="020B0604020202020204" pitchFamily="34" charset="0"/>
-              <a:buChar char="•"/>
-              <a:defRPr sz="1800" kern="1200">
-                <a:solidFill>
-                  <a:schemeClr val="tx1"/>
-                </a:solidFill>
-                <a:latin typeface="+mn-lt"/>
-                <a:ea typeface="+mn-ea"/>
-                <a:cs typeface="+mn-cs"/>
-              </a:defRPr>
-            </a:lvl6pPr>
-            <a:lvl7pPr marL="2971800" indent="-228600" algn="l" defTabSz="914400" rtl="0" eaLnBrk="1" latinLnBrk="0" hangingPunct="1">
-              <a:lnSpc>
-                <a:spcPct val="90000"/>
-              </a:lnSpc>
-              <a:spcBef>
-                <a:spcPts val="500"/>
-              </a:spcBef>
-              <a:buFont typeface="Arial" panose="020B0604020202020204" pitchFamily="34" charset="0"/>
-              <a:buChar char="•"/>
-              <a:defRPr sz="1800" kern="1200">
-                <a:solidFill>
-                  <a:schemeClr val="tx1"/>
-                </a:solidFill>
-                <a:latin typeface="+mn-lt"/>
-                <a:ea typeface="+mn-ea"/>
-                <a:cs typeface="+mn-cs"/>
-              </a:defRPr>
-            </a:lvl7pPr>
-            <a:lvl8pPr marL="3429000" indent="-228600" algn="l" defTabSz="914400" rtl="0" eaLnBrk="1" latinLnBrk="0" hangingPunct="1">
-              <a:lnSpc>
-                <a:spcPct val="90000"/>
-              </a:lnSpc>
-              <a:spcBef>
-                <a:spcPts val="500"/>
-              </a:spcBef>
-              <a:buFont typeface="Arial" panose="020B0604020202020204" pitchFamily="34" charset="0"/>
-              <a:buChar char="•"/>
-              <a:defRPr sz="1800" kern="1200">
-                <a:solidFill>
-                  <a:schemeClr val="tx1"/>
-                </a:solidFill>
-                <a:latin typeface="+mn-lt"/>
-                <a:ea typeface="+mn-ea"/>
-                <a:cs typeface="+mn-cs"/>
-              </a:defRPr>
-            </a:lvl8pPr>
-            <a:lvl9pPr marL="3886200" indent="-228600" algn="l" defTabSz="914400" rtl="0" eaLnBrk="1" latinLnBrk="0" hangingPunct="1">
-              <a:lnSpc>
-                <a:spcPct val="90000"/>
-              </a:lnSpc>
-              <a:spcBef>
-                <a:spcPts val="500"/>
-              </a:spcBef>
-              <a:buFont typeface="Arial" panose="020B0604020202020204" pitchFamily="34" charset="0"/>
-              <a:buChar char="•"/>
-              <a:defRPr sz="1800" kern="1200">
-                <a:solidFill>
-                  <a:schemeClr val="tx1"/>
-                </a:solidFill>
-                <a:latin typeface="+mn-lt"/>
-                <a:ea typeface="+mn-ea"/>
-                <a:cs typeface="+mn-cs"/>
-              </a:defRPr>
-            </a:lvl9pPr>
-          </a:lstStyle>
-          <a:p>
-            <a:r>
-              <a:rPr lang="en-US" dirty="0">
-                <a:solidFill>
-                  <a:schemeClr val="tx2"/>
-                </a:solidFill>
-              </a:rPr>
-              <a:t>ChatGPT</a:t>
-            </a:r>
-          </a:p>
-          <a:p>
-            <a:r>
-              <a:rPr lang="en-US" dirty="0">
-                <a:solidFill>
-                  <a:schemeClr val="tx2"/>
-                </a:solidFill>
-              </a:rPr>
-              <a:t>Late penalty</a:t>
-            </a:r>
-          </a:p>
-          <a:p>
-            <a:r>
-              <a:rPr lang="en-US" dirty="0">
-                <a:solidFill>
-                  <a:schemeClr val="tx2"/>
-                </a:solidFill>
-              </a:rPr>
-              <a:t>Participation</a:t>
-            </a:r>
-          </a:p>
-          <a:p>
-            <a:pPr marL="0" indent="0">
-              <a:buNone/>
-            </a:pPr>
-            <a:endParaRPr lang="en-US" b="1" dirty="0">
-              <a:solidFill>
-                <a:schemeClr val="tx2"/>
-              </a:solidFill>
-            </a:endParaRPr>
-          </a:p>
-          <a:p>
-            <a:endParaRPr lang="en-US" dirty="0">
-              <a:solidFill>
-                <a:schemeClr val="tx2"/>
-              </a:solidFill>
-            </a:endParaRPr>
-          </a:p>
-          <a:p>
-            <a:pPr marL="0" indent="0">
-              <a:buFont typeface="Arial" panose="020B0604020202020204" pitchFamily="34" charset="0"/>
-              <a:buNone/>
-            </a:pPr>
-            <a:endParaRPr lang="en-US" dirty="0">
-              <a:solidFill>
-                <a:schemeClr val="tx2"/>
-              </a:solidFill>
-            </a:endParaRPr>
-          </a:p>
-          <a:p>
-            <a:endParaRPr lang="en-US" dirty="0">
-              <a:solidFill>
-                <a:schemeClr val="tx2"/>
-              </a:solidFill>
-            </a:endParaRPr>
-          </a:p>
-        </p:txBody>
-      </p:sp>
-    </p:spTree>
-    <p:extLst>
-      <p:ext uri="{BB962C8B-B14F-4D97-AF65-F5344CB8AC3E}">
-        <p14:creationId xmlns:p14="http://schemas.microsoft.com/office/powerpoint/2010/main" val="2212670728"/>
-      </p:ext>
-    </p:extLst>
-  </p:cSld>
-  <p:clrMapOvr>
-    <a:masterClrMapping/>
-  </p:clrMapOvr>
-</p:sld>
-</file>
-
-<file path=ppt/slides/slide3.xml><?xml version="1.0" encoding="utf-8"?>
-<p:sld xmlns:a="http://schemas.openxmlformats.org/drawingml/2006/main" xmlns:r="http://schemas.openxmlformats.org/officeDocument/2006/relationships" xmlns:p="http://schemas.openxmlformats.org/presentationml/2006/main">
-  <p:cSld>
-    <p:spTree>
-      <p:nvGrpSpPr>
-        <p:cNvPr id="1" name="">
-          <a:extLst>
-            <a:ext uri="{FF2B5EF4-FFF2-40B4-BE49-F238E27FC236}">
-              <a16:creationId xmlns:a16="http://schemas.microsoft.com/office/drawing/2014/main" id="{9E5146E1-BF28-1262-D90A-D6B61B4B6F84}"/>
-            </a:ext>
-          </a:extLst>
-        </p:cNvPr>
-        <p:cNvGrpSpPr/>
-        <p:nvPr/>
-      </p:nvGrpSpPr>
-      <p:grpSpPr>
-        <a:xfrm>
-          <a:off x="0" y="0"/>
-          <a:ext cx="0" cy="0"/>
-          <a:chOff x="0" y="0"/>
-          <a:chExt cx="0" cy="0"/>
-        </a:xfrm>
-      </p:grpSpPr>
-      <p:sp>
-        <p:nvSpPr>
-          <p:cNvPr id="5" name="Title 4">
-            <a:extLst>
-              <a:ext uri="{FF2B5EF4-FFF2-40B4-BE49-F238E27FC236}">
-                <a16:creationId xmlns:a16="http://schemas.microsoft.com/office/drawing/2014/main" id="{A468F5FD-1F61-E926-CB0B-33420D2857C2}"/>
-              </a:ext>
-            </a:extLst>
-          </p:cNvPr>
-          <p:cNvSpPr>
-            <a:spLocks noGrp="1"/>
-          </p:cNvSpPr>
-          <p:nvPr>
-            <p:ph type="title"/>
-          </p:nvPr>
-        </p:nvSpPr>
-        <p:spPr/>
-        <p:txBody>
-          <a:bodyPr/>
-          <a:lstStyle/>
-          <a:p>
-            <a:r>
-              <a:rPr lang="en-US" dirty="0"/>
-              <a:t>EV[Decision] &gt;= EV[Not Decision]</a:t>
-            </a:r>
-          </a:p>
-        </p:txBody>
-      </p:sp>
-    </p:spTree>
-    <p:extLst>
-      <p:ext uri="{BB962C8B-B14F-4D97-AF65-F5344CB8AC3E}">
-        <p14:creationId xmlns:p14="http://schemas.microsoft.com/office/powerpoint/2010/main" val="326392519"/>
-      </p:ext>
-    </p:extLst>
-  </p:cSld>
-  <p:clrMapOvr>
-    <a:masterClrMapping/>
-  </p:clrMapOvr>
-</p:sld>
-</file>
-
-<file path=ppt/slides/slide4.xml><?xml version="1.0" encoding="utf-8"?>
-<p:sld xmlns:a="http://schemas.openxmlformats.org/drawingml/2006/main" xmlns:r="http://schemas.openxmlformats.org/officeDocument/2006/relationships" xmlns:p="http://schemas.openxmlformats.org/presentationml/2006/main">
-  <p:cSld>
-    <p:spTree>
-      <p:nvGrpSpPr>
-        <p:cNvPr id="1" name="">
-          <a:extLst>
-            <a:ext uri="{FF2B5EF4-FFF2-40B4-BE49-F238E27FC236}">
-              <a16:creationId xmlns:a16="http://schemas.microsoft.com/office/drawing/2014/main" id="{E3DA170B-537B-1B92-4FEC-6551513DB660}"/>
-            </a:ext>
-          </a:extLst>
-        </p:cNvPr>
-        <p:cNvGrpSpPr/>
-        <p:nvPr/>
-      </p:nvGrpSpPr>
-      <p:grpSpPr>
-        <a:xfrm>
-          <a:off x="0" y="0"/>
-          <a:ext cx="0" cy="0"/>
-          <a:chOff x="0" y="0"/>
-          <a:chExt cx="0" cy="0"/>
-        </a:xfrm>
-      </p:grpSpPr>
-      <p:sp>
-        <p:nvSpPr>
-          <p:cNvPr id="2" name="Title 1">
-            <a:extLst>
-              <a:ext uri="{FF2B5EF4-FFF2-40B4-BE49-F238E27FC236}">
-                <a16:creationId xmlns:a16="http://schemas.microsoft.com/office/drawing/2014/main" id="{C92F3AA7-DAE6-2048-F804-4366E9EB52F0}"/>
-              </a:ext>
-            </a:extLst>
-          </p:cNvPr>
-          <p:cNvSpPr>
-            <a:spLocks noGrp="1"/>
-          </p:cNvSpPr>
-          <p:nvPr>
-            <p:ph type="title"/>
-          </p:nvPr>
-        </p:nvSpPr>
-        <p:spPr>
-          <a:xfrm>
-            <a:off x="4782552" y="2766218"/>
-            <a:ext cx="2626895" cy="1325563"/>
-          </a:xfrm>
-        </p:spPr>
-        <p:txBody>
-          <a:bodyPr/>
-          <a:lstStyle/>
-          <a:p>
-            <a:r>
-              <a:rPr lang="en-US" b="1" dirty="0">
-                <a:solidFill>
-                  <a:schemeClr val="tx2"/>
-                </a:solidFill>
-              </a:rPr>
-              <a:t>Quiz time!</a:t>
-            </a:r>
-            <a:endParaRPr lang="en-US" sz="3000" b="1" i="1" dirty="0">
-              <a:solidFill>
-                <a:schemeClr val="tx2"/>
-              </a:solidFill>
-            </a:endParaRPr>
-          </a:p>
-        </p:txBody>
-      </p:sp>
-    </p:spTree>
-    <p:extLst>
-      <p:ext uri="{BB962C8B-B14F-4D97-AF65-F5344CB8AC3E}">
-        <p14:creationId xmlns:p14="http://schemas.microsoft.com/office/powerpoint/2010/main" val="4083554970"/>
-      </p:ext>
-    </p:extLst>
-  </p:cSld>
-  <p:clrMapOvr>
-    <a:masterClrMapping/>
-  </p:clrMapOvr>
-</p:sld>
-</file>
-
-<file path=ppt/slides/slide5.xml><?xml version="1.0" encoding="utf-8"?>
-<p:sld xmlns:a="http://schemas.openxmlformats.org/drawingml/2006/main" xmlns:r="http://schemas.openxmlformats.org/officeDocument/2006/relationships" xmlns:p="http://schemas.openxmlformats.org/presentationml/2006/main">
-  <p:cSld>
-    <p:spTree>
-      <p:nvGrpSpPr>
-        <p:cNvPr id="1" name="">
-          <a:extLst>
-            <a:ext uri="{FF2B5EF4-FFF2-40B4-BE49-F238E27FC236}">
-              <a16:creationId xmlns:a16="http://schemas.microsoft.com/office/drawing/2014/main" id="{28E158BE-E7FB-D52D-7776-E9CDC622EA82}"/>
-            </a:ext>
-          </a:extLst>
-        </p:cNvPr>
-        <p:cNvGrpSpPr/>
-        <p:nvPr/>
-      </p:nvGrpSpPr>
-      <p:grpSpPr>
-        <a:xfrm>
-          <a:off x="0" y="0"/>
-          <a:ext cx="0" cy="0"/>
-          <a:chOff x="0" y="0"/>
-          <a:chExt cx="0" cy="0"/>
-        </a:xfrm>
-      </p:grpSpPr>
-      <p:sp>
-        <p:nvSpPr>
-          <p:cNvPr id="2" name="Title 1">
-            <a:extLst>
-              <a:ext uri="{FF2B5EF4-FFF2-40B4-BE49-F238E27FC236}">
-                <a16:creationId xmlns:a16="http://schemas.microsoft.com/office/drawing/2014/main" id="{7E78EF1C-012B-C347-B2F4-3008B39C64BF}"/>
-              </a:ext>
-            </a:extLst>
-          </p:cNvPr>
-          <p:cNvSpPr>
-            <a:spLocks noGrp="1"/>
-          </p:cNvSpPr>
-          <p:nvPr>
-            <p:ph type="title"/>
-          </p:nvPr>
-        </p:nvSpPr>
-        <p:spPr>
-          <a:xfrm>
-            <a:off x="3891213" y="2766218"/>
-            <a:ext cx="4409574" cy="1325563"/>
-          </a:xfrm>
-        </p:spPr>
-        <p:txBody>
-          <a:bodyPr>
-            <a:normAutofit/>
-          </a:bodyPr>
-          <a:lstStyle/>
-          <a:p>
-            <a:r>
-              <a:rPr lang="en-US" b="1" dirty="0">
-                <a:solidFill>
-                  <a:schemeClr val="tx2"/>
-                </a:solidFill>
-              </a:rPr>
-              <a:t>Quiz discussion!</a:t>
-            </a:r>
-            <a:endParaRPr lang="en-US" sz="3000" b="1" i="1" dirty="0">
-              <a:solidFill>
-                <a:schemeClr val="tx2"/>
-              </a:solidFill>
-            </a:endParaRPr>
-          </a:p>
-        </p:txBody>
-      </p:sp>
-    </p:spTree>
-    <p:extLst>
-      <p:ext uri="{BB962C8B-B14F-4D97-AF65-F5344CB8AC3E}">
-        <p14:creationId xmlns:p14="http://schemas.microsoft.com/office/powerpoint/2010/main" val="2792972252"/>
-      </p:ext>
-    </p:extLst>
-  </p:cSld>
-  <p:clrMapOvr>
-    <a:masterClrMapping/>
-  </p:clrMapOvr>
-</p:sld>
-</file>
-
-<file path=ppt/slides/slide6.xml><?xml version="1.0" encoding="utf-8"?>
-<p:sld xmlns:a="http://schemas.openxmlformats.org/drawingml/2006/main" xmlns:r="http://schemas.openxmlformats.org/officeDocument/2006/relationships" xmlns:p="http://schemas.openxmlformats.org/presentationml/2006/main">
-  <p:cSld>
-    <p:spTree>
-      <p:nvGrpSpPr>
-        <p:cNvPr id="1" name="">
-          <a:extLst>
-            <a:ext uri="{FF2B5EF4-FFF2-40B4-BE49-F238E27FC236}">
-              <a16:creationId xmlns:a16="http://schemas.microsoft.com/office/drawing/2014/main" id="{F39A30F8-7148-7543-7474-84183B202285}"/>
-            </a:ext>
-          </a:extLst>
-        </p:cNvPr>
-        <p:cNvGrpSpPr/>
-        <p:nvPr/>
-      </p:nvGrpSpPr>
-      <p:grpSpPr>
-        <a:xfrm>
-          <a:off x="0" y="0"/>
-          <a:ext cx="0" cy="0"/>
-          <a:chOff x="0" y="0"/>
-          <a:chExt cx="0" cy="0"/>
-        </a:xfrm>
-      </p:grpSpPr>
-      <p:pic>
-        <p:nvPicPr>
-          <p:cNvPr id="6" name="Picture 5">
-            <a:extLst>
-              <a:ext uri="{FF2B5EF4-FFF2-40B4-BE49-F238E27FC236}">
-                <a16:creationId xmlns:a16="http://schemas.microsoft.com/office/drawing/2014/main" id="{94F68202-60F6-2BC3-F3BB-DE6ABD006490}"/>
-              </a:ext>
-            </a:extLst>
-          </p:cNvPr>
-          <p:cNvPicPr>
-            <a:picLocks noChangeAspect="1"/>
-          </p:cNvPicPr>
-          <p:nvPr/>
-        </p:nvPicPr>
-        <p:blipFill>
-          <a:blip r:embed="rId3"/>
-          <a:stretch>
-            <a:fillRect/>
-          </a:stretch>
-        </p:blipFill>
-        <p:spPr>
-          <a:xfrm>
-            <a:off x="736838" y="1690688"/>
-            <a:ext cx="5210902" cy="3820058"/>
-          </a:xfrm>
-          <a:prstGeom prst="rect">
-            <a:avLst/>
-          </a:prstGeom>
-        </p:spPr>
-      </p:pic>
-      <p:sp>
-        <p:nvSpPr>
           <p:cNvPr id="7" name="Title 1">
             <a:extLst>
               <a:ext uri="{FF2B5EF4-FFF2-40B4-BE49-F238E27FC236}">
-                <a16:creationId xmlns:a16="http://schemas.microsoft.com/office/drawing/2014/main" id="{7D5F9FB0-F6C0-B274-D12B-6FDA485A7564}"/>
+                <a16:creationId xmlns:a16="http://schemas.microsoft.com/office/drawing/2014/main" id="{E7A38A08-B739-FFFD-EAA3-3BD7C4D08875}"/>
               </a:ext>
             </a:extLst>
           </p:cNvPr>
@@ -8255,7 +8347,7 @@
                   <a:schemeClr val="tx2"/>
                 </a:solidFill>
               </a:rPr>
-              <a:t>Q1</a:t>
+              <a:t>Q3</a:t>
             </a:r>
             <a:endParaRPr lang="en-US" sz="3000" b="1" i="1" dirty="0">
               <a:solidFill>
@@ -8270,7 +8362,7 @@
           <p:cNvPr id="8" name="Content Placeholder 4">
             <a:extLst>
               <a:ext uri="{FF2B5EF4-FFF2-40B4-BE49-F238E27FC236}">
-                <a16:creationId xmlns:a16="http://schemas.microsoft.com/office/drawing/2014/main" id="{7376CC19-085F-B432-43CF-018957705110}"/>
+                <a16:creationId xmlns:a16="http://schemas.microsoft.com/office/drawing/2014/main" id="{210ACBF6-85B8-98E8-954B-B09D6245C922}"/>
               </a:ext>
             </a:extLst>
           </p:cNvPr>
@@ -8281,7 +8373,7 @@
         </p:nvSpPr>
         <p:spPr>
           <a:xfrm>
-            <a:off x="6244262" y="1840339"/>
+            <a:off x="3812413" y="2728613"/>
             <a:ext cx="4567173" cy="4351338"/>
           </a:xfrm>
           <a:prstGeom prst="rect">
@@ -8457,51 +8549,263 @@
             </a:lvl9pPr>
           </a:lstStyle>
           <a:p>
-            <a:r>
-              <a:rPr lang="en-US" dirty="0">
-                <a:solidFill>
-                  <a:schemeClr val="tx2"/>
-                </a:solidFill>
-              </a:rPr>
-              <a:t>0</a:t>
-            </a:r>
-          </a:p>
-          <a:p>
-            <a:r>
-              <a:rPr lang="en-US" dirty="0">
-                <a:solidFill>
-                  <a:schemeClr val="tx2"/>
-                </a:solidFill>
-              </a:rPr>
-              <a:t>1</a:t>
-            </a:r>
-          </a:p>
-          <a:p>
-            <a:r>
-              <a:rPr lang="en-US" dirty="0">
-                <a:solidFill>
-                  <a:schemeClr val="tx2"/>
-                </a:solidFill>
-              </a:rPr>
-              <a:t>2</a:t>
-            </a:r>
-          </a:p>
-          <a:p>
-            <a:r>
-              <a:rPr lang="en-US" dirty="0">
-                <a:solidFill>
-                  <a:schemeClr val="tx2"/>
-                </a:solidFill>
-              </a:rPr>
-              <a:t>3</a:t>
-            </a:r>
+            <a:endParaRPr lang="en-US" dirty="0">
+              <a:solidFill>
+                <a:schemeClr val="tx2"/>
+              </a:solidFill>
+            </a:endParaRPr>
           </a:p>
         </p:txBody>
       </p:sp>
+      <p:sp>
+        <p:nvSpPr>
+          <p:cNvPr id="9" name="TextBox 8">
+            <a:extLst>
+              <a:ext uri="{FF2B5EF4-FFF2-40B4-BE49-F238E27FC236}">
+                <a16:creationId xmlns:a16="http://schemas.microsoft.com/office/drawing/2014/main" id="{239B9A90-42BD-DF4A-82B9-8651FAB527F1}"/>
+              </a:ext>
+            </a:extLst>
+          </p:cNvPr>
+          <p:cNvSpPr txBox="1"/>
+          <p:nvPr/>
+        </p:nvSpPr>
+        <p:spPr>
+          <a:xfrm>
+            <a:off x="2860431" y="1946435"/>
+            <a:ext cx="6096000" cy="923330"/>
+          </a:xfrm>
+          <a:prstGeom prst="rect">
+            <a:avLst/>
+          </a:prstGeom>
+          <a:noFill/>
+        </p:spPr>
+        <p:txBody>
+          <a:bodyPr wrap="square">
+            <a:spAutoFit/>
+          </a:bodyPr>
+          <a:lstStyle/>
+          <a:p>
+            <a:r>
+              <a:rPr lang="en-US" b="0" i="0" dirty="0">
+                <a:solidFill>
+                  <a:srgbClr val="202122"/>
+                </a:solidFill>
+                <a:effectLst/>
+                <a:latin typeface="Lato" panose="020F0502020204030203" pitchFamily="34" charset="0"/>
+              </a:rPr>
+              <a:t>In linear/polynomial regression, we can increase the degree of the model to increase the complexity. We can also increase complexity by </a:t>
+            </a:r>
+            <a:endParaRPr lang="en-US" dirty="0"/>
+          </a:p>
+        </p:txBody>
+      </p:sp>
+      <p:graphicFrame>
+        <p:nvGraphicFramePr>
+          <p:cNvPr id="3" name="Table 2">
+            <a:extLst>
+              <a:ext uri="{FF2B5EF4-FFF2-40B4-BE49-F238E27FC236}">
+                <a16:creationId xmlns:a16="http://schemas.microsoft.com/office/drawing/2014/main" id="{283F4E0E-84DE-F68E-9C5D-A1EE3955A8A5}"/>
+              </a:ext>
+            </a:extLst>
+          </p:cNvPr>
+          <p:cNvGraphicFramePr>
+            <a:graphicFrameLocks noGrp="1"/>
+          </p:cNvGraphicFramePr>
+          <p:nvPr>
+            <p:extLst>
+              <p:ext uri="{D42A27DB-BD31-4B8C-83A1-F6EECF244321}">
+                <p14:modId xmlns:p14="http://schemas.microsoft.com/office/powerpoint/2010/main" val="4129907705"/>
+              </p:ext>
+            </p:extLst>
+          </p:nvPr>
+        </p:nvGraphicFramePr>
+        <p:xfrm>
+          <a:off x="3235568" y="3046153"/>
+          <a:ext cx="4997053" cy="1211580"/>
+        </p:xfrm>
+        <a:graphic>
+          <a:graphicData uri="http://schemas.openxmlformats.org/drawingml/2006/table">
+            <a:tbl>
+              <a:tblPr/>
+              <a:tblGrid>
+                <a:gridCol w="319983">
+                  <a:extLst>
+                    <a:ext uri="{9D8B030D-6E8A-4147-A177-3AD203B41FA5}">
+                      <a16:colId xmlns:a16="http://schemas.microsoft.com/office/drawing/2014/main" val="3787195517"/>
+                    </a:ext>
+                  </a:extLst>
+                </a:gridCol>
+                <a:gridCol w="4677070">
+                  <a:extLst>
+                    <a:ext uri="{9D8B030D-6E8A-4147-A177-3AD203B41FA5}">
+                      <a16:colId xmlns:a16="http://schemas.microsoft.com/office/drawing/2014/main" val="2721124467"/>
+                    </a:ext>
+                  </a:extLst>
+                </a:gridCol>
+              </a:tblGrid>
+              <a:tr h="0">
+                <a:tc>
+                  <a:txBody>
+                    <a:bodyPr/>
+                    <a:lstStyle/>
+                    <a:p>
+                      <a:pPr marL="285750" indent="-285750" algn="l" fontAlgn="t">
+                        <a:buFont typeface="Arial" panose="020B0604020202020204" pitchFamily="34" charset="0"/>
+                        <a:buChar char="•"/>
+                      </a:pPr>
+                      <a:endParaRPr lang="en-US">
+                        <a:solidFill>
+                          <a:schemeClr val="accent1"/>
+                        </a:solidFill>
+                        <a:effectLst/>
+                      </a:endParaRPr>
+                    </a:p>
+                  </a:txBody>
+                  <a:tcPr marL="28575" marR="28575" marT="28575" marB="28575">
+                    <a:lnL>
+                      <a:noFill/>
+                    </a:lnL>
+                    <a:lnR>
+                      <a:noFill/>
+                    </a:lnR>
+                    <a:lnT>
+                      <a:noFill/>
+                    </a:lnT>
+                    <a:lnB>
+                      <a:noFill/>
+                    </a:lnB>
+                    <a:noFill/>
+                  </a:tcPr>
+                </a:tc>
+                <a:tc>
+                  <a:txBody>
+                    <a:bodyPr/>
+                    <a:lstStyle/>
+                    <a:p>
+                      <a:pPr marL="285750" indent="-285750" algn="l" fontAlgn="b">
+                        <a:buFont typeface="Arial" panose="020B0604020202020204" pitchFamily="34" charset="0"/>
+                        <a:buChar char="•"/>
+                      </a:pPr>
+                      <a:r>
+                        <a:rPr lang="en-US">
+                          <a:solidFill>
+                            <a:schemeClr val="accent1"/>
+                          </a:solidFill>
+                          <a:effectLst/>
+                        </a:rPr>
+                        <a:t>increasing regularization on the model in the training process</a:t>
+                      </a:r>
+                    </a:p>
+                  </a:txBody>
+                  <a:tcPr marL="28575" marR="28575" marT="28575" marB="28575" anchor="b">
+                    <a:lnL>
+                      <a:noFill/>
+                    </a:lnL>
+                    <a:lnR>
+                      <a:noFill/>
+                    </a:lnR>
+                    <a:lnT>
+                      <a:noFill/>
+                    </a:lnT>
+                    <a:lnB>
+                      <a:noFill/>
+                    </a:lnB>
+                    <a:noFill/>
+                  </a:tcPr>
+                </a:tc>
+                <a:extLst>
+                  <a:ext uri="{0D108BD9-81ED-4DB2-BD59-A6C34878D82A}">
+                    <a16:rowId xmlns:a16="http://schemas.microsoft.com/office/drawing/2014/main" val="723855495"/>
+                  </a:ext>
+                </a:extLst>
+              </a:tr>
+              <a:tr h="0">
+                <a:tc>
+                  <a:txBody>
+                    <a:bodyPr/>
+                    <a:lstStyle/>
+                    <a:p>
+                      <a:pPr marL="285750" indent="-285750" algn="l" fontAlgn="t">
+                        <a:buFont typeface="Arial" panose="020B0604020202020204" pitchFamily="34" charset="0"/>
+                        <a:buChar char="•"/>
+                      </a:pPr>
+                      <a:endParaRPr lang="en-US">
+                        <a:solidFill>
+                          <a:schemeClr val="accent1"/>
+                        </a:solidFill>
+                        <a:effectLst/>
+                      </a:endParaRPr>
+                    </a:p>
+                  </a:txBody>
+                  <a:tcPr marL="28575" marR="28575" marT="28575" marB="28575">
+                    <a:lnL>
+                      <a:noFill/>
+                    </a:lnL>
+                    <a:lnR>
+                      <a:noFill/>
+                    </a:lnR>
+                    <a:lnT>
+                      <a:noFill/>
+                    </a:lnT>
+                    <a:lnB>
+                      <a:noFill/>
+                    </a:lnB>
+                    <a:noFill/>
+                  </a:tcPr>
+                </a:tc>
+                <a:tc>
+                  <a:txBody>
+                    <a:bodyPr/>
+                    <a:lstStyle/>
+                    <a:p>
+                      <a:pPr marL="285750" indent="-285750" algn="l" fontAlgn="b">
+                        <a:buFont typeface="Arial" panose="020B0604020202020204" pitchFamily="34" charset="0"/>
+                        <a:buChar char="•"/>
+                      </a:pPr>
+                      <a:r>
+                        <a:rPr lang="en-US" dirty="0">
+                          <a:solidFill>
+                            <a:schemeClr val="accent1"/>
+                          </a:solidFill>
+                          <a:effectLst/>
+                          <a:highlight>
+                            <a:srgbClr val="FFFF00"/>
+                          </a:highlight>
+                        </a:rPr>
+                        <a:t>decreasing regularization on the model in the training process</a:t>
+                      </a:r>
+                    </a:p>
+                  </a:txBody>
+                  <a:tcPr marL="28575" marR="28575" marT="28575" marB="28575" anchor="b">
+                    <a:lnL>
+                      <a:noFill/>
+                    </a:lnL>
+                    <a:lnR>
+                      <a:noFill/>
+                    </a:lnR>
+                    <a:lnT>
+                      <a:noFill/>
+                    </a:lnT>
+                    <a:lnB>
+                      <a:noFill/>
+                    </a:lnB>
+                    <a:noFill/>
+                  </a:tcPr>
+                </a:tc>
+                <a:extLst>
+                  <a:ext uri="{0D108BD9-81ED-4DB2-BD59-A6C34878D82A}">
+                    <a16:rowId xmlns:a16="http://schemas.microsoft.com/office/drawing/2014/main" val="1087781796"/>
+                  </a:ext>
+                </a:extLst>
+              </a:tr>
+            </a:tbl>
+          </a:graphicData>
+        </a:graphic>
+      </p:graphicFrame>
     </p:spTree>
     <p:extLst>
       <p:ext uri="{BB962C8B-B14F-4D97-AF65-F5344CB8AC3E}">
-        <p14:creationId xmlns:p14="http://schemas.microsoft.com/office/powerpoint/2010/main" val="415270270"/>
+        <p14:creationId xmlns:p14="http://schemas.microsoft.com/office/powerpoint/2010/main" val="1849209573"/>
       </p:ext>
     </p:extLst>
   </p:cSld>
@@ -8511,7 +8815,7 @@
 </p:sld>
 </file>
 
-<file path=ppt/slides/slide7.xml><?xml version="1.0" encoding="utf-8"?>
+<file path=ppt/slides/slide11.xml><?xml version="1.0" encoding="utf-8"?>
 <p:sld xmlns:a="http://schemas.openxmlformats.org/drawingml/2006/main" xmlns:r="http://schemas.openxmlformats.org/officeDocument/2006/relationships" xmlns:p="http://schemas.openxmlformats.org/presentationml/2006/main">
   <p:cSld>
     <p:spTree>
@@ -8519,7 +8823,7 @@
         <p:cNvPr id="1" name="">
           <a:extLst>
             <a:ext uri="{FF2B5EF4-FFF2-40B4-BE49-F238E27FC236}">
-              <a16:creationId xmlns:a16="http://schemas.microsoft.com/office/drawing/2014/main" id="{C0A87BA9-9F10-C25E-FE5E-44127C8492FF}"/>
+              <a16:creationId xmlns:a16="http://schemas.microsoft.com/office/drawing/2014/main" id="{3942A1A0-CF6B-A925-7ED2-9C55DD894D4C}"/>
             </a:ext>
           </a:extLst>
         </p:cNvPr>
@@ -8534,42 +8838,12 @@
           <a:chExt cx="0" cy="0"/>
         </a:xfrm>
       </p:grpSpPr>
-      <p:pic>
-        <p:nvPicPr>
-          <p:cNvPr id="6" name="Picture 5">
-            <a:extLst>
-              <a:ext uri="{FF2B5EF4-FFF2-40B4-BE49-F238E27FC236}">
-                <a16:creationId xmlns:a16="http://schemas.microsoft.com/office/drawing/2014/main" id="{7CF23E57-3355-7182-512A-A340A5AA8343}"/>
-              </a:ext>
-            </a:extLst>
-          </p:cNvPr>
-          <p:cNvPicPr>
-            <a:picLocks noChangeAspect="1"/>
-          </p:cNvPicPr>
-          <p:nvPr/>
-        </p:nvPicPr>
-        <p:blipFill>
-          <a:blip r:embed="rId3"/>
-          <a:stretch>
-            <a:fillRect/>
-          </a:stretch>
-        </p:blipFill>
-        <p:spPr>
-          <a:xfrm>
-            <a:off x="736838" y="1690688"/>
-            <a:ext cx="5210902" cy="3820058"/>
-          </a:xfrm>
-          <a:prstGeom prst="rect">
-            <a:avLst/>
-          </a:prstGeom>
-        </p:spPr>
-      </p:pic>
       <p:sp>
         <p:nvSpPr>
           <p:cNvPr id="7" name="Title 1">
             <a:extLst>
               <a:ext uri="{FF2B5EF4-FFF2-40B4-BE49-F238E27FC236}">
-                <a16:creationId xmlns:a16="http://schemas.microsoft.com/office/drawing/2014/main" id="{D5718164-AD38-8864-15ED-CE3964BF5B89}"/>
+                <a16:creationId xmlns:a16="http://schemas.microsoft.com/office/drawing/2014/main" id="{607D3CA3-6457-952D-1398-0F7CD962AD70}"/>
               </a:ext>
             </a:extLst>
           </p:cNvPr>
@@ -8596,7 +8870,7 @@
                   <a:schemeClr val="tx2"/>
                 </a:solidFill>
               </a:rPr>
-              <a:t>Q1</a:t>
+              <a:t>Q4</a:t>
             </a:r>
             <a:endParaRPr lang="en-US" sz="3000" b="1" i="1" dirty="0">
               <a:solidFill>
@@ -8611,7 +8885,7 @@
           <p:cNvPr id="8" name="Content Placeholder 4">
             <a:extLst>
               <a:ext uri="{FF2B5EF4-FFF2-40B4-BE49-F238E27FC236}">
-                <a16:creationId xmlns:a16="http://schemas.microsoft.com/office/drawing/2014/main" id="{87A8F284-CBEC-8815-2A7A-338252087E5A}"/>
+                <a16:creationId xmlns:a16="http://schemas.microsoft.com/office/drawing/2014/main" id="{500D1E75-E626-F470-5475-C25C18D116BE}"/>
               </a:ext>
             </a:extLst>
           </p:cNvPr>
@@ -8622,7 +8896,7 @@
         </p:nvSpPr>
         <p:spPr>
           <a:xfrm>
-            <a:off x="6244262" y="1840339"/>
+            <a:off x="3812413" y="2728613"/>
             <a:ext cx="4567173" cy="4351338"/>
           </a:xfrm>
           <a:prstGeom prst="rect">
@@ -8798,54 +9072,60 @@
             </a:lvl9pPr>
           </a:lstStyle>
           <a:p>
+            <a:endParaRPr lang="en-US" dirty="0">
+              <a:solidFill>
+                <a:schemeClr val="tx2"/>
+              </a:solidFill>
+            </a:endParaRPr>
+          </a:p>
+        </p:txBody>
+      </p:sp>
+      <p:sp>
+        <p:nvSpPr>
+          <p:cNvPr id="9" name="TextBox 8">
+            <a:extLst>
+              <a:ext uri="{FF2B5EF4-FFF2-40B4-BE49-F238E27FC236}">
+                <a16:creationId xmlns:a16="http://schemas.microsoft.com/office/drawing/2014/main" id="{B9AC98FD-4EA9-7EFD-BCA5-226200908AE9}"/>
+              </a:ext>
+            </a:extLst>
+          </p:cNvPr>
+          <p:cNvSpPr txBox="1"/>
+          <p:nvPr/>
+        </p:nvSpPr>
+        <p:spPr>
+          <a:xfrm>
+            <a:off x="2860431" y="1946435"/>
+            <a:ext cx="6096000" cy="923330"/>
+          </a:xfrm>
+          <a:prstGeom prst="rect">
+            <a:avLst/>
+          </a:prstGeom>
+          <a:noFill/>
+        </p:spPr>
+        <p:txBody>
+          <a:bodyPr wrap="square">
+            <a:spAutoFit/>
+          </a:bodyPr>
+          <a:lstStyle/>
+          <a:p>
             <a:r>
-              <a:rPr lang="en-US" dirty="0">
+              <a:rPr lang="en-US" b="0" i="0" dirty="0">
                 <a:solidFill>
-                  <a:schemeClr val="tx2"/>
+                  <a:srgbClr val="202122"/>
                 </a:solidFill>
+                <a:effectLst/>
+                <a:latin typeface="Lato" panose="020F0502020204030203" pitchFamily="34" charset="0"/>
               </a:rPr>
-              <a:t>0</a:t>
+              <a:t>Describe the difference between a fitting curve and a learning curve. What is on the x and y axis for each? You can write this in bullet point format.</a:t>
             </a:r>
-          </a:p>
-          <a:p>
-            <a:r>
-              <a:rPr lang="en-US" dirty="0">
-                <a:solidFill>
-                  <a:schemeClr val="tx2"/>
-                </a:solidFill>
-                <a:highlight>
-                  <a:srgbClr val="FFFF00"/>
-                </a:highlight>
-              </a:rPr>
-              <a:t>1</a:t>
-            </a:r>
-          </a:p>
-          <a:p>
-            <a:r>
-              <a:rPr lang="en-US" dirty="0">
-                <a:solidFill>
-                  <a:schemeClr val="tx2"/>
-                </a:solidFill>
-              </a:rPr>
-              <a:t>2</a:t>
-            </a:r>
-          </a:p>
-          <a:p>
-            <a:r>
-              <a:rPr lang="en-US" dirty="0">
-                <a:solidFill>
-                  <a:schemeClr val="tx2"/>
-                </a:solidFill>
-              </a:rPr>
-              <a:t>3</a:t>
-            </a:r>
+            <a:endParaRPr lang="en-US" dirty="0"/>
           </a:p>
         </p:txBody>
       </p:sp>
     </p:spTree>
     <p:extLst>
       <p:ext uri="{BB962C8B-B14F-4D97-AF65-F5344CB8AC3E}">
-        <p14:creationId xmlns:p14="http://schemas.microsoft.com/office/powerpoint/2010/main" val="2276543240"/>
+        <p14:creationId xmlns:p14="http://schemas.microsoft.com/office/powerpoint/2010/main" val="3120570769"/>
       </p:ext>
     </p:extLst>
   </p:cSld>
@@ -8855,7 +9135,647 @@
 </p:sld>
 </file>
 
-<file path=ppt/slides/slide8.xml><?xml version="1.0" encoding="utf-8"?>
+<file path=ppt/slides/slide12.xml><?xml version="1.0" encoding="utf-8"?>
+<p:sld xmlns:a="http://schemas.openxmlformats.org/drawingml/2006/main" xmlns:r="http://schemas.openxmlformats.org/officeDocument/2006/relationships" xmlns:p="http://schemas.openxmlformats.org/presentationml/2006/main">
+  <p:cSld>
+    <p:spTree>
+      <p:nvGrpSpPr>
+        <p:cNvPr id="1" name="">
+          <a:extLst>
+            <a:ext uri="{FF2B5EF4-FFF2-40B4-BE49-F238E27FC236}">
+              <a16:creationId xmlns:a16="http://schemas.microsoft.com/office/drawing/2014/main" id="{02BEDDC3-A6A7-1CDA-D985-D8E1F36F6BEE}"/>
+            </a:ext>
+          </a:extLst>
+        </p:cNvPr>
+        <p:cNvGrpSpPr/>
+        <p:nvPr/>
+      </p:nvGrpSpPr>
+      <p:grpSpPr>
+        <a:xfrm>
+          <a:off x="0" y="0"/>
+          <a:ext cx="0" cy="0"/>
+          <a:chOff x="0" y="0"/>
+          <a:chExt cx="0" cy="0"/>
+        </a:xfrm>
+      </p:grpSpPr>
+      <p:sp>
+        <p:nvSpPr>
+          <p:cNvPr id="7" name="Title 1">
+            <a:extLst>
+              <a:ext uri="{FF2B5EF4-FFF2-40B4-BE49-F238E27FC236}">
+                <a16:creationId xmlns:a16="http://schemas.microsoft.com/office/drawing/2014/main" id="{6949FD8E-B0E2-ADB6-CBC8-D31CC7A2BD7F}"/>
+              </a:ext>
+            </a:extLst>
+          </p:cNvPr>
+          <p:cNvSpPr>
+            <a:spLocks noGrp="1"/>
+          </p:cNvSpPr>
+          <p:nvPr>
+            <p:ph type="title"/>
+          </p:nvPr>
+        </p:nvSpPr>
+        <p:spPr>
+          <a:xfrm>
+            <a:off x="838200" y="365125"/>
+            <a:ext cx="10515600" cy="1325563"/>
+          </a:xfrm>
+        </p:spPr>
+        <p:txBody>
+          <a:bodyPr/>
+          <a:lstStyle/>
+          <a:p>
+            <a:r>
+              <a:rPr lang="en-US" dirty="0">
+                <a:solidFill>
+                  <a:schemeClr val="tx2"/>
+                </a:solidFill>
+              </a:rPr>
+              <a:t>Q4</a:t>
+            </a:r>
+            <a:endParaRPr lang="en-US" sz="3000" b="1" i="1" dirty="0">
+              <a:solidFill>
+                <a:schemeClr val="tx2"/>
+              </a:solidFill>
+            </a:endParaRPr>
+          </a:p>
+        </p:txBody>
+      </p:sp>
+      <p:sp>
+        <p:nvSpPr>
+          <p:cNvPr id="8" name="Content Placeholder 4">
+            <a:extLst>
+              <a:ext uri="{FF2B5EF4-FFF2-40B4-BE49-F238E27FC236}">
+                <a16:creationId xmlns:a16="http://schemas.microsoft.com/office/drawing/2014/main" id="{89BA2065-2034-97C6-D78B-38F9F82273CA}"/>
+              </a:ext>
+            </a:extLst>
+          </p:cNvPr>
+          <p:cNvSpPr txBox="1">
+            <a:spLocks/>
+          </p:cNvSpPr>
+          <p:nvPr/>
+        </p:nvSpPr>
+        <p:spPr>
+          <a:xfrm>
+            <a:off x="3812413" y="2728613"/>
+            <a:ext cx="4567173" cy="4351338"/>
+          </a:xfrm>
+          <a:prstGeom prst="rect">
+            <a:avLst/>
+          </a:prstGeom>
+        </p:spPr>
+        <p:txBody>
+          <a:bodyPr vert="horz" lIns="91440" tIns="45720" rIns="91440" bIns="45720" rtlCol="0">
+            <a:noAutofit/>
+          </a:bodyPr>
+          <a:lstStyle>
+            <a:lvl1pPr marL="228600" indent="-228600" algn="l" defTabSz="914400" rtl="0" eaLnBrk="1" latinLnBrk="0" hangingPunct="1">
+              <a:lnSpc>
+                <a:spcPct val="90000"/>
+              </a:lnSpc>
+              <a:spcBef>
+                <a:spcPts val="1000"/>
+              </a:spcBef>
+              <a:buFont typeface="Arial" panose="020B0604020202020204" pitchFamily="34" charset="0"/>
+              <a:buChar char="•"/>
+              <a:defRPr sz="2800" kern="1200">
+                <a:solidFill>
+                  <a:schemeClr val="tx1"/>
+                </a:solidFill>
+                <a:latin typeface="+mn-lt"/>
+                <a:ea typeface="+mn-ea"/>
+                <a:cs typeface="+mn-cs"/>
+              </a:defRPr>
+            </a:lvl1pPr>
+            <a:lvl2pPr marL="685800" indent="-228600" algn="l" defTabSz="914400" rtl="0" eaLnBrk="1" latinLnBrk="0" hangingPunct="1">
+              <a:lnSpc>
+                <a:spcPct val="90000"/>
+              </a:lnSpc>
+              <a:spcBef>
+                <a:spcPts val="500"/>
+              </a:spcBef>
+              <a:buFont typeface="Arial" panose="020B0604020202020204" pitchFamily="34" charset="0"/>
+              <a:buChar char="•"/>
+              <a:defRPr sz="2400" kern="1200">
+                <a:solidFill>
+                  <a:schemeClr val="tx1"/>
+                </a:solidFill>
+                <a:latin typeface="+mn-lt"/>
+                <a:ea typeface="+mn-ea"/>
+                <a:cs typeface="+mn-cs"/>
+              </a:defRPr>
+            </a:lvl2pPr>
+            <a:lvl3pPr marL="1143000" indent="-228600" algn="l" defTabSz="914400" rtl="0" eaLnBrk="1" latinLnBrk="0" hangingPunct="1">
+              <a:lnSpc>
+                <a:spcPct val="90000"/>
+              </a:lnSpc>
+              <a:spcBef>
+                <a:spcPts val="500"/>
+              </a:spcBef>
+              <a:buFont typeface="Arial" panose="020B0604020202020204" pitchFamily="34" charset="0"/>
+              <a:buChar char="•"/>
+              <a:defRPr sz="2000" kern="1200">
+                <a:solidFill>
+                  <a:schemeClr val="tx1"/>
+                </a:solidFill>
+                <a:latin typeface="+mn-lt"/>
+                <a:ea typeface="+mn-ea"/>
+                <a:cs typeface="+mn-cs"/>
+              </a:defRPr>
+            </a:lvl3pPr>
+            <a:lvl4pPr marL="1600200" indent="-228600" algn="l" defTabSz="914400" rtl="0" eaLnBrk="1" latinLnBrk="0" hangingPunct="1">
+              <a:lnSpc>
+                <a:spcPct val="90000"/>
+              </a:lnSpc>
+              <a:spcBef>
+                <a:spcPts val="500"/>
+              </a:spcBef>
+              <a:buFont typeface="Arial" panose="020B0604020202020204" pitchFamily="34" charset="0"/>
+              <a:buChar char="•"/>
+              <a:defRPr sz="1800" kern="1200">
+                <a:solidFill>
+                  <a:schemeClr val="tx1"/>
+                </a:solidFill>
+                <a:latin typeface="+mn-lt"/>
+                <a:ea typeface="+mn-ea"/>
+                <a:cs typeface="+mn-cs"/>
+              </a:defRPr>
+            </a:lvl4pPr>
+            <a:lvl5pPr marL="2057400" indent="-228600" algn="l" defTabSz="914400" rtl="0" eaLnBrk="1" latinLnBrk="0" hangingPunct="1">
+              <a:lnSpc>
+                <a:spcPct val="90000"/>
+              </a:lnSpc>
+              <a:spcBef>
+                <a:spcPts val="500"/>
+              </a:spcBef>
+              <a:buFont typeface="Arial" panose="020B0604020202020204" pitchFamily="34" charset="0"/>
+              <a:buChar char="•"/>
+              <a:defRPr sz="1800" kern="1200">
+                <a:solidFill>
+                  <a:schemeClr val="tx1"/>
+                </a:solidFill>
+                <a:latin typeface="+mn-lt"/>
+                <a:ea typeface="+mn-ea"/>
+                <a:cs typeface="+mn-cs"/>
+              </a:defRPr>
+            </a:lvl5pPr>
+            <a:lvl6pPr marL="2514600" indent="-228600" algn="l" defTabSz="914400" rtl="0" eaLnBrk="1" latinLnBrk="0" hangingPunct="1">
+              <a:lnSpc>
+                <a:spcPct val="90000"/>
+              </a:lnSpc>
+              <a:spcBef>
+                <a:spcPts val="500"/>
+              </a:spcBef>
+              <a:buFont typeface="Arial" panose="020B0604020202020204" pitchFamily="34" charset="0"/>
+              <a:buChar char="•"/>
+              <a:defRPr sz="1800" kern="1200">
+                <a:solidFill>
+                  <a:schemeClr val="tx1"/>
+                </a:solidFill>
+                <a:latin typeface="+mn-lt"/>
+                <a:ea typeface="+mn-ea"/>
+                <a:cs typeface="+mn-cs"/>
+              </a:defRPr>
+            </a:lvl6pPr>
+            <a:lvl7pPr marL="2971800" indent="-228600" algn="l" defTabSz="914400" rtl="0" eaLnBrk="1" latinLnBrk="0" hangingPunct="1">
+              <a:lnSpc>
+                <a:spcPct val="90000"/>
+              </a:lnSpc>
+              <a:spcBef>
+                <a:spcPts val="500"/>
+              </a:spcBef>
+              <a:buFont typeface="Arial" panose="020B0604020202020204" pitchFamily="34" charset="0"/>
+              <a:buChar char="•"/>
+              <a:defRPr sz="1800" kern="1200">
+                <a:solidFill>
+                  <a:schemeClr val="tx1"/>
+                </a:solidFill>
+                <a:latin typeface="+mn-lt"/>
+                <a:ea typeface="+mn-ea"/>
+                <a:cs typeface="+mn-cs"/>
+              </a:defRPr>
+            </a:lvl7pPr>
+            <a:lvl8pPr marL="3429000" indent="-228600" algn="l" defTabSz="914400" rtl="0" eaLnBrk="1" latinLnBrk="0" hangingPunct="1">
+              <a:lnSpc>
+                <a:spcPct val="90000"/>
+              </a:lnSpc>
+              <a:spcBef>
+                <a:spcPts val="500"/>
+              </a:spcBef>
+              <a:buFont typeface="Arial" panose="020B0604020202020204" pitchFamily="34" charset="0"/>
+              <a:buChar char="•"/>
+              <a:defRPr sz="1800" kern="1200">
+                <a:solidFill>
+                  <a:schemeClr val="tx1"/>
+                </a:solidFill>
+                <a:latin typeface="+mn-lt"/>
+                <a:ea typeface="+mn-ea"/>
+                <a:cs typeface="+mn-cs"/>
+              </a:defRPr>
+            </a:lvl8pPr>
+            <a:lvl9pPr marL="3886200" indent="-228600" algn="l" defTabSz="914400" rtl="0" eaLnBrk="1" latinLnBrk="0" hangingPunct="1">
+              <a:lnSpc>
+                <a:spcPct val="90000"/>
+              </a:lnSpc>
+              <a:spcBef>
+                <a:spcPts val="500"/>
+              </a:spcBef>
+              <a:buFont typeface="Arial" panose="020B0604020202020204" pitchFamily="34" charset="0"/>
+              <a:buChar char="•"/>
+              <a:defRPr sz="1800" kern="1200">
+                <a:solidFill>
+                  <a:schemeClr val="tx1"/>
+                </a:solidFill>
+                <a:latin typeface="+mn-lt"/>
+                <a:ea typeface="+mn-ea"/>
+                <a:cs typeface="+mn-cs"/>
+              </a:defRPr>
+            </a:lvl9pPr>
+          </a:lstStyle>
+          <a:p>
+            <a:endParaRPr lang="en-US" dirty="0">
+              <a:solidFill>
+                <a:schemeClr val="tx2"/>
+              </a:solidFill>
+            </a:endParaRPr>
+          </a:p>
+        </p:txBody>
+      </p:sp>
+      <p:sp>
+        <p:nvSpPr>
+          <p:cNvPr id="9" name="TextBox 8">
+            <a:extLst>
+              <a:ext uri="{FF2B5EF4-FFF2-40B4-BE49-F238E27FC236}">
+                <a16:creationId xmlns:a16="http://schemas.microsoft.com/office/drawing/2014/main" id="{0D1BD8B2-29C6-422E-F561-AD8A3660F6AC}"/>
+              </a:ext>
+            </a:extLst>
+          </p:cNvPr>
+          <p:cNvSpPr txBox="1"/>
+          <p:nvPr/>
+        </p:nvSpPr>
+        <p:spPr>
+          <a:xfrm>
+            <a:off x="2860431" y="1946435"/>
+            <a:ext cx="6096000" cy="923330"/>
+          </a:xfrm>
+          <a:prstGeom prst="rect">
+            <a:avLst/>
+          </a:prstGeom>
+          <a:noFill/>
+        </p:spPr>
+        <p:txBody>
+          <a:bodyPr wrap="square">
+            <a:spAutoFit/>
+          </a:bodyPr>
+          <a:lstStyle/>
+          <a:p>
+            <a:r>
+              <a:rPr lang="en-US" b="0" i="0" dirty="0">
+                <a:solidFill>
+                  <a:srgbClr val="202122"/>
+                </a:solidFill>
+                <a:effectLst/>
+                <a:latin typeface="Lato" panose="020F0502020204030203" pitchFamily="34" charset="0"/>
+              </a:rPr>
+              <a:t>Describe the difference between a fitting curve and a learning curve. What is on the x and y axis for each? You can write this in bullet point format.</a:t>
+            </a:r>
+            <a:endParaRPr lang="en-US" dirty="0"/>
+          </a:p>
+        </p:txBody>
+      </p:sp>
+    </p:spTree>
+    <p:extLst>
+      <p:ext uri="{BB962C8B-B14F-4D97-AF65-F5344CB8AC3E}">
+        <p14:creationId xmlns:p14="http://schemas.microsoft.com/office/powerpoint/2010/main" val="2513567631"/>
+      </p:ext>
+    </p:extLst>
+  </p:cSld>
+  <p:clrMapOvr>
+    <a:masterClrMapping/>
+  </p:clrMapOvr>
+</p:sld>
+</file>
+
+<file path=ppt/slides/slide13.xml><?xml version="1.0" encoding="utf-8"?>
+<p:sld xmlns:a="http://schemas.openxmlformats.org/drawingml/2006/main" xmlns:r="http://schemas.openxmlformats.org/officeDocument/2006/relationships" xmlns:p="http://schemas.openxmlformats.org/presentationml/2006/main">
+  <p:cSld>
+    <p:spTree>
+      <p:nvGrpSpPr>
+        <p:cNvPr id="1" name="">
+          <a:extLst>
+            <a:ext uri="{FF2B5EF4-FFF2-40B4-BE49-F238E27FC236}">
+              <a16:creationId xmlns:a16="http://schemas.microsoft.com/office/drawing/2014/main" id="{F1BB5C50-D8F7-E8F2-5374-E23528518021}"/>
+            </a:ext>
+          </a:extLst>
+        </p:cNvPr>
+        <p:cNvGrpSpPr/>
+        <p:nvPr/>
+      </p:nvGrpSpPr>
+      <p:grpSpPr>
+        <a:xfrm>
+          <a:off x="0" y="0"/>
+          <a:ext cx="0" cy="0"/>
+          <a:chOff x="0" y="0"/>
+          <a:chExt cx="0" cy="0"/>
+        </a:xfrm>
+      </p:grpSpPr>
+      <p:sp>
+        <p:nvSpPr>
+          <p:cNvPr id="7" name="Title 1">
+            <a:extLst>
+              <a:ext uri="{FF2B5EF4-FFF2-40B4-BE49-F238E27FC236}">
+                <a16:creationId xmlns:a16="http://schemas.microsoft.com/office/drawing/2014/main" id="{BF59D8AC-78B4-76DA-2CE2-6734D6033002}"/>
+              </a:ext>
+            </a:extLst>
+          </p:cNvPr>
+          <p:cNvSpPr>
+            <a:spLocks noGrp="1"/>
+          </p:cNvSpPr>
+          <p:nvPr>
+            <p:ph type="title"/>
+          </p:nvPr>
+        </p:nvSpPr>
+        <p:spPr>
+          <a:xfrm>
+            <a:off x="838200" y="365125"/>
+            <a:ext cx="10515600" cy="1325563"/>
+          </a:xfrm>
+        </p:spPr>
+        <p:txBody>
+          <a:bodyPr/>
+          <a:lstStyle/>
+          <a:p>
+            <a:r>
+              <a:rPr lang="en-US" dirty="0">
+                <a:solidFill>
+                  <a:schemeClr val="tx2"/>
+                </a:solidFill>
+              </a:rPr>
+              <a:t>Q5</a:t>
+            </a:r>
+            <a:endParaRPr lang="en-US" sz="3000" b="1" i="1" dirty="0">
+              <a:solidFill>
+                <a:schemeClr val="tx2"/>
+              </a:solidFill>
+            </a:endParaRPr>
+          </a:p>
+        </p:txBody>
+      </p:sp>
+      <p:sp>
+        <p:nvSpPr>
+          <p:cNvPr id="8" name="Content Placeholder 4">
+            <a:extLst>
+              <a:ext uri="{FF2B5EF4-FFF2-40B4-BE49-F238E27FC236}">
+                <a16:creationId xmlns:a16="http://schemas.microsoft.com/office/drawing/2014/main" id="{B965E8D2-C1D0-FBD1-3142-C3E5C93BC063}"/>
+              </a:ext>
+            </a:extLst>
+          </p:cNvPr>
+          <p:cNvSpPr txBox="1">
+            <a:spLocks/>
+          </p:cNvSpPr>
+          <p:nvPr/>
+        </p:nvSpPr>
+        <p:spPr>
+          <a:xfrm>
+            <a:off x="3812413" y="2728613"/>
+            <a:ext cx="4567173" cy="4351338"/>
+          </a:xfrm>
+          <a:prstGeom prst="rect">
+            <a:avLst/>
+          </a:prstGeom>
+        </p:spPr>
+        <p:txBody>
+          <a:bodyPr vert="horz" lIns="91440" tIns="45720" rIns="91440" bIns="45720" rtlCol="0">
+            <a:noAutofit/>
+          </a:bodyPr>
+          <a:lstStyle>
+            <a:lvl1pPr marL="228600" indent="-228600" algn="l" defTabSz="914400" rtl="0" eaLnBrk="1" latinLnBrk="0" hangingPunct="1">
+              <a:lnSpc>
+                <a:spcPct val="90000"/>
+              </a:lnSpc>
+              <a:spcBef>
+                <a:spcPts val="1000"/>
+              </a:spcBef>
+              <a:buFont typeface="Arial" panose="020B0604020202020204" pitchFamily="34" charset="0"/>
+              <a:buChar char="•"/>
+              <a:defRPr sz="2800" kern="1200">
+                <a:solidFill>
+                  <a:schemeClr val="tx1"/>
+                </a:solidFill>
+                <a:latin typeface="+mn-lt"/>
+                <a:ea typeface="+mn-ea"/>
+                <a:cs typeface="+mn-cs"/>
+              </a:defRPr>
+            </a:lvl1pPr>
+            <a:lvl2pPr marL="685800" indent="-228600" algn="l" defTabSz="914400" rtl="0" eaLnBrk="1" latinLnBrk="0" hangingPunct="1">
+              <a:lnSpc>
+                <a:spcPct val="90000"/>
+              </a:lnSpc>
+              <a:spcBef>
+                <a:spcPts val="500"/>
+              </a:spcBef>
+              <a:buFont typeface="Arial" panose="020B0604020202020204" pitchFamily="34" charset="0"/>
+              <a:buChar char="•"/>
+              <a:defRPr sz="2400" kern="1200">
+                <a:solidFill>
+                  <a:schemeClr val="tx1"/>
+                </a:solidFill>
+                <a:latin typeface="+mn-lt"/>
+                <a:ea typeface="+mn-ea"/>
+                <a:cs typeface="+mn-cs"/>
+              </a:defRPr>
+            </a:lvl2pPr>
+            <a:lvl3pPr marL="1143000" indent="-228600" algn="l" defTabSz="914400" rtl="0" eaLnBrk="1" latinLnBrk="0" hangingPunct="1">
+              <a:lnSpc>
+                <a:spcPct val="90000"/>
+              </a:lnSpc>
+              <a:spcBef>
+                <a:spcPts val="500"/>
+              </a:spcBef>
+              <a:buFont typeface="Arial" panose="020B0604020202020204" pitchFamily="34" charset="0"/>
+              <a:buChar char="•"/>
+              <a:defRPr sz="2000" kern="1200">
+                <a:solidFill>
+                  <a:schemeClr val="tx1"/>
+                </a:solidFill>
+                <a:latin typeface="+mn-lt"/>
+                <a:ea typeface="+mn-ea"/>
+                <a:cs typeface="+mn-cs"/>
+              </a:defRPr>
+            </a:lvl3pPr>
+            <a:lvl4pPr marL="1600200" indent="-228600" algn="l" defTabSz="914400" rtl="0" eaLnBrk="1" latinLnBrk="0" hangingPunct="1">
+              <a:lnSpc>
+                <a:spcPct val="90000"/>
+              </a:lnSpc>
+              <a:spcBef>
+                <a:spcPts val="500"/>
+              </a:spcBef>
+              <a:buFont typeface="Arial" panose="020B0604020202020204" pitchFamily="34" charset="0"/>
+              <a:buChar char="•"/>
+              <a:defRPr sz="1800" kern="1200">
+                <a:solidFill>
+                  <a:schemeClr val="tx1"/>
+                </a:solidFill>
+                <a:latin typeface="+mn-lt"/>
+                <a:ea typeface="+mn-ea"/>
+                <a:cs typeface="+mn-cs"/>
+              </a:defRPr>
+            </a:lvl4pPr>
+            <a:lvl5pPr marL="2057400" indent="-228600" algn="l" defTabSz="914400" rtl="0" eaLnBrk="1" latinLnBrk="0" hangingPunct="1">
+              <a:lnSpc>
+                <a:spcPct val="90000"/>
+              </a:lnSpc>
+              <a:spcBef>
+                <a:spcPts val="500"/>
+              </a:spcBef>
+              <a:buFont typeface="Arial" panose="020B0604020202020204" pitchFamily="34" charset="0"/>
+              <a:buChar char="•"/>
+              <a:defRPr sz="1800" kern="1200">
+                <a:solidFill>
+                  <a:schemeClr val="tx1"/>
+                </a:solidFill>
+                <a:latin typeface="+mn-lt"/>
+                <a:ea typeface="+mn-ea"/>
+                <a:cs typeface="+mn-cs"/>
+              </a:defRPr>
+            </a:lvl5pPr>
+            <a:lvl6pPr marL="2514600" indent="-228600" algn="l" defTabSz="914400" rtl="0" eaLnBrk="1" latinLnBrk="0" hangingPunct="1">
+              <a:lnSpc>
+                <a:spcPct val="90000"/>
+              </a:lnSpc>
+              <a:spcBef>
+                <a:spcPts val="500"/>
+              </a:spcBef>
+              <a:buFont typeface="Arial" panose="020B0604020202020204" pitchFamily="34" charset="0"/>
+              <a:buChar char="•"/>
+              <a:defRPr sz="1800" kern="1200">
+                <a:solidFill>
+                  <a:schemeClr val="tx1"/>
+                </a:solidFill>
+                <a:latin typeface="+mn-lt"/>
+                <a:ea typeface="+mn-ea"/>
+                <a:cs typeface="+mn-cs"/>
+              </a:defRPr>
+            </a:lvl6pPr>
+            <a:lvl7pPr marL="2971800" indent="-228600" algn="l" defTabSz="914400" rtl="0" eaLnBrk="1" latinLnBrk="0" hangingPunct="1">
+              <a:lnSpc>
+                <a:spcPct val="90000"/>
+              </a:lnSpc>
+              <a:spcBef>
+                <a:spcPts val="500"/>
+              </a:spcBef>
+              <a:buFont typeface="Arial" panose="020B0604020202020204" pitchFamily="34" charset="0"/>
+              <a:buChar char="•"/>
+              <a:defRPr sz="1800" kern="1200">
+                <a:solidFill>
+                  <a:schemeClr val="tx1"/>
+                </a:solidFill>
+                <a:latin typeface="+mn-lt"/>
+                <a:ea typeface="+mn-ea"/>
+                <a:cs typeface="+mn-cs"/>
+              </a:defRPr>
+            </a:lvl7pPr>
+            <a:lvl8pPr marL="3429000" indent="-228600" algn="l" defTabSz="914400" rtl="0" eaLnBrk="1" latinLnBrk="0" hangingPunct="1">
+              <a:lnSpc>
+                <a:spcPct val="90000"/>
+              </a:lnSpc>
+              <a:spcBef>
+                <a:spcPts val="500"/>
+              </a:spcBef>
+              <a:buFont typeface="Arial" panose="020B0604020202020204" pitchFamily="34" charset="0"/>
+              <a:buChar char="•"/>
+              <a:defRPr sz="1800" kern="1200">
+                <a:solidFill>
+                  <a:schemeClr val="tx1"/>
+                </a:solidFill>
+                <a:latin typeface="+mn-lt"/>
+                <a:ea typeface="+mn-ea"/>
+                <a:cs typeface="+mn-cs"/>
+              </a:defRPr>
+            </a:lvl8pPr>
+            <a:lvl9pPr marL="3886200" indent="-228600" algn="l" defTabSz="914400" rtl="0" eaLnBrk="1" latinLnBrk="0" hangingPunct="1">
+              <a:lnSpc>
+                <a:spcPct val="90000"/>
+              </a:lnSpc>
+              <a:spcBef>
+                <a:spcPts val="500"/>
+              </a:spcBef>
+              <a:buFont typeface="Arial" panose="020B0604020202020204" pitchFamily="34" charset="0"/>
+              <a:buChar char="•"/>
+              <a:defRPr sz="1800" kern="1200">
+                <a:solidFill>
+                  <a:schemeClr val="tx1"/>
+                </a:solidFill>
+                <a:latin typeface="+mn-lt"/>
+                <a:ea typeface="+mn-ea"/>
+                <a:cs typeface="+mn-cs"/>
+              </a:defRPr>
+            </a:lvl9pPr>
+          </a:lstStyle>
+          <a:p>
+            <a:endParaRPr lang="en-US" dirty="0">
+              <a:solidFill>
+                <a:schemeClr val="tx2"/>
+              </a:solidFill>
+            </a:endParaRPr>
+          </a:p>
+        </p:txBody>
+      </p:sp>
+      <p:sp>
+        <p:nvSpPr>
+          <p:cNvPr id="9" name="TextBox 8">
+            <a:extLst>
+              <a:ext uri="{FF2B5EF4-FFF2-40B4-BE49-F238E27FC236}">
+                <a16:creationId xmlns:a16="http://schemas.microsoft.com/office/drawing/2014/main" id="{DCC9CF8F-FC2E-1C95-A4AC-FB61DCFDF196}"/>
+              </a:ext>
+            </a:extLst>
+          </p:cNvPr>
+          <p:cNvSpPr txBox="1"/>
+          <p:nvPr/>
+        </p:nvSpPr>
+        <p:spPr>
+          <a:xfrm>
+            <a:off x="383449" y="1690688"/>
+            <a:ext cx="6096000" cy="3970318"/>
+          </a:xfrm>
+          <a:prstGeom prst="rect">
+            <a:avLst/>
+          </a:prstGeom>
+          <a:noFill/>
+        </p:spPr>
+        <p:txBody>
+          <a:bodyPr wrap="square">
+            <a:spAutoFit/>
+          </a:bodyPr>
+          <a:lstStyle/>
+          <a:p>
+            <a:r>
+              <a:rPr lang="en-US" b="0" i="0" dirty="0">
+                <a:solidFill>
+                  <a:srgbClr val="202122"/>
+                </a:solidFill>
+                <a:effectLst/>
+                <a:latin typeface="Lato" panose="020F0502020204030203" pitchFamily="34" charset="0"/>
+              </a:rPr>
+              <a:t>You are tasked with building a model to predict whether a new type of concrete mixture will achieve a compressive strength of 35 MPa or more. Your dataset contains multiple features, such as the quantities of cement, water, and aggregate, and you observe that some features have values ranging from 0 to 1, while others range from 0 to 1000. You have information on the target variable. Your boss wants you to create a decision tree to model this process. Unfortunately, the standard regularization approach of penalizing weights cannot be applied to decision tress because they are not directly minimizing a loss function/maximizing an objective function. How might you ensure that this decision tree does not overfit the training data?</a:t>
+            </a:r>
+            <a:endParaRPr lang="en-US" dirty="0"/>
+          </a:p>
+        </p:txBody>
+      </p:sp>
+    </p:spTree>
+    <p:extLst>
+      <p:ext uri="{BB962C8B-B14F-4D97-AF65-F5344CB8AC3E}">
+        <p14:creationId xmlns:p14="http://schemas.microsoft.com/office/powerpoint/2010/main" val="1968984897"/>
+      </p:ext>
+    </p:extLst>
+  </p:cSld>
+  <p:clrMapOvr>
+    <a:masterClrMapping/>
+  </p:clrMapOvr>
+</p:sld>
+</file>
+
+<file path=ppt/slides/slide14.xml><?xml version="1.0" encoding="utf-8"?>
 <p:sld xmlns:a="http://schemas.openxmlformats.org/drawingml/2006/main" xmlns:r="http://schemas.openxmlformats.org/officeDocument/2006/relationships" xmlns:p="http://schemas.openxmlformats.org/presentationml/2006/main">
   <p:cSld>
     <p:spTree>
@@ -9394,7 +10314,453 @@
 </p:sld>
 </file>
 
-<file path=ppt/slides/slide9.xml><?xml version="1.0" encoding="utf-8"?>
+<file path=ppt/slides/slide15.xml><?xml version="1.0" encoding="utf-8"?>
+<p:sld xmlns:a="http://schemas.openxmlformats.org/drawingml/2006/main" xmlns:r="http://schemas.openxmlformats.org/officeDocument/2006/relationships" xmlns:p="http://schemas.openxmlformats.org/presentationml/2006/main">
+  <p:cSld>
+    <p:spTree>
+      <p:nvGrpSpPr>
+        <p:cNvPr id="1" name="">
+          <a:extLst>
+            <a:ext uri="{FF2B5EF4-FFF2-40B4-BE49-F238E27FC236}">
+              <a16:creationId xmlns:a16="http://schemas.microsoft.com/office/drawing/2014/main" id="{F0BE6EFD-DC91-E086-FF2F-9E5A945A0407}"/>
+            </a:ext>
+          </a:extLst>
+        </p:cNvPr>
+        <p:cNvGrpSpPr/>
+        <p:nvPr/>
+      </p:nvGrpSpPr>
+      <p:grpSpPr>
+        <a:xfrm>
+          <a:off x="0" y="0"/>
+          <a:ext cx="0" cy="0"/>
+          <a:chOff x="0" y="0"/>
+          <a:chExt cx="0" cy="0"/>
+        </a:xfrm>
+      </p:grpSpPr>
+      <p:sp>
+        <p:nvSpPr>
+          <p:cNvPr id="2" name="Title 1">
+            <a:extLst>
+              <a:ext uri="{FF2B5EF4-FFF2-40B4-BE49-F238E27FC236}">
+                <a16:creationId xmlns:a16="http://schemas.microsoft.com/office/drawing/2014/main" id="{5F0BFE74-F9DE-3695-8E40-8B4D981B6647}"/>
+              </a:ext>
+            </a:extLst>
+          </p:cNvPr>
+          <p:cNvSpPr>
+            <a:spLocks noGrp="1"/>
+          </p:cNvSpPr>
+          <p:nvPr>
+            <p:ph type="title"/>
+          </p:nvPr>
+        </p:nvSpPr>
+        <p:spPr/>
+        <p:txBody>
+          <a:bodyPr/>
+          <a:lstStyle/>
+          <a:p>
+            <a:r>
+              <a:rPr lang="en-US" sz="3000" b="1" dirty="0">
+                <a:solidFill>
+                  <a:schemeClr val="tx2"/>
+                </a:solidFill>
+              </a:rPr>
+              <a:t>Where we are</a:t>
+            </a:r>
+          </a:p>
+        </p:txBody>
+      </p:sp>
+      <p:grpSp>
+        <p:nvGrpSpPr>
+          <p:cNvPr id="4" name="Group 3">
+            <a:extLst>
+              <a:ext uri="{FF2B5EF4-FFF2-40B4-BE49-F238E27FC236}">
+                <a16:creationId xmlns:a16="http://schemas.microsoft.com/office/drawing/2014/main" id="{B1A8E795-7024-0196-5F45-8F06AB0A38FF}"/>
+              </a:ext>
+            </a:extLst>
+          </p:cNvPr>
+          <p:cNvGrpSpPr/>
+          <p:nvPr/>
+        </p:nvGrpSpPr>
+        <p:grpSpPr>
+          <a:xfrm>
+            <a:off x="4600576" y="163931"/>
+            <a:ext cx="7288527" cy="6260364"/>
+            <a:chOff x="4601939" y="122975"/>
+            <a:chExt cx="7288527" cy="6260364"/>
+          </a:xfrm>
+        </p:grpSpPr>
+        <p:pic>
+          <p:nvPicPr>
+            <p:cNvPr id="5" name="Picture 4" descr="Diagram&#10;&#10;Description automatically generated">
+              <a:extLst>
+                <a:ext uri="{FF2B5EF4-FFF2-40B4-BE49-F238E27FC236}">
+                  <a16:creationId xmlns:a16="http://schemas.microsoft.com/office/drawing/2014/main" id="{A6EBD92B-2B59-0417-71CD-58FD1F4137FF}"/>
+                </a:ext>
+              </a:extLst>
+            </p:cNvPr>
+            <p:cNvPicPr>
+              <a:picLocks noChangeAspect="1"/>
+            </p:cNvPicPr>
+            <p:nvPr/>
+          </p:nvPicPr>
+          <p:blipFill>
+            <a:blip r:embed="rId2"/>
+            <a:stretch>
+              <a:fillRect/>
+            </a:stretch>
+          </p:blipFill>
+          <p:spPr>
+            <a:xfrm>
+              <a:off x="4601939" y="122975"/>
+              <a:ext cx="7288527" cy="6260364"/>
+            </a:xfrm>
+            <a:prstGeom prst="rect">
+              <a:avLst/>
+            </a:prstGeom>
+          </p:spPr>
+        </p:pic>
+        <p:sp>
+          <p:nvSpPr>
+            <p:cNvPr id="6" name="TextBox 5">
+              <a:extLst>
+                <a:ext uri="{FF2B5EF4-FFF2-40B4-BE49-F238E27FC236}">
+                  <a16:creationId xmlns:a16="http://schemas.microsoft.com/office/drawing/2014/main" id="{47AD5B6D-BE2F-E9CF-1BB8-407253939C18}"/>
+                </a:ext>
+              </a:extLst>
+            </p:cNvPr>
+            <p:cNvSpPr txBox="1"/>
+            <p:nvPr/>
+          </p:nvSpPr>
+          <p:spPr>
+            <a:xfrm>
+              <a:off x="6945631" y="660586"/>
+              <a:ext cx="1371600" cy="523220"/>
+            </a:xfrm>
+            <a:prstGeom prst="rect">
+              <a:avLst/>
+            </a:prstGeom>
+            <a:noFill/>
+          </p:spPr>
+          <p:txBody>
+            <a:bodyPr wrap="square" rtlCol="0">
+              <a:spAutoFit/>
+            </a:bodyPr>
+            <a:lstStyle/>
+            <a:p>
+              <a:pPr algn="ctr"/>
+              <a:r>
+                <a:rPr lang="en-US" sz="1400" b="1" spc="-150">
+                  <a:solidFill>
+                    <a:schemeClr val="tx2"/>
+                  </a:solidFill>
+                  <a:latin typeface="Segoe Print" panose="02000800000000000000" pitchFamily="2" charset="0"/>
+                </a:rPr>
+                <a:t>Business Understanding</a:t>
+              </a:r>
+            </a:p>
+          </p:txBody>
+        </p:sp>
+        <p:sp>
+          <p:nvSpPr>
+            <p:cNvPr id="7" name="TextBox 6">
+              <a:extLst>
+                <a:ext uri="{FF2B5EF4-FFF2-40B4-BE49-F238E27FC236}">
+                  <a16:creationId xmlns:a16="http://schemas.microsoft.com/office/drawing/2014/main" id="{7CC77DD2-470C-4D00-E300-CE43D44B9F15}"/>
+                </a:ext>
+              </a:extLst>
+            </p:cNvPr>
+            <p:cNvSpPr txBox="1"/>
+            <p:nvPr/>
+          </p:nvSpPr>
+          <p:spPr>
+            <a:xfrm>
+              <a:off x="9041131" y="630106"/>
+              <a:ext cx="1371600" cy="523220"/>
+            </a:xfrm>
+            <a:prstGeom prst="rect">
+              <a:avLst/>
+            </a:prstGeom>
+            <a:noFill/>
+          </p:spPr>
+          <p:txBody>
+            <a:bodyPr wrap="square" rtlCol="0">
+              <a:spAutoFit/>
+            </a:bodyPr>
+            <a:lstStyle/>
+            <a:p>
+              <a:pPr algn="ctr"/>
+              <a:r>
+                <a:rPr lang="en-US" sz="1400" b="1" spc="-150">
+                  <a:solidFill>
+                    <a:schemeClr val="tx2"/>
+                  </a:solidFill>
+                  <a:latin typeface="Segoe Print" panose="02000800000000000000" pitchFamily="2" charset="0"/>
+                </a:rPr>
+                <a:t>Data Understanding</a:t>
+              </a:r>
+            </a:p>
+          </p:txBody>
+        </p:sp>
+        <p:sp>
+          <p:nvSpPr>
+            <p:cNvPr id="8" name="TextBox 7">
+              <a:extLst>
+                <a:ext uri="{FF2B5EF4-FFF2-40B4-BE49-F238E27FC236}">
+                  <a16:creationId xmlns:a16="http://schemas.microsoft.com/office/drawing/2014/main" id="{CF9FEFBF-AF14-A78F-A5C6-F5F322C592FB}"/>
+                </a:ext>
+              </a:extLst>
+            </p:cNvPr>
+            <p:cNvSpPr txBox="1"/>
+            <p:nvPr/>
+          </p:nvSpPr>
+          <p:spPr>
+            <a:xfrm>
+              <a:off x="10325101" y="2016946"/>
+              <a:ext cx="1371600" cy="523220"/>
+            </a:xfrm>
+            <a:prstGeom prst="rect">
+              <a:avLst/>
+            </a:prstGeom>
+            <a:noFill/>
+          </p:spPr>
+          <p:txBody>
+            <a:bodyPr wrap="square" rtlCol="0">
+              <a:spAutoFit/>
+            </a:bodyPr>
+            <a:lstStyle/>
+            <a:p>
+              <a:pPr algn="ctr"/>
+              <a:r>
+                <a:rPr lang="en-US" sz="1400" b="1">
+                  <a:solidFill>
+                    <a:schemeClr val="tx2"/>
+                  </a:solidFill>
+                  <a:latin typeface="Segoe Print" panose="02000800000000000000" pitchFamily="2" charset="0"/>
+                </a:rPr>
+                <a:t>Data Preparation</a:t>
+              </a:r>
+            </a:p>
+          </p:txBody>
+        </p:sp>
+        <p:sp>
+          <p:nvSpPr>
+            <p:cNvPr id="9" name="TextBox 8">
+              <a:extLst>
+                <a:ext uri="{FF2B5EF4-FFF2-40B4-BE49-F238E27FC236}">
+                  <a16:creationId xmlns:a16="http://schemas.microsoft.com/office/drawing/2014/main" id="{527BEA14-0B4A-ABF2-CDB2-989DE5FDA21E}"/>
+                </a:ext>
+              </a:extLst>
+            </p:cNvPr>
+            <p:cNvSpPr txBox="1"/>
+            <p:nvPr/>
+          </p:nvSpPr>
+          <p:spPr>
+            <a:xfrm>
+              <a:off x="10176511" y="4200076"/>
+              <a:ext cx="1371600" cy="307777"/>
+            </a:xfrm>
+            <a:prstGeom prst="rect">
+              <a:avLst/>
+            </a:prstGeom>
+            <a:noFill/>
+          </p:spPr>
+          <p:txBody>
+            <a:bodyPr wrap="square" rtlCol="0">
+              <a:spAutoFit/>
+            </a:bodyPr>
+            <a:lstStyle/>
+            <a:p>
+              <a:pPr algn="ctr"/>
+              <a:r>
+                <a:rPr lang="en-US" sz="1400" b="1">
+                  <a:solidFill>
+                    <a:schemeClr val="tx2"/>
+                  </a:solidFill>
+                  <a:latin typeface="Segoe Print" panose="02000800000000000000" pitchFamily="2" charset="0"/>
+                </a:rPr>
+                <a:t>Modeling</a:t>
+              </a:r>
+            </a:p>
+          </p:txBody>
+        </p:sp>
+        <p:sp>
+          <p:nvSpPr>
+            <p:cNvPr id="10" name="TextBox 9">
+              <a:extLst>
+                <a:ext uri="{FF2B5EF4-FFF2-40B4-BE49-F238E27FC236}">
+                  <a16:creationId xmlns:a16="http://schemas.microsoft.com/office/drawing/2014/main" id="{6B3D2F5D-A7E5-5F9E-377B-28C47C2AB8C7}"/>
+                </a:ext>
+              </a:extLst>
+            </p:cNvPr>
+            <p:cNvSpPr txBox="1"/>
+            <p:nvPr/>
+          </p:nvSpPr>
+          <p:spPr>
+            <a:xfrm>
+              <a:off x="8031481" y="5518336"/>
+              <a:ext cx="1371600" cy="307777"/>
+            </a:xfrm>
+            <a:prstGeom prst="rect">
+              <a:avLst/>
+            </a:prstGeom>
+            <a:noFill/>
+          </p:spPr>
+          <p:txBody>
+            <a:bodyPr wrap="square" rtlCol="0">
+              <a:spAutoFit/>
+            </a:bodyPr>
+            <a:lstStyle/>
+            <a:p>
+              <a:pPr algn="ctr"/>
+              <a:r>
+                <a:rPr lang="en-US" sz="1400" b="1">
+                  <a:solidFill>
+                    <a:schemeClr val="tx2"/>
+                  </a:solidFill>
+                  <a:latin typeface="Segoe Print" panose="02000800000000000000" pitchFamily="2" charset="0"/>
+                </a:rPr>
+                <a:t>Evaluation</a:t>
+              </a:r>
+            </a:p>
+          </p:txBody>
+        </p:sp>
+        <p:sp>
+          <p:nvSpPr>
+            <p:cNvPr id="11" name="TextBox 10">
+              <a:extLst>
+                <a:ext uri="{FF2B5EF4-FFF2-40B4-BE49-F238E27FC236}">
+                  <a16:creationId xmlns:a16="http://schemas.microsoft.com/office/drawing/2014/main" id="{2FBF203E-E0E2-5865-835F-7AADDCB7B959}"/>
+                </a:ext>
+              </a:extLst>
+            </p:cNvPr>
+            <p:cNvSpPr txBox="1"/>
+            <p:nvPr/>
+          </p:nvSpPr>
+          <p:spPr>
+            <a:xfrm>
+              <a:off x="4751071" y="3111553"/>
+              <a:ext cx="1371600" cy="307777"/>
+            </a:xfrm>
+            <a:prstGeom prst="rect">
+              <a:avLst/>
+            </a:prstGeom>
+            <a:noFill/>
+          </p:spPr>
+          <p:txBody>
+            <a:bodyPr wrap="square" rtlCol="0">
+              <a:spAutoFit/>
+            </a:bodyPr>
+            <a:lstStyle/>
+            <a:p>
+              <a:pPr algn="ctr"/>
+              <a:r>
+                <a:rPr lang="en-US" sz="1400" b="1">
+                  <a:solidFill>
+                    <a:schemeClr val="tx2"/>
+                  </a:solidFill>
+                  <a:latin typeface="Segoe Print" panose="02000800000000000000" pitchFamily="2" charset="0"/>
+                </a:rPr>
+                <a:t>Deployment</a:t>
+              </a:r>
+            </a:p>
+          </p:txBody>
+        </p:sp>
+        <p:sp>
+          <p:nvSpPr>
+            <p:cNvPr id="12" name="TextBox 11">
+              <a:extLst>
+                <a:ext uri="{FF2B5EF4-FFF2-40B4-BE49-F238E27FC236}">
+                  <a16:creationId xmlns:a16="http://schemas.microsoft.com/office/drawing/2014/main" id="{42A4F9D6-F2A5-873F-3753-F72AEC446BFA}"/>
+                </a:ext>
+              </a:extLst>
+            </p:cNvPr>
+            <p:cNvSpPr txBox="1"/>
+            <p:nvPr/>
+          </p:nvSpPr>
+          <p:spPr>
+            <a:xfrm>
+              <a:off x="7115595" y="2393455"/>
+              <a:ext cx="2977097" cy="1077218"/>
+            </a:xfrm>
+            <a:prstGeom prst="rect">
+              <a:avLst/>
+            </a:prstGeom>
+            <a:noFill/>
+          </p:spPr>
+          <p:txBody>
+            <a:bodyPr wrap="none" rtlCol="0">
+              <a:spAutoFit/>
+            </a:bodyPr>
+            <a:lstStyle/>
+            <a:p>
+              <a:r>
+                <a:rPr lang="en-US" sz="3200" b="1" dirty="0"/>
+                <a:t>Data Science </a:t>
+              </a:r>
+            </a:p>
+            <a:p>
+              <a:pPr algn="ctr"/>
+              <a:r>
+                <a:rPr lang="en-US" sz="3200" b="1" dirty="0"/>
+                <a:t>Process</a:t>
+              </a:r>
+            </a:p>
+          </p:txBody>
+        </p:sp>
+      </p:grpSp>
+      <p:sp>
+        <p:nvSpPr>
+          <p:cNvPr id="13" name="TextBox 12">
+            <a:extLst>
+              <a:ext uri="{FF2B5EF4-FFF2-40B4-BE49-F238E27FC236}">
+                <a16:creationId xmlns:a16="http://schemas.microsoft.com/office/drawing/2014/main" id="{C1A47606-6854-7866-73A9-5A25C96E8093}"/>
+              </a:ext>
+            </a:extLst>
+          </p:cNvPr>
+          <p:cNvSpPr txBox="1"/>
+          <p:nvPr/>
+        </p:nvSpPr>
+        <p:spPr>
+          <a:xfrm>
+            <a:off x="838200" y="1167468"/>
+            <a:ext cx="1965435" cy="523220"/>
+          </a:xfrm>
+          <a:prstGeom prst="rect">
+            <a:avLst/>
+          </a:prstGeom>
+          <a:noFill/>
+        </p:spPr>
+        <p:txBody>
+          <a:bodyPr wrap="square" rtlCol="0">
+            <a:spAutoFit/>
+          </a:bodyPr>
+          <a:lstStyle/>
+          <a:p>
+            <a:r>
+              <a:rPr lang="en-US" sz="2800" b="1" dirty="0">
+                <a:solidFill>
+                  <a:schemeClr val="accent4"/>
+                </a:solidFill>
+              </a:rPr>
+              <a:t>So far</a:t>
+            </a:r>
+          </a:p>
+        </p:txBody>
+      </p:sp>
+    </p:spTree>
+    <p:extLst>
+      <p:ext uri="{BB962C8B-B14F-4D97-AF65-F5344CB8AC3E}">
+        <p14:creationId xmlns:p14="http://schemas.microsoft.com/office/powerpoint/2010/main" val="1210672889"/>
+      </p:ext>
+    </p:extLst>
+  </p:cSld>
+  <p:clrMapOvr>
+    <a:masterClrMapping/>
+  </p:clrMapOvr>
+</p:sld>
+</file>
+
+<file path=ppt/slides/slide16.xml><?xml version="1.0" encoding="utf-8"?>
 <p:sld xmlns:a="http://schemas.openxmlformats.org/drawingml/2006/main" xmlns:r="http://schemas.openxmlformats.org/officeDocument/2006/relationships" xmlns:p="http://schemas.openxmlformats.org/presentationml/2006/main">
   <p:cSld>
     <p:spTree>
@@ -9803,7 +11169,7 @@
               <p14:nvPr/>
             </p14:nvContentPartPr>
             <p14:xfrm>
-              <a:off x="7826358" y="4734995"/>
+              <a:off x="6823660" y="148966"/>
               <a:ext cx="1779120" cy="1757880"/>
             </p14:xfrm>
           </p:contentPart>
@@ -9829,6 +11195,828 @@
             </p:blipFill>
             <p:spPr>
               <a:xfrm>
+                <a:off x="6769660" y="40966"/>
+                <a:ext cx="1886760" cy="1973520"/>
+              </a:xfrm>
+              <a:prstGeom prst="rect">
+                <a:avLst/>
+              </a:prstGeom>
+            </p:spPr>
+          </p:pic>
+        </mc:Fallback>
+      </mc:AlternateContent>
+      <p:sp>
+        <p:nvSpPr>
+          <p:cNvPr id="13" name="TextBox 12">
+            <a:extLst>
+              <a:ext uri="{FF2B5EF4-FFF2-40B4-BE49-F238E27FC236}">
+                <a16:creationId xmlns:a16="http://schemas.microsoft.com/office/drawing/2014/main" id="{EEDA0AFE-0286-69F4-92B3-B372CC991AC0}"/>
+              </a:ext>
+            </a:extLst>
+          </p:cNvPr>
+          <p:cNvSpPr txBox="1"/>
+          <p:nvPr/>
+        </p:nvSpPr>
+        <p:spPr>
+          <a:xfrm>
+            <a:off x="838200" y="1167468"/>
+            <a:ext cx="1965435" cy="523220"/>
+          </a:xfrm>
+          <a:prstGeom prst="rect">
+            <a:avLst/>
+          </a:prstGeom>
+          <a:noFill/>
+        </p:spPr>
+        <p:txBody>
+          <a:bodyPr wrap="square" rtlCol="0">
+            <a:spAutoFit/>
+          </a:bodyPr>
+          <a:lstStyle/>
+          <a:p>
+            <a:r>
+              <a:rPr lang="en-US" sz="2800" b="1" dirty="0">
+                <a:solidFill>
+                  <a:schemeClr val="accent4"/>
+                </a:solidFill>
+              </a:rPr>
+              <a:t>So far</a:t>
+            </a:r>
+          </a:p>
+        </p:txBody>
+      </p:sp>
+    </p:spTree>
+    <p:extLst>
+      <p:ext uri="{BB962C8B-B14F-4D97-AF65-F5344CB8AC3E}">
+        <p14:creationId xmlns:p14="http://schemas.microsoft.com/office/powerpoint/2010/main" val="1554237625"/>
+      </p:ext>
+    </p:extLst>
+  </p:cSld>
+  <p:clrMapOvr>
+    <a:masterClrMapping/>
+  </p:clrMapOvr>
+</p:sld>
+</file>
+
+<file path=ppt/slides/slide17.xml><?xml version="1.0" encoding="utf-8"?>
+<p:sld xmlns:a="http://schemas.openxmlformats.org/drawingml/2006/main" xmlns:r="http://schemas.openxmlformats.org/officeDocument/2006/relationships" xmlns:p="http://schemas.openxmlformats.org/presentationml/2006/main">
+  <p:cSld>
+    <p:spTree>
+      <p:nvGrpSpPr>
+        <p:cNvPr id="1" name="">
+          <a:extLst>
+            <a:ext uri="{FF2B5EF4-FFF2-40B4-BE49-F238E27FC236}">
+              <a16:creationId xmlns:a16="http://schemas.microsoft.com/office/drawing/2014/main" id="{034116C1-8FB2-35E6-D1F0-9D00641454DA}"/>
+            </a:ext>
+          </a:extLst>
+        </p:cNvPr>
+        <p:cNvGrpSpPr/>
+        <p:nvPr/>
+      </p:nvGrpSpPr>
+      <p:grpSpPr>
+        <a:xfrm>
+          <a:off x="0" y="0"/>
+          <a:ext cx="0" cy="0"/>
+          <a:chOff x="0" y="0"/>
+          <a:chExt cx="0" cy="0"/>
+        </a:xfrm>
+      </p:grpSpPr>
+      <p:sp>
+        <p:nvSpPr>
+          <p:cNvPr id="2" name="Title 1">
+            <a:extLst>
+              <a:ext uri="{FF2B5EF4-FFF2-40B4-BE49-F238E27FC236}">
+                <a16:creationId xmlns:a16="http://schemas.microsoft.com/office/drawing/2014/main" id="{E023CD07-EEAF-E817-A555-3B48FF91C9FE}"/>
+              </a:ext>
+            </a:extLst>
+          </p:cNvPr>
+          <p:cNvSpPr>
+            <a:spLocks noGrp="1"/>
+          </p:cNvSpPr>
+          <p:nvPr>
+            <p:ph type="title"/>
+          </p:nvPr>
+        </p:nvSpPr>
+        <p:spPr/>
+        <p:txBody>
+          <a:bodyPr/>
+          <a:lstStyle/>
+          <a:p>
+            <a:r>
+              <a:rPr lang="en-US" sz="3000" b="1" dirty="0">
+                <a:solidFill>
+                  <a:schemeClr val="tx2"/>
+                </a:solidFill>
+              </a:rPr>
+              <a:t>Where we are</a:t>
+            </a:r>
+          </a:p>
+        </p:txBody>
+      </p:sp>
+      <p:pic>
+        <p:nvPicPr>
+          <p:cNvPr id="14" name="Picture 13" descr="A diagram of a machine learning algorithm&#10;&#10;Description automatically generated">
+            <a:extLst>
+              <a:ext uri="{FF2B5EF4-FFF2-40B4-BE49-F238E27FC236}">
+                <a16:creationId xmlns:a16="http://schemas.microsoft.com/office/drawing/2014/main" id="{9E2DCEC2-92D4-BDA3-0ACE-63C32CC8F830}"/>
+              </a:ext>
+            </a:extLst>
+          </p:cNvPr>
+          <p:cNvPicPr>
+            <a:picLocks noChangeAspect="1"/>
+          </p:cNvPicPr>
+          <p:nvPr/>
+        </p:nvPicPr>
+        <p:blipFill>
+          <a:blip r:embed="rId2"/>
+          <a:stretch>
+            <a:fillRect/>
+          </a:stretch>
+        </p:blipFill>
+        <p:spPr>
+          <a:xfrm>
+            <a:off x="3696649" y="1949887"/>
+            <a:ext cx="5240421" cy="2958225"/>
+          </a:xfrm>
+          <a:prstGeom prst="rect">
+            <a:avLst/>
+          </a:prstGeom>
+        </p:spPr>
+      </p:pic>
+      <p:sp>
+        <p:nvSpPr>
+          <p:cNvPr id="4" name="TextBox 3">
+            <a:extLst>
+              <a:ext uri="{FF2B5EF4-FFF2-40B4-BE49-F238E27FC236}">
+                <a16:creationId xmlns:a16="http://schemas.microsoft.com/office/drawing/2014/main" id="{57F65C57-6066-F258-1A26-7A60B9692E9E}"/>
+              </a:ext>
+            </a:extLst>
+          </p:cNvPr>
+          <p:cNvSpPr txBox="1"/>
+          <p:nvPr/>
+        </p:nvSpPr>
+        <p:spPr>
+          <a:xfrm>
+            <a:off x="838200" y="1167468"/>
+            <a:ext cx="1965435" cy="523220"/>
+          </a:xfrm>
+          <a:prstGeom prst="rect">
+            <a:avLst/>
+          </a:prstGeom>
+          <a:noFill/>
+        </p:spPr>
+        <p:txBody>
+          <a:bodyPr wrap="square" rtlCol="0">
+            <a:spAutoFit/>
+          </a:bodyPr>
+          <a:lstStyle/>
+          <a:p>
+            <a:r>
+              <a:rPr lang="en-US" sz="2800" b="1" dirty="0">
+                <a:solidFill>
+                  <a:schemeClr val="accent4"/>
+                </a:solidFill>
+              </a:rPr>
+              <a:t>So far</a:t>
+            </a:r>
+          </a:p>
+        </p:txBody>
+      </p:sp>
+    </p:spTree>
+    <p:extLst>
+      <p:ext uri="{BB962C8B-B14F-4D97-AF65-F5344CB8AC3E}">
+        <p14:creationId xmlns:p14="http://schemas.microsoft.com/office/powerpoint/2010/main" val="426547564"/>
+      </p:ext>
+    </p:extLst>
+  </p:cSld>
+  <p:clrMapOvr>
+    <a:masterClrMapping/>
+  </p:clrMapOvr>
+</p:sld>
+</file>
+
+<file path=ppt/slides/slide18.xml><?xml version="1.0" encoding="utf-8"?>
+<p:sld xmlns:a="http://schemas.openxmlformats.org/drawingml/2006/main" xmlns:r="http://schemas.openxmlformats.org/officeDocument/2006/relationships" xmlns:p="http://schemas.openxmlformats.org/presentationml/2006/main">
+  <p:cSld>
+    <p:spTree>
+      <p:nvGrpSpPr>
+        <p:cNvPr id="1" name="">
+          <a:extLst>
+            <a:ext uri="{FF2B5EF4-FFF2-40B4-BE49-F238E27FC236}">
+              <a16:creationId xmlns:a16="http://schemas.microsoft.com/office/drawing/2014/main" id="{8312A14F-47DD-5F46-7D7E-C377F2D86BD9}"/>
+            </a:ext>
+          </a:extLst>
+        </p:cNvPr>
+        <p:cNvGrpSpPr/>
+        <p:nvPr/>
+      </p:nvGrpSpPr>
+      <p:grpSpPr>
+        <a:xfrm>
+          <a:off x="0" y="0"/>
+          <a:ext cx="0" cy="0"/>
+          <a:chOff x="0" y="0"/>
+          <a:chExt cx="0" cy="0"/>
+        </a:xfrm>
+      </p:grpSpPr>
+      <p:sp>
+        <p:nvSpPr>
+          <p:cNvPr id="2" name="Title 1">
+            <a:extLst>
+              <a:ext uri="{FF2B5EF4-FFF2-40B4-BE49-F238E27FC236}">
+                <a16:creationId xmlns:a16="http://schemas.microsoft.com/office/drawing/2014/main" id="{A35D3731-6900-A134-2B88-91586E2B12EB}"/>
+              </a:ext>
+            </a:extLst>
+          </p:cNvPr>
+          <p:cNvSpPr>
+            <a:spLocks noGrp="1"/>
+          </p:cNvSpPr>
+          <p:nvPr>
+            <p:ph type="title"/>
+          </p:nvPr>
+        </p:nvSpPr>
+        <p:spPr/>
+        <p:txBody>
+          <a:bodyPr/>
+          <a:lstStyle/>
+          <a:p>
+            <a:r>
+              <a:rPr lang="en-US" sz="3000" b="1" dirty="0">
+                <a:solidFill>
+                  <a:schemeClr val="tx2"/>
+                </a:solidFill>
+              </a:rPr>
+              <a:t>Where we are</a:t>
+            </a:r>
+          </a:p>
+        </p:txBody>
+      </p:sp>
+      <p:pic>
+        <p:nvPicPr>
+          <p:cNvPr id="14" name="Picture 13" descr="A diagram of a machine learning algorithm&#10;&#10;Description automatically generated">
+            <a:extLst>
+              <a:ext uri="{FF2B5EF4-FFF2-40B4-BE49-F238E27FC236}">
+                <a16:creationId xmlns:a16="http://schemas.microsoft.com/office/drawing/2014/main" id="{7FF33127-0D2F-BF34-B752-DC7E3CEFC0F3}"/>
+              </a:ext>
+            </a:extLst>
+          </p:cNvPr>
+          <p:cNvPicPr>
+            <a:picLocks noChangeAspect="1"/>
+          </p:cNvPicPr>
+          <p:nvPr/>
+        </p:nvPicPr>
+        <p:blipFill>
+          <a:blip r:embed="rId2"/>
+          <a:stretch>
+            <a:fillRect/>
+          </a:stretch>
+        </p:blipFill>
+        <p:spPr>
+          <a:xfrm>
+            <a:off x="3696649" y="1949887"/>
+            <a:ext cx="5240421" cy="2958225"/>
+          </a:xfrm>
+          <a:prstGeom prst="rect">
+            <a:avLst/>
+          </a:prstGeom>
+        </p:spPr>
+      </p:pic>
+      <mc:AlternateContent xmlns:mc="http://schemas.openxmlformats.org/markup-compatibility/2006" xmlns:p14="http://schemas.microsoft.com/office/powerpoint/2010/main">
+        <mc:Choice Requires="p14">
+          <p:contentPart p14:bwMode="auto" r:id="rId3">
+            <p14:nvContentPartPr>
+              <p14:cNvPr id="3" name="Ink 2">
+                <a:extLst>
+                  <a:ext uri="{FF2B5EF4-FFF2-40B4-BE49-F238E27FC236}">
+                    <a16:creationId xmlns:a16="http://schemas.microsoft.com/office/drawing/2014/main" id="{5E0838E8-0062-C400-6D2B-F2700E5CD97A}"/>
+                  </a:ext>
+                </a:extLst>
+              </p14:cNvPr>
+              <p14:cNvContentPartPr/>
+              <p14:nvPr/>
+            </p14:nvContentPartPr>
+            <p14:xfrm>
+              <a:off x="6647040" y="3688729"/>
+              <a:ext cx="1421280" cy="1315440"/>
+            </p14:xfrm>
+          </p:contentPart>
+        </mc:Choice>
+        <mc:Fallback xmlns="">
+          <p:pic>
+            <p:nvPicPr>
+              <p:cNvPr id="3" name="Ink 2">
+                <a:extLst>
+                  <a:ext uri="{FF2B5EF4-FFF2-40B4-BE49-F238E27FC236}">
+                    <a16:creationId xmlns:a16="http://schemas.microsoft.com/office/drawing/2014/main" id="{B958BF4A-1E9C-0649-6FB3-BE03C4B47874}"/>
+                  </a:ext>
+                </a:extLst>
+              </p:cNvPr>
+              <p:cNvPicPr/>
+              <p:nvPr/>
+            </p:nvPicPr>
+            <p:blipFill>
+              <a:blip r:embed="rId4"/>
+              <a:stretch>
+                <a:fillRect/>
+              </a:stretch>
+            </p:blipFill>
+            <p:spPr>
+              <a:xfrm>
+                <a:off x="6593040" y="3580729"/>
+                <a:ext cx="1528920" cy="1531080"/>
+              </a:xfrm>
+              <a:prstGeom prst="rect">
+                <a:avLst/>
+              </a:prstGeom>
+            </p:spPr>
+          </p:pic>
+        </mc:Fallback>
+      </mc:AlternateContent>
+      <p:sp>
+        <p:nvSpPr>
+          <p:cNvPr id="4" name="TextBox 3">
+            <a:extLst>
+              <a:ext uri="{FF2B5EF4-FFF2-40B4-BE49-F238E27FC236}">
+                <a16:creationId xmlns:a16="http://schemas.microsoft.com/office/drawing/2014/main" id="{268D25B2-2440-CCC9-936D-DE642A4E9F91}"/>
+              </a:ext>
+            </a:extLst>
+          </p:cNvPr>
+          <p:cNvSpPr txBox="1"/>
+          <p:nvPr/>
+        </p:nvSpPr>
+        <p:spPr>
+          <a:xfrm>
+            <a:off x="838200" y="1167468"/>
+            <a:ext cx="1965435" cy="523220"/>
+          </a:xfrm>
+          <a:prstGeom prst="rect">
+            <a:avLst/>
+          </a:prstGeom>
+          <a:noFill/>
+        </p:spPr>
+        <p:txBody>
+          <a:bodyPr wrap="square" rtlCol="0">
+            <a:spAutoFit/>
+          </a:bodyPr>
+          <a:lstStyle/>
+          <a:p>
+            <a:r>
+              <a:rPr lang="en-US" sz="2800" b="1" dirty="0">
+                <a:solidFill>
+                  <a:schemeClr val="accent4"/>
+                </a:solidFill>
+              </a:rPr>
+              <a:t>So far</a:t>
+            </a:r>
+          </a:p>
+        </p:txBody>
+      </p:sp>
+    </p:spTree>
+    <p:extLst>
+      <p:ext uri="{BB962C8B-B14F-4D97-AF65-F5344CB8AC3E}">
+        <p14:creationId xmlns:p14="http://schemas.microsoft.com/office/powerpoint/2010/main" val="874388357"/>
+      </p:ext>
+    </p:extLst>
+  </p:cSld>
+  <p:clrMapOvr>
+    <a:masterClrMapping/>
+  </p:clrMapOvr>
+</p:sld>
+</file>
+
+<file path=ppt/slides/slide19.xml><?xml version="1.0" encoding="utf-8"?>
+<p:sld xmlns:a="http://schemas.openxmlformats.org/drawingml/2006/main" xmlns:r="http://schemas.openxmlformats.org/officeDocument/2006/relationships" xmlns:p="http://schemas.openxmlformats.org/presentationml/2006/main">
+  <p:cSld>
+    <p:spTree>
+      <p:nvGrpSpPr>
+        <p:cNvPr id="1" name="">
+          <a:extLst>
+            <a:ext uri="{FF2B5EF4-FFF2-40B4-BE49-F238E27FC236}">
+              <a16:creationId xmlns:a16="http://schemas.microsoft.com/office/drawing/2014/main" id="{A27D7786-72F0-22B4-CA49-0A8F537E4CA3}"/>
+            </a:ext>
+          </a:extLst>
+        </p:cNvPr>
+        <p:cNvGrpSpPr/>
+        <p:nvPr/>
+      </p:nvGrpSpPr>
+      <p:grpSpPr>
+        <a:xfrm>
+          <a:off x="0" y="0"/>
+          <a:ext cx="0" cy="0"/>
+          <a:chOff x="0" y="0"/>
+          <a:chExt cx="0" cy="0"/>
+        </a:xfrm>
+      </p:grpSpPr>
+      <p:sp>
+        <p:nvSpPr>
+          <p:cNvPr id="2" name="Title 1">
+            <a:extLst>
+              <a:ext uri="{FF2B5EF4-FFF2-40B4-BE49-F238E27FC236}">
+                <a16:creationId xmlns:a16="http://schemas.microsoft.com/office/drawing/2014/main" id="{0C57FD45-A1AD-A325-B39B-F819EC8CDA02}"/>
+              </a:ext>
+            </a:extLst>
+          </p:cNvPr>
+          <p:cNvSpPr>
+            <a:spLocks noGrp="1"/>
+          </p:cNvSpPr>
+          <p:nvPr>
+            <p:ph type="title"/>
+          </p:nvPr>
+        </p:nvSpPr>
+        <p:spPr/>
+        <p:txBody>
+          <a:bodyPr/>
+          <a:lstStyle/>
+          <a:p>
+            <a:r>
+              <a:rPr lang="en-US" sz="3000" b="1" dirty="0">
+                <a:solidFill>
+                  <a:schemeClr val="tx2"/>
+                </a:solidFill>
+              </a:rPr>
+              <a:t>Where we are</a:t>
+            </a:r>
+          </a:p>
+        </p:txBody>
+      </p:sp>
+      <p:grpSp>
+        <p:nvGrpSpPr>
+          <p:cNvPr id="4" name="Group 3">
+            <a:extLst>
+              <a:ext uri="{FF2B5EF4-FFF2-40B4-BE49-F238E27FC236}">
+                <a16:creationId xmlns:a16="http://schemas.microsoft.com/office/drawing/2014/main" id="{14B11BF1-2EB0-10D8-188F-49EF48F1831F}"/>
+              </a:ext>
+            </a:extLst>
+          </p:cNvPr>
+          <p:cNvGrpSpPr/>
+          <p:nvPr/>
+        </p:nvGrpSpPr>
+        <p:grpSpPr>
+          <a:xfrm>
+            <a:off x="4600576" y="163931"/>
+            <a:ext cx="7288527" cy="6260364"/>
+            <a:chOff x="4601939" y="122975"/>
+            <a:chExt cx="7288527" cy="6260364"/>
+          </a:xfrm>
+        </p:grpSpPr>
+        <p:pic>
+          <p:nvPicPr>
+            <p:cNvPr id="5" name="Picture 4" descr="Diagram&#10;&#10;Description automatically generated">
+              <a:extLst>
+                <a:ext uri="{FF2B5EF4-FFF2-40B4-BE49-F238E27FC236}">
+                  <a16:creationId xmlns:a16="http://schemas.microsoft.com/office/drawing/2014/main" id="{C360DE9C-7DD5-F11B-E4E8-39B4ED8C46BB}"/>
+                </a:ext>
+              </a:extLst>
+            </p:cNvPr>
+            <p:cNvPicPr>
+              <a:picLocks noChangeAspect="1"/>
+            </p:cNvPicPr>
+            <p:nvPr/>
+          </p:nvPicPr>
+          <p:blipFill>
+            <a:blip r:embed="rId2"/>
+            <a:stretch>
+              <a:fillRect/>
+            </a:stretch>
+          </p:blipFill>
+          <p:spPr>
+            <a:xfrm>
+              <a:off x="4601939" y="122975"/>
+              <a:ext cx="7288527" cy="6260364"/>
+            </a:xfrm>
+            <a:prstGeom prst="rect">
+              <a:avLst/>
+            </a:prstGeom>
+          </p:spPr>
+        </p:pic>
+        <p:sp>
+          <p:nvSpPr>
+            <p:cNvPr id="6" name="TextBox 5">
+              <a:extLst>
+                <a:ext uri="{FF2B5EF4-FFF2-40B4-BE49-F238E27FC236}">
+                  <a16:creationId xmlns:a16="http://schemas.microsoft.com/office/drawing/2014/main" id="{B2DC547C-C2F6-2FA4-1183-B7EFF248BCC6}"/>
+                </a:ext>
+              </a:extLst>
+            </p:cNvPr>
+            <p:cNvSpPr txBox="1"/>
+            <p:nvPr/>
+          </p:nvSpPr>
+          <p:spPr>
+            <a:xfrm>
+              <a:off x="6945631" y="660586"/>
+              <a:ext cx="1371600" cy="523220"/>
+            </a:xfrm>
+            <a:prstGeom prst="rect">
+              <a:avLst/>
+            </a:prstGeom>
+            <a:noFill/>
+          </p:spPr>
+          <p:txBody>
+            <a:bodyPr wrap="square" rtlCol="0">
+              <a:spAutoFit/>
+            </a:bodyPr>
+            <a:lstStyle/>
+            <a:p>
+              <a:pPr algn="ctr"/>
+              <a:r>
+                <a:rPr lang="en-US" sz="1400" b="1" spc="-150">
+                  <a:solidFill>
+                    <a:schemeClr val="tx2"/>
+                  </a:solidFill>
+                  <a:latin typeface="Segoe Print" panose="02000800000000000000" pitchFamily="2" charset="0"/>
+                </a:rPr>
+                <a:t>Business Understanding</a:t>
+              </a:r>
+            </a:p>
+          </p:txBody>
+        </p:sp>
+        <p:sp>
+          <p:nvSpPr>
+            <p:cNvPr id="7" name="TextBox 6">
+              <a:extLst>
+                <a:ext uri="{FF2B5EF4-FFF2-40B4-BE49-F238E27FC236}">
+                  <a16:creationId xmlns:a16="http://schemas.microsoft.com/office/drawing/2014/main" id="{745BC16E-6D4C-56CC-E496-50E585220EC4}"/>
+                </a:ext>
+              </a:extLst>
+            </p:cNvPr>
+            <p:cNvSpPr txBox="1"/>
+            <p:nvPr/>
+          </p:nvSpPr>
+          <p:spPr>
+            <a:xfrm>
+              <a:off x="9041131" y="630106"/>
+              <a:ext cx="1371600" cy="523220"/>
+            </a:xfrm>
+            <a:prstGeom prst="rect">
+              <a:avLst/>
+            </a:prstGeom>
+            <a:noFill/>
+          </p:spPr>
+          <p:txBody>
+            <a:bodyPr wrap="square" rtlCol="0">
+              <a:spAutoFit/>
+            </a:bodyPr>
+            <a:lstStyle/>
+            <a:p>
+              <a:pPr algn="ctr"/>
+              <a:r>
+                <a:rPr lang="en-US" sz="1400" b="1" spc="-150">
+                  <a:solidFill>
+                    <a:schemeClr val="tx2"/>
+                  </a:solidFill>
+                  <a:latin typeface="Segoe Print" panose="02000800000000000000" pitchFamily="2" charset="0"/>
+                </a:rPr>
+                <a:t>Data Understanding</a:t>
+              </a:r>
+            </a:p>
+          </p:txBody>
+        </p:sp>
+        <p:sp>
+          <p:nvSpPr>
+            <p:cNvPr id="8" name="TextBox 7">
+              <a:extLst>
+                <a:ext uri="{FF2B5EF4-FFF2-40B4-BE49-F238E27FC236}">
+                  <a16:creationId xmlns:a16="http://schemas.microsoft.com/office/drawing/2014/main" id="{BFA958D2-65A9-329D-F357-69AD3FDEC3D1}"/>
+                </a:ext>
+              </a:extLst>
+            </p:cNvPr>
+            <p:cNvSpPr txBox="1"/>
+            <p:nvPr/>
+          </p:nvSpPr>
+          <p:spPr>
+            <a:xfrm>
+              <a:off x="10325101" y="2016946"/>
+              <a:ext cx="1371600" cy="523220"/>
+            </a:xfrm>
+            <a:prstGeom prst="rect">
+              <a:avLst/>
+            </a:prstGeom>
+            <a:noFill/>
+          </p:spPr>
+          <p:txBody>
+            <a:bodyPr wrap="square" rtlCol="0">
+              <a:spAutoFit/>
+            </a:bodyPr>
+            <a:lstStyle/>
+            <a:p>
+              <a:pPr algn="ctr"/>
+              <a:r>
+                <a:rPr lang="en-US" sz="1400" b="1">
+                  <a:solidFill>
+                    <a:schemeClr val="tx2"/>
+                  </a:solidFill>
+                  <a:latin typeface="Segoe Print" panose="02000800000000000000" pitchFamily="2" charset="0"/>
+                </a:rPr>
+                <a:t>Data Preparation</a:t>
+              </a:r>
+            </a:p>
+          </p:txBody>
+        </p:sp>
+        <p:sp>
+          <p:nvSpPr>
+            <p:cNvPr id="9" name="TextBox 8">
+              <a:extLst>
+                <a:ext uri="{FF2B5EF4-FFF2-40B4-BE49-F238E27FC236}">
+                  <a16:creationId xmlns:a16="http://schemas.microsoft.com/office/drawing/2014/main" id="{EC43D6E5-46EB-28DF-B51D-BE424E0012D6}"/>
+                </a:ext>
+              </a:extLst>
+            </p:cNvPr>
+            <p:cNvSpPr txBox="1"/>
+            <p:nvPr/>
+          </p:nvSpPr>
+          <p:spPr>
+            <a:xfrm>
+              <a:off x="10176511" y="4200076"/>
+              <a:ext cx="1371600" cy="307777"/>
+            </a:xfrm>
+            <a:prstGeom prst="rect">
+              <a:avLst/>
+            </a:prstGeom>
+            <a:noFill/>
+          </p:spPr>
+          <p:txBody>
+            <a:bodyPr wrap="square" rtlCol="0">
+              <a:spAutoFit/>
+            </a:bodyPr>
+            <a:lstStyle/>
+            <a:p>
+              <a:pPr algn="ctr"/>
+              <a:r>
+                <a:rPr lang="en-US" sz="1400" b="1">
+                  <a:solidFill>
+                    <a:schemeClr val="tx2"/>
+                  </a:solidFill>
+                  <a:latin typeface="Segoe Print" panose="02000800000000000000" pitchFamily="2" charset="0"/>
+                </a:rPr>
+                <a:t>Modeling</a:t>
+              </a:r>
+            </a:p>
+          </p:txBody>
+        </p:sp>
+        <p:sp>
+          <p:nvSpPr>
+            <p:cNvPr id="10" name="TextBox 9">
+              <a:extLst>
+                <a:ext uri="{FF2B5EF4-FFF2-40B4-BE49-F238E27FC236}">
+                  <a16:creationId xmlns:a16="http://schemas.microsoft.com/office/drawing/2014/main" id="{748A181E-7E4F-41FA-2A4E-59163EB14E3B}"/>
+                </a:ext>
+              </a:extLst>
+            </p:cNvPr>
+            <p:cNvSpPr txBox="1"/>
+            <p:nvPr/>
+          </p:nvSpPr>
+          <p:spPr>
+            <a:xfrm>
+              <a:off x="8031481" y="5518336"/>
+              <a:ext cx="1371600" cy="307777"/>
+            </a:xfrm>
+            <a:prstGeom prst="rect">
+              <a:avLst/>
+            </a:prstGeom>
+            <a:noFill/>
+          </p:spPr>
+          <p:txBody>
+            <a:bodyPr wrap="square" rtlCol="0">
+              <a:spAutoFit/>
+            </a:bodyPr>
+            <a:lstStyle/>
+            <a:p>
+              <a:pPr algn="ctr"/>
+              <a:r>
+                <a:rPr lang="en-US" sz="1400" b="1">
+                  <a:solidFill>
+                    <a:schemeClr val="tx2"/>
+                  </a:solidFill>
+                  <a:latin typeface="Segoe Print" panose="02000800000000000000" pitchFamily="2" charset="0"/>
+                </a:rPr>
+                <a:t>Evaluation</a:t>
+              </a:r>
+            </a:p>
+          </p:txBody>
+        </p:sp>
+        <p:sp>
+          <p:nvSpPr>
+            <p:cNvPr id="11" name="TextBox 10">
+              <a:extLst>
+                <a:ext uri="{FF2B5EF4-FFF2-40B4-BE49-F238E27FC236}">
+                  <a16:creationId xmlns:a16="http://schemas.microsoft.com/office/drawing/2014/main" id="{FED6AEAE-02B3-305B-172E-5FBA29B161ED}"/>
+                </a:ext>
+              </a:extLst>
+            </p:cNvPr>
+            <p:cNvSpPr txBox="1"/>
+            <p:nvPr/>
+          </p:nvSpPr>
+          <p:spPr>
+            <a:xfrm>
+              <a:off x="4751071" y="3111553"/>
+              <a:ext cx="1371600" cy="307777"/>
+            </a:xfrm>
+            <a:prstGeom prst="rect">
+              <a:avLst/>
+            </a:prstGeom>
+            <a:noFill/>
+          </p:spPr>
+          <p:txBody>
+            <a:bodyPr wrap="square" rtlCol="0">
+              <a:spAutoFit/>
+            </a:bodyPr>
+            <a:lstStyle/>
+            <a:p>
+              <a:pPr algn="ctr"/>
+              <a:r>
+                <a:rPr lang="en-US" sz="1400" b="1">
+                  <a:solidFill>
+                    <a:schemeClr val="tx2"/>
+                  </a:solidFill>
+                  <a:latin typeface="Segoe Print" panose="02000800000000000000" pitchFamily="2" charset="0"/>
+                </a:rPr>
+                <a:t>Deployment</a:t>
+              </a:r>
+            </a:p>
+          </p:txBody>
+        </p:sp>
+        <p:sp>
+          <p:nvSpPr>
+            <p:cNvPr id="12" name="TextBox 11">
+              <a:extLst>
+                <a:ext uri="{FF2B5EF4-FFF2-40B4-BE49-F238E27FC236}">
+                  <a16:creationId xmlns:a16="http://schemas.microsoft.com/office/drawing/2014/main" id="{ABC080F6-291C-BBE1-67DB-664DD5B5E4E3}"/>
+                </a:ext>
+              </a:extLst>
+            </p:cNvPr>
+            <p:cNvSpPr txBox="1"/>
+            <p:nvPr/>
+          </p:nvSpPr>
+          <p:spPr>
+            <a:xfrm>
+              <a:off x="7115595" y="2393455"/>
+              <a:ext cx="2977097" cy="1077218"/>
+            </a:xfrm>
+            <a:prstGeom prst="rect">
+              <a:avLst/>
+            </a:prstGeom>
+            <a:noFill/>
+          </p:spPr>
+          <p:txBody>
+            <a:bodyPr wrap="none" rtlCol="0">
+              <a:spAutoFit/>
+            </a:bodyPr>
+            <a:lstStyle/>
+            <a:p>
+              <a:r>
+                <a:rPr lang="en-US" sz="3200" b="1" dirty="0"/>
+                <a:t>Data Science </a:t>
+              </a:r>
+            </a:p>
+            <a:p>
+              <a:pPr algn="ctr"/>
+              <a:r>
+                <a:rPr lang="en-US" sz="3200" b="1" dirty="0"/>
+                <a:t>Process</a:t>
+              </a:r>
+            </a:p>
+          </p:txBody>
+        </p:sp>
+      </p:grpSp>
+      <mc:AlternateContent xmlns:mc="http://schemas.openxmlformats.org/markup-compatibility/2006">
+        <mc:Choice xmlns:p14="http://schemas.microsoft.com/office/powerpoint/2010/main" Requires="p14">
+          <p:contentPart p14:bwMode="auto" r:id="rId3">
+            <p14:nvContentPartPr>
+              <p14:cNvPr id="3" name="Ink 2">
+                <a:extLst>
+                  <a:ext uri="{FF2B5EF4-FFF2-40B4-BE49-F238E27FC236}">
+                    <a16:creationId xmlns:a16="http://schemas.microsoft.com/office/drawing/2014/main" id="{4319356D-371B-BCF8-41B9-A0C970F0C436}"/>
+                  </a:ext>
+                </a:extLst>
+              </p14:cNvPr>
+              <p14:cNvContentPartPr/>
+              <p14:nvPr/>
+            </p14:nvContentPartPr>
+            <p14:xfrm>
+              <a:off x="7826358" y="4734995"/>
+              <a:ext cx="1779120" cy="1757880"/>
+            </p14:xfrm>
+          </p:contentPart>
+        </mc:Choice>
+        <mc:Fallback>
+          <p:pic>
+            <p:nvPicPr>
+              <p:cNvPr id="3" name="Ink 2">
+                <a:extLst>
+                  <a:ext uri="{FF2B5EF4-FFF2-40B4-BE49-F238E27FC236}">
+                    <a16:creationId xmlns:a16="http://schemas.microsoft.com/office/drawing/2014/main" id="{4319356D-371B-BCF8-41B9-A0C970F0C436}"/>
+                  </a:ext>
+                </a:extLst>
+              </p:cNvPr>
+              <p:cNvPicPr/>
+              <p:nvPr/>
+            </p:nvPicPr>
+            <p:blipFill>
+              <a:blip r:embed="rId4"/>
+              <a:stretch>
+                <a:fillRect/>
+              </a:stretch>
+            </p:blipFill>
+            <p:spPr>
+              <a:xfrm>
                 <a:off x="7772358" y="4626995"/>
                 <a:ext cx="1886760" cy="1973520"/>
               </a:xfrm>
@@ -9839,10 +12027,3645 @@
           </p:pic>
         </mc:Fallback>
       </mc:AlternateContent>
+      <p:sp>
+        <p:nvSpPr>
+          <p:cNvPr id="13" name="TextBox 12">
+            <a:extLst>
+              <a:ext uri="{FF2B5EF4-FFF2-40B4-BE49-F238E27FC236}">
+                <a16:creationId xmlns:a16="http://schemas.microsoft.com/office/drawing/2014/main" id="{CE9F837B-35BF-5FE8-8A6A-A5B6D8BC7A90}"/>
+              </a:ext>
+            </a:extLst>
+          </p:cNvPr>
+          <p:cNvSpPr txBox="1"/>
+          <p:nvPr/>
+        </p:nvSpPr>
+        <p:spPr>
+          <a:xfrm>
+            <a:off x="838200" y="1167468"/>
+            <a:ext cx="1965435" cy="523220"/>
+          </a:xfrm>
+          <a:prstGeom prst="rect">
+            <a:avLst/>
+          </a:prstGeom>
+          <a:noFill/>
+        </p:spPr>
+        <p:txBody>
+          <a:bodyPr wrap="square" rtlCol="0">
+            <a:spAutoFit/>
+          </a:bodyPr>
+          <a:lstStyle/>
+          <a:p>
+            <a:r>
+              <a:rPr lang="en-US" sz="2800" b="1" dirty="0">
+                <a:solidFill>
+                  <a:schemeClr val="accent4"/>
+                </a:solidFill>
+              </a:rPr>
+              <a:t>Today</a:t>
+            </a:r>
+          </a:p>
+        </p:txBody>
+      </p:sp>
     </p:spTree>
     <p:extLst>
       <p:ext uri="{BB962C8B-B14F-4D97-AF65-F5344CB8AC3E}">
-        <p14:creationId xmlns:p14="http://schemas.microsoft.com/office/powerpoint/2010/main" val="1554237625"/>
+        <p14:creationId xmlns:p14="http://schemas.microsoft.com/office/powerpoint/2010/main" val="4097714897"/>
+      </p:ext>
+    </p:extLst>
+  </p:cSld>
+  <p:clrMapOvr>
+    <a:masterClrMapping/>
+  </p:clrMapOvr>
+</p:sld>
+</file>
+
+<file path=ppt/slides/slide2.xml><?xml version="1.0" encoding="utf-8"?>
+<p:sld xmlns:a="http://schemas.openxmlformats.org/drawingml/2006/main" xmlns:r="http://schemas.openxmlformats.org/officeDocument/2006/relationships" xmlns:p="http://schemas.openxmlformats.org/presentationml/2006/main">
+  <p:cSld>
+    <p:spTree>
+      <p:nvGrpSpPr>
+        <p:cNvPr id="1" name="">
+          <a:extLst>
+            <a:ext uri="{FF2B5EF4-FFF2-40B4-BE49-F238E27FC236}">
+              <a16:creationId xmlns:a16="http://schemas.microsoft.com/office/drawing/2014/main" id="{9E5146E1-BF28-1262-D90A-D6B61B4B6F84}"/>
+            </a:ext>
+          </a:extLst>
+        </p:cNvPr>
+        <p:cNvGrpSpPr/>
+        <p:nvPr/>
+      </p:nvGrpSpPr>
+      <p:grpSpPr>
+        <a:xfrm>
+          <a:off x="0" y="0"/>
+          <a:ext cx="0" cy="0"/>
+          <a:chOff x="0" y="0"/>
+          <a:chExt cx="0" cy="0"/>
+        </a:xfrm>
+      </p:grpSpPr>
+      <p:sp>
+        <p:nvSpPr>
+          <p:cNvPr id="5" name="Title 4">
+            <a:extLst>
+              <a:ext uri="{FF2B5EF4-FFF2-40B4-BE49-F238E27FC236}">
+                <a16:creationId xmlns:a16="http://schemas.microsoft.com/office/drawing/2014/main" id="{A468F5FD-1F61-E926-CB0B-33420D2857C2}"/>
+              </a:ext>
+            </a:extLst>
+          </p:cNvPr>
+          <p:cNvSpPr>
+            <a:spLocks noGrp="1"/>
+          </p:cNvSpPr>
+          <p:nvPr>
+            <p:ph type="title"/>
+          </p:nvPr>
+        </p:nvSpPr>
+        <p:spPr/>
+        <p:txBody>
+          <a:bodyPr/>
+          <a:lstStyle/>
+          <a:p>
+            <a:r>
+              <a:rPr lang="en-US" dirty="0"/>
+              <a:t>EV[Decision] &gt;= EV[Not Decision]</a:t>
+            </a:r>
+          </a:p>
+        </p:txBody>
+      </p:sp>
+    </p:spTree>
+    <p:extLst>
+      <p:ext uri="{BB962C8B-B14F-4D97-AF65-F5344CB8AC3E}">
+        <p14:creationId xmlns:p14="http://schemas.microsoft.com/office/powerpoint/2010/main" val="326392519"/>
+      </p:ext>
+    </p:extLst>
+  </p:cSld>
+  <p:clrMapOvr>
+    <a:masterClrMapping/>
+  </p:clrMapOvr>
+</p:sld>
+</file>
+
+<file path=ppt/slides/slide20.xml><?xml version="1.0" encoding="utf-8"?>
+<p:sld xmlns:a="http://schemas.openxmlformats.org/drawingml/2006/main" xmlns:r="http://schemas.openxmlformats.org/officeDocument/2006/relationships" xmlns:p="http://schemas.openxmlformats.org/presentationml/2006/main">
+  <p:cSld>
+    <p:spTree>
+      <p:nvGrpSpPr>
+        <p:cNvPr id="1" name="">
+          <a:extLst>
+            <a:ext uri="{FF2B5EF4-FFF2-40B4-BE49-F238E27FC236}">
+              <a16:creationId xmlns:a16="http://schemas.microsoft.com/office/drawing/2014/main" id="{80A7F663-885D-20E6-3CA9-694F72B95274}"/>
+            </a:ext>
+          </a:extLst>
+        </p:cNvPr>
+        <p:cNvGrpSpPr/>
+        <p:nvPr/>
+      </p:nvGrpSpPr>
+      <p:grpSpPr>
+        <a:xfrm>
+          <a:off x="0" y="0"/>
+          <a:ext cx="0" cy="0"/>
+          <a:chOff x="0" y="0"/>
+          <a:chExt cx="0" cy="0"/>
+        </a:xfrm>
+      </p:grpSpPr>
+      <p:sp>
+        <p:nvSpPr>
+          <p:cNvPr id="2" name="Title 1">
+            <a:extLst>
+              <a:ext uri="{FF2B5EF4-FFF2-40B4-BE49-F238E27FC236}">
+                <a16:creationId xmlns:a16="http://schemas.microsoft.com/office/drawing/2014/main" id="{2A99BCBA-1F39-88CD-7904-2CD6B7BA4634}"/>
+              </a:ext>
+            </a:extLst>
+          </p:cNvPr>
+          <p:cNvSpPr>
+            <a:spLocks noGrp="1"/>
+          </p:cNvSpPr>
+          <p:nvPr>
+            <p:ph type="title"/>
+          </p:nvPr>
+        </p:nvSpPr>
+        <p:spPr/>
+        <p:txBody>
+          <a:bodyPr/>
+          <a:lstStyle/>
+          <a:p>
+            <a:r>
+              <a:rPr lang="en-US" sz="3000" b="1" dirty="0">
+                <a:solidFill>
+                  <a:schemeClr val="tx2"/>
+                </a:solidFill>
+              </a:rPr>
+              <a:t>Where we are</a:t>
+            </a:r>
+          </a:p>
+        </p:txBody>
+      </p:sp>
+      <p:pic>
+        <p:nvPicPr>
+          <p:cNvPr id="14" name="Picture 13" descr="A diagram of a machine learning algorithm&#10;&#10;Description automatically generated">
+            <a:extLst>
+              <a:ext uri="{FF2B5EF4-FFF2-40B4-BE49-F238E27FC236}">
+                <a16:creationId xmlns:a16="http://schemas.microsoft.com/office/drawing/2014/main" id="{EE3CA2A9-7EDD-7C21-F989-6BD46FDBE0AD}"/>
+              </a:ext>
+            </a:extLst>
+          </p:cNvPr>
+          <p:cNvPicPr>
+            <a:picLocks noChangeAspect="1"/>
+          </p:cNvPicPr>
+          <p:nvPr/>
+        </p:nvPicPr>
+        <p:blipFill>
+          <a:blip r:embed="rId2"/>
+          <a:stretch>
+            <a:fillRect/>
+          </a:stretch>
+        </p:blipFill>
+        <p:spPr>
+          <a:xfrm>
+            <a:off x="3696649" y="1949887"/>
+            <a:ext cx="5240421" cy="2958225"/>
+          </a:xfrm>
+          <a:prstGeom prst="rect">
+            <a:avLst/>
+          </a:prstGeom>
+        </p:spPr>
+      </p:pic>
+      <mc:AlternateContent xmlns:mc="http://schemas.openxmlformats.org/markup-compatibility/2006" xmlns:p14="http://schemas.microsoft.com/office/powerpoint/2010/main">
+        <mc:Choice Requires="p14">
+          <p:contentPart p14:bwMode="auto" r:id="rId3">
+            <p14:nvContentPartPr>
+              <p14:cNvPr id="3" name="Ink 2">
+                <a:extLst>
+                  <a:ext uri="{FF2B5EF4-FFF2-40B4-BE49-F238E27FC236}">
+                    <a16:creationId xmlns:a16="http://schemas.microsoft.com/office/drawing/2014/main" id="{B958BF4A-1E9C-0649-6FB3-BE03C4B47874}"/>
+                  </a:ext>
+                </a:extLst>
+              </p14:cNvPr>
+              <p14:cNvContentPartPr/>
+              <p14:nvPr/>
+            </p14:nvContentPartPr>
+            <p14:xfrm>
+              <a:off x="6647040" y="3688729"/>
+              <a:ext cx="1421280" cy="1315440"/>
+            </p14:xfrm>
+          </p:contentPart>
+        </mc:Choice>
+        <mc:Fallback xmlns="">
+          <p:pic>
+            <p:nvPicPr>
+              <p:cNvPr id="3" name="Ink 2">
+                <a:extLst>
+                  <a:ext uri="{FF2B5EF4-FFF2-40B4-BE49-F238E27FC236}">
+                    <a16:creationId xmlns:a16="http://schemas.microsoft.com/office/drawing/2014/main" id="{B958BF4A-1E9C-0649-6FB3-BE03C4B47874}"/>
+                  </a:ext>
+                </a:extLst>
+              </p:cNvPr>
+              <p:cNvPicPr/>
+              <p:nvPr/>
+            </p:nvPicPr>
+            <p:blipFill>
+              <a:blip r:embed="rId4"/>
+              <a:stretch>
+                <a:fillRect/>
+              </a:stretch>
+            </p:blipFill>
+            <p:spPr>
+              <a:xfrm>
+                <a:off x="6593040" y="3580729"/>
+                <a:ext cx="1528920" cy="1531080"/>
+              </a:xfrm>
+              <a:prstGeom prst="rect">
+                <a:avLst/>
+              </a:prstGeom>
+            </p:spPr>
+          </p:pic>
+        </mc:Fallback>
+      </mc:AlternateContent>
+      <p:sp>
+        <p:nvSpPr>
+          <p:cNvPr id="4" name="TextBox 3">
+            <a:extLst>
+              <a:ext uri="{FF2B5EF4-FFF2-40B4-BE49-F238E27FC236}">
+                <a16:creationId xmlns:a16="http://schemas.microsoft.com/office/drawing/2014/main" id="{C67C74A3-F1B0-98CA-3D26-AF3BECB9E578}"/>
+              </a:ext>
+            </a:extLst>
+          </p:cNvPr>
+          <p:cNvSpPr txBox="1"/>
+          <p:nvPr/>
+        </p:nvSpPr>
+        <p:spPr>
+          <a:xfrm>
+            <a:off x="838200" y="1167468"/>
+            <a:ext cx="1965435" cy="523220"/>
+          </a:xfrm>
+          <a:prstGeom prst="rect">
+            <a:avLst/>
+          </a:prstGeom>
+          <a:noFill/>
+        </p:spPr>
+        <p:txBody>
+          <a:bodyPr wrap="square" rtlCol="0">
+            <a:spAutoFit/>
+          </a:bodyPr>
+          <a:lstStyle/>
+          <a:p>
+            <a:r>
+              <a:rPr lang="en-US" sz="2800" b="1" dirty="0">
+                <a:solidFill>
+                  <a:schemeClr val="accent4"/>
+                </a:solidFill>
+              </a:rPr>
+              <a:t>Today</a:t>
+            </a:r>
+          </a:p>
+        </p:txBody>
+      </p:sp>
+    </p:spTree>
+    <p:extLst>
+      <p:ext uri="{BB962C8B-B14F-4D97-AF65-F5344CB8AC3E}">
+        <p14:creationId xmlns:p14="http://schemas.microsoft.com/office/powerpoint/2010/main" val="2835453254"/>
+      </p:ext>
+    </p:extLst>
+  </p:cSld>
+  <p:clrMapOvr>
+    <a:masterClrMapping/>
+  </p:clrMapOvr>
+</p:sld>
+</file>
+
+<file path=ppt/slides/slide3.xml><?xml version="1.0" encoding="utf-8"?>
+<p:sld xmlns:a="http://schemas.openxmlformats.org/drawingml/2006/main" xmlns:r="http://schemas.openxmlformats.org/officeDocument/2006/relationships" xmlns:p="http://schemas.openxmlformats.org/presentationml/2006/main">
+  <p:cSld>
+    <p:spTree>
+      <p:nvGrpSpPr>
+        <p:cNvPr id="1" name="">
+          <a:extLst>
+            <a:ext uri="{FF2B5EF4-FFF2-40B4-BE49-F238E27FC236}">
+              <a16:creationId xmlns:a16="http://schemas.microsoft.com/office/drawing/2014/main" id="{E3DA170B-537B-1B92-4FEC-6551513DB660}"/>
+            </a:ext>
+          </a:extLst>
+        </p:cNvPr>
+        <p:cNvGrpSpPr/>
+        <p:nvPr/>
+      </p:nvGrpSpPr>
+      <p:grpSpPr>
+        <a:xfrm>
+          <a:off x="0" y="0"/>
+          <a:ext cx="0" cy="0"/>
+          <a:chOff x="0" y="0"/>
+          <a:chExt cx="0" cy="0"/>
+        </a:xfrm>
+      </p:grpSpPr>
+      <p:sp>
+        <p:nvSpPr>
+          <p:cNvPr id="2" name="Title 1">
+            <a:extLst>
+              <a:ext uri="{FF2B5EF4-FFF2-40B4-BE49-F238E27FC236}">
+                <a16:creationId xmlns:a16="http://schemas.microsoft.com/office/drawing/2014/main" id="{C92F3AA7-DAE6-2048-F804-4366E9EB52F0}"/>
+              </a:ext>
+            </a:extLst>
+          </p:cNvPr>
+          <p:cNvSpPr>
+            <a:spLocks noGrp="1"/>
+          </p:cNvSpPr>
+          <p:nvPr>
+            <p:ph type="title"/>
+          </p:nvPr>
+        </p:nvSpPr>
+        <p:spPr>
+          <a:xfrm>
+            <a:off x="4782552" y="2766218"/>
+            <a:ext cx="2626895" cy="1325563"/>
+          </a:xfrm>
+        </p:spPr>
+        <p:txBody>
+          <a:bodyPr/>
+          <a:lstStyle/>
+          <a:p>
+            <a:r>
+              <a:rPr lang="en-US" b="1" dirty="0">
+                <a:solidFill>
+                  <a:schemeClr val="tx2"/>
+                </a:solidFill>
+              </a:rPr>
+              <a:t>Quiz time!</a:t>
+            </a:r>
+            <a:endParaRPr lang="en-US" sz="3000" b="1" i="1" dirty="0">
+              <a:solidFill>
+                <a:schemeClr val="tx2"/>
+              </a:solidFill>
+            </a:endParaRPr>
+          </a:p>
+        </p:txBody>
+      </p:sp>
+    </p:spTree>
+    <p:extLst>
+      <p:ext uri="{BB962C8B-B14F-4D97-AF65-F5344CB8AC3E}">
+        <p14:creationId xmlns:p14="http://schemas.microsoft.com/office/powerpoint/2010/main" val="4083554970"/>
+      </p:ext>
+    </p:extLst>
+  </p:cSld>
+  <p:clrMapOvr>
+    <a:masterClrMapping/>
+  </p:clrMapOvr>
+</p:sld>
+</file>
+
+<file path=ppt/slides/slide4.xml><?xml version="1.0" encoding="utf-8"?>
+<p:sld xmlns:a="http://schemas.openxmlformats.org/drawingml/2006/main" xmlns:r="http://schemas.openxmlformats.org/officeDocument/2006/relationships" xmlns:p="http://schemas.openxmlformats.org/presentationml/2006/main">
+  <p:cSld>
+    <p:spTree>
+      <p:nvGrpSpPr>
+        <p:cNvPr id="1" name="">
+          <a:extLst>
+            <a:ext uri="{FF2B5EF4-FFF2-40B4-BE49-F238E27FC236}">
+              <a16:creationId xmlns:a16="http://schemas.microsoft.com/office/drawing/2014/main" id="{28E158BE-E7FB-D52D-7776-E9CDC622EA82}"/>
+            </a:ext>
+          </a:extLst>
+        </p:cNvPr>
+        <p:cNvGrpSpPr/>
+        <p:nvPr/>
+      </p:nvGrpSpPr>
+      <p:grpSpPr>
+        <a:xfrm>
+          <a:off x="0" y="0"/>
+          <a:ext cx="0" cy="0"/>
+          <a:chOff x="0" y="0"/>
+          <a:chExt cx="0" cy="0"/>
+        </a:xfrm>
+      </p:grpSpPr>
+      <p:sp>
+        <p:nvSpPr>
+          <p:cNvPr id="2" name="Title 1">
+            <a:extLst>
+              <a:ext uri="{FF2B5EF4-FFF2-40B4-BE49-F238E27FC236}">
+                <a16:creationId xmlns:a16="http://schemas.microsoft.com/office/drawing/2014/main" id="{7E78EF1C-012B-C347-B2F4-3008B39C64BF}"/>
+              </a:ext>
+            </a:extLst>
+          </p:cNvPr>
+          <p:cNvSpPr>
+            <a:spLocks noGrp="1"/>
+          </p:cNvSpPr>
+          <p:nvPr>
+            <p:ph type="title"/>
+          </p:nvPr>
+        </p:nvSpPr>
+        <p:spPr>
+          <a:xfrm>
+            <a:off x="3891213" y="2766218"/>
+            <a:ext cx="4409574" cy="1325563"/>
+          </a:xfrm>
+        </p:spPr>
+        <p:txBody>
+          <a:bodyPr>
+            <a:normAutofit/>
+          </a:bodyPr>
+          <a:lstStyle/>
+          <a:p>
+            <a:r>
+              <a:rPr lang="en-US" b="1" dirty="0">
+                <a:solidFill>
+                  <a:schemeClr val="tx2"/>
+                </a:solidFill>
+              </a:rPr>
+              <a:t>Quiz discussion!</a:t>
+            </a:r>
+            <a:endParaRPr lang="en-US" sz="3000" b="1" i="1" dirty="0">
+              <a:solidFill>
+                <a:schemeClr val="tx2"/>
+              </a:solidFill>
+            </a:endParaRPr>
+          </a:p>
+        </p:txBody>
+      </p:sp>
+    </p:spTree>
+    <p:extLst>
+      <p:ext uri="{BB962C8B-B14F-4D97-AF65-F5344CB8AC3E}">
+        <p14:creationId xmlns:p14="http://schemas.microsoft.com/office/powerpoint/2010/main" val="2792972252"/>
+      </p:ext>
+    </p:extLst>
+  </p:cSld>
+  <p:clrMapOvr>
+    <a:masterClrMapping/>
+  </p:clrMapOvr>
+</p:sld>
+</file>
+
+<file path=ppt/slides/slide5.xml><?xml version="1.0" encoding="utf-8"?>
+<p:sld xmlns:a="http://schemas.openxmlformats.org/drawingml/2006/main" xmlns:r="http://schemas.openxmlformats.org/officeDocument/2006/relationships" xmlns:p="http://schemas.openxmlformats.org/presentationml/2006/main">
+  <p:cSld>
+    <p:spTree>
+      <p:nvGrpSpPr>
+        <p:cNvPr id="1" name="">
+          <a:extLst>
+            <a:ext uri="{FF2B5EF4-FFF2-40B4-BE49-F238E27FC236}">
+              <a16:creationId xmlns:a16="http://schemas.microsoft.com/office/drawing/2014/main" id="{F39A30F8-7148-7543-7474-84183B202285}"/>
+            </a:ext>
+          </a:extLst>
+        </p:cNvPr>
+        <p:cNvGrpSpPr/>
+        <p:nvPr/>
+      </p:nvGrpSpPr>
+      <p:grpSpPr>
+        <a:xfrm>
+          <a:off x="0" y="0"/>
+          <a:ext cx="0" cy="0"/>
+          <a:chOff x="0" y="0"/>
+          <a:chExt cx="0" cy="0"/>
+        </a:xfrm>
+      </p:grpSpPr>
+      <p:sp>
+        <p:nvSpPr>
+          <p:cNvPr id="7" name="Title 1">
+            <a:extLst>
+              <a:ext uri="{FF2B5EF4-FFF2-40B4-BE49-F238E27FC236}">
+                <a16:creationId xmlns:a16="http://schemas.microsoft.com/office/drawing/2014/main" id="{7D5F9FB0-F6C0-B274-D12B-6FDA485A7564}"/>
+              </a:ext>
+            </a:extLst>
+          </p:cNvPr>
+          <p:cNvSpPr>
+            <a:spLocks noGrp="1"/>
+          </p:cNvSpPr>
+          <p:nvPr>
+            <p:ph type="title"/>
+          </p:nvPr>
+        </p:nvSpPr>
+        <p:spPr>
+          <a:xfrm>
+            <a:off x="838200" y="365125"/>
+            <a:ext cx="10515600" cy="1325563"/>
+          </a:xfrm>
+        </p:spPr>
+        <p:txBody>
+          <a:bodyPr/>
+          <a:lstStyle/>
+          <a:p>
+            <a:r>
+              <a:rPr lang="en-US" dirty="0">
+                <a:solidFill>
+                  <a:schemeClr val="tx2"/>
+                </a:solidFill>
+              </a:rPr>
+              <a:t>Q1</a:t>
+            </a:r>
+            <a:endParaRPr lang="en-US" sz="3000" b="1" i="1" dirty="0">
+              <a:solidFill>
+                <a:schemeClr val="tx2"/>
+              </a:solidFill>
+            </a:endParaRPr>
+          </a:p>
+        </p:txBody>
+      </p:sp>
+      <p:sp>
+        <p:nvSpPr>
+          <p:cNvPr id="8" name="Content Placeholder 4">
+            <a:extLst>
+              <a:ext uri="{FF2B5EF4-FFF2-40B4-BE49-F238E27FC236}">
+                <a16:creationId xmlns:a16="http://schemas.microsoft.com/office/drawing/2014/main" id="{7376CC19-085F-B432-43CF-018957705110}"/>
+              </a:ext>
+            </a:extLst>
+          </p:cNvPr>
+          <p:cNvSpPr txBox="1">
+            <a:spLocks/>
+          </p:cNvSpPr>
+          <p:nvPr/>
+        </p:nvSpPr>
+        <p:spPr>
+          <a:xfrm>
+            <a:off x="3812413" y="2728613"/>
+            <a:ext cx="4567173" cy="4351338"/>
+          </a:xfrm>
+          <a:prstGeom prst="rect">
+            <a:avLst/>
+          </a:prstGeom>
+        </p:spPr>
+        <p:txBody>
+          <a:bodyPr vert="horz" lIns="91440" tIns="45720" rIns="91440" bIns="45720" rtlCol="0">
+            <a:noAutofit/>
+          </a:bodyPr>
+          <a:lstStyle>
+            <a:lvl1pPr marL="228600" indent="-228600" algn="l" defTabSz="914400" rtl="0" eaLnBrk="1" latinLnBrk="0" hangingPunct="1">
+              <a:lnSpc>
+                <a:spcPct val="90000"/>
+              </a:lnSpc>
+              <a:spcBef>
+                <a:spcPts val="1000"/>
+              </a:spcBef>
+              <a:buFont typeface="Arial" panose="020B0604020202020204" pitchFamily="34" charset="0"/>
+              <a:buChar char="•"/>
+              <a:defRPr sz="2800" kern="1200">
+                <a:solidFill>
+                  <a:schemeClr val="tx1"/>
+                </a:solidFill>
+                <a:latin typeface="+mn-lt"/>
+                <a:ea typeface="+mn-ea"/>
+                <a:cs typeface="+mn-cs"/>
+              </a:defRPr>
+            </a:lvl1pPr>
+            <a:lvl2pPr marL="685800" indent="-228600" algn="l" defTabSz="914400" rtl="0" eaLnBrk="1" latinLnBrk="0" hangingPunct="1">
+              <a:lnSpc>
+                <a:spcPct val="90000"/>
+              </a:lnSpc>
+              <a:spcBef>
+                <a:spcPts val="500"/>
+              </a:spcBef>
+              <a:buFont typeface="Arial" panose="020B0604020202020204" pitchFamily="34" charset="0"/>
+              <a:buChar char="•"/>
+              <a:defRPr sz="2400" kern="1200">
+                <a:solidFill>
+                  <a:schemeClr val="tx1"/>
+                </a:solidFill>
+                <a:latin typeface="+mn-lt"/>
+                <a:ea typeface="+mn-ea"/>
+                <a:cs typeface="+mn-cs"/>
+              </a:defRPr>
+            </a:lvl2pPr>
+            <a:lvl3pPr marL="1143000" indent="-228600" algn="l" defTabSz="914400" rtl="0" eaLnBrk="1" latinLnBrk="0" hangingPunct="1">
+              <a:lnSpc>
+                <a:spcPct val="90000"/>
+              </a:lnSpc>
+              <a:spcBef>
+                <a:spcPts val="500"/>
+              </a:spcBef>
+              <a:buFont typeface="Arial" panose="020B0604020202020204" pitchFamily="34" charset="0"/>
+              <a:buChar char="•"/>
+              <a:defRPr sz="2000" kern="1200">
+                <a:solidFill>
+                  <a:schemeClr val="tx1"/>
+                </a:solidFill>
+                <a:latin typeface="+mn-lt"/>
+                <a:ea typeface="+mn-ea"/>
+                <a:cs typeface="+mn-cs"/>
+              </a:defRPr>
+            </a:lvl3pPr>
+            <a:lvl4pPr marL="1600200" indent="-228600" algn="l" defTabSz="914400" rtl="0" eaLnBrk="1" latinLnBrk="0" hangingPunct="1">
+              <a:lnSpc>
+                <a:spcPct val="90000"/>
+              </a:lnSpc>
+              <a:spcBef>
+                <a:spcPts val="500"/>
+              </a:spcBef>
+              <a:buFont typeface="Arial" panose="020B0604020202020204" pitchFamily="34" charset="0"/>
+              <a:buChar char="•"/>
+              <a:defRPr sz="1800" kern="1200">
+                <a:solidFill>
+                  <a:schemeClr val="tx1"/>
+                </a:solidFill>
+                <a:latin typeface="+mn-lt"/>
+                <a:ea typeface="+mn-ea"/>
+                <a:cs typeface="+mn-cs"/>
+              </a:defRPr>
+            </a:lvl4pPr>
+            <a:lvl5pPr marL="2057400" indent="-228600" algn="l" defTabSz="914400" rtl="0" eaLnBrk="1" latinLnBrk="0" hangingPunct="1">
+              <a:lnSpc>
+                <a:spcPct val="90000"/>
+              </a:lnSpc>
+              <a:spcBef>
+                <a:spcPts val="500"/>
+              </a:spcBef>
+              <a:buFont typeface="Arial" panose="020B0604020202020204" pitchFamily="34" charset="0"/>
+              <a:buChar char="•"/>
+              <a:defRPr sz="1800" kern="1200">
+                <a:solidFill>
+                  <a:schemeClr val="tx1"/>
+                </a:solidFill>
+                <a:latin typeface="+mn-lt"/>
+                <a:ea typeface="+mn-ea"/>
+                <a:cs typeface="+mn-cs"/>
+              </a:defRPr>
+            </a:lvl5pPr>
+            <a:lvl6pPr marL="2514600" indent="-228600" algn="l" defTabSz="914400" rtl="0" eaLnBrk="1" latinLnBrk="0" hangingPunct="1">
+              <a:lnSpc>
+                <a:spcPct val="90000"/>
+              </a:lnSpc>
+              <a:spcBef>
+                <a:spcPts val="500"/>
+              </a:spcBef>
+              <a:buFont typeface="Arial" panose="020B0604020202020204" pitchFamily="34" charset="0"/>
+              <a:buChar char="•"/>
+              <a:defRPr sz="1800" kern="1200">
+                <a:solidFill>
+                  <a:schemeClr val="tx1"/>
+                </a:solidFill>
+                <a:latin typeface="+mn-lt"/>
+                <a:ea typeface="+mn-ea"/>
+                <a:cs typeface="+mn-cs"/>
+              </a:defRPr>
+            </a:lvl6pPr>
+            <a:lvl7pPr marL="2971800" indent="-228600" algn="l" defTabSz="914400" rtl="0" eaLnBrk="1" latinLnBrk="0" hangingPunct="1">
+              <a:lnSpc>
+                <a:spcPct val="90000"/>
+              </a:lnSpc>
+              <a:spcBef>
+                <a:spcPts val="500"/>
+              </a:spcBef>
+              <a:buFont typeface="Arial" panose="020B0604020202020204" pitchFamily="34" charset="0"/>
+              <a:buChar char="•"/>
+              <a:defRPr sz="1800" kern="1200">
+                <a:solidFill>
+                  <a:schemeClr val="tx1"/>
+                </a:solidFill>
+                <a:latin typeface="+mn-lt"/>
+                <a:ea typeface="+mn-ea"/>
+                <a:cs typeface="+mn-cs"/>
+              </a:defRPr>
+            </a:lvl7pPr>
+            <a:lvl8pPr marL="3429000" indent="-228600" algn="l" defTabSz="914400" rtl="0" eaLnBrk="1" latinLnBrk="0" hangingPunct="1">
+              <a:lnSpc>
+                <a:spcPct val="90000"/>
+              </a:lnSpc>
+              <a:spcBef>
+                <a:spcPts val="500"/>
+              </a:spcBef>
+              <a:buFont typeface="Arial" panose="020B0604020202020204" pitchFamily="34" charset="0"/>
+              <a:buChar char="•"/>
+              <a:defRPr sz="1800" kern="1200">
+                <a:solidFill>
+                  <a:schemeClr val="tx1"/>
+                </a:solidFill>
+                <a:latin typeface="+mn-lt"/>
+                <a:ea typeface="+mn-ea"/>
+                <a:cs typeface="+mn-cs"/>
+              </a:defRPr>
+            </a:lvl8pPr>
+            <a:lvl9pPr marL="3886200" indent="-228600" algn="l" defTabSz="914400" rtl="0" eaLnBrk="1" latinLnBrk="0" hangingPunct="1">
+              <a:lnSpc>
+                <a:spcPct val="90000"/>
+              </a:lnSpc>
+              <a:spcBef>
+                <a:spcPts val="500"/>
+              </a:spcBef>
+              <a:buFont typeface="Arial" panose="020B0604020202020204" pitchFamily="34" charset="0"/>
+              <a:buChar char="•"/>
+              <a:defRPr sz="1800" kern="1200">
+                <a:solidFill>
+                  <a:schemeClr val="tx1"/>
+                </a:solidFill>
+                <a:latin typeface="+mn-lt"/>
+                <a:ea typeface="+mn-ea"/>
+                <a:cs typeface="+mn-cs"/>
+              </a:defRPr>
+            </a:lvl9pPr>
+          </a:lstStyle>
+          <a:p>
+            <a:endParaRPr lang="en-US" dirty="0">
+              <a:solidFill>
+                <a:schemeClr val="tx2"/>
+              </a:solidFill>
+            </a:endParaRPr>
+          </a:p>
+        </p:txBody>
+      </p:sp>
+      <p:sp>
+        <p:nvSpPr>
+          <p:cNvPr id="9" name="TextBox 8">
+            <a:extLst>
+              <a:ext uri="{FF2B5EF4-FFF2-40B4-BE49-F238E27FC236}">
+                <a16:creationId xmlns:a16="http://schemas.microsoft.com/office/drawing/2014/main" id="{D8CE7B56-E78A-4A73-EB1B-30D82DF242FA}"/>
+              </a:ext>
+            </a:extLst>
+          </p:cNvPr>
+          <p:cNvSpPr txBox="1"/>
+          <p:nvPr/>
+        </p:nvSpPr>
+        <p:spPr>
+          <a:xfrm>
+            <a:off x="2860431" y="1946435"/>
+            <a:ext cx="6096000" cy="646331"/>
+          </a:xfrm>
+          <a:prstGeom prst="rect">
+            <a:avLst/>
+          </a:prstGeom>
+          <a:noFill/>
+        </p:spPr>
+        <p:txBody>
+          <a:bodyPr wrap="square">
+            <a:spAutoFit/>
+          </a:bodyPr>
+          <a:lstStyle/>
+          <a:p>
+            <a:r>
+              <a:rPr lang="en-US" dirty="0"/>
+              <a:t>What is the primary difference between L1 and L2 regularization?</a:t>
+            </a:r>
+          </a:p>
+        </p:txBody>
+      </p:sp>
+      <p:graphicFrame>
+        <p:nvGraphicFramePr>
+          <p:cNvPr id="2" name="Table 1">
+            <a:extLst>
+              <a:ext uri="{FF2B5EF4-FFF2-40B4-BE49-F238E27FC236}">
+                <a16:creationId xmlns:a16="http://schemas.microsoft.com/office/drawing/2014/main" id="{5784A662-75FC-63E8-BCD5-8CCF4476C693}"/>
+              </a:ext>
+            </a:extLst>
+          </p:cNvPr>
+          <p:cNvGraphicFramePr>
+            <a:graphicFrameLocks noGrp="1"/>
+          </p:cNvGraphicFramePr>
+          <p:nvPr>
+            <p:extLst>
+              <p:ext uri="{D42A27DB-BD31-4B8C-83A1-F6EECF244321}">
+                <p14:modId xmlns:p14="http://schemas.microsoft.com/office/powerpoint/2010/main" val="3556836246"/>
+              </p:ext>
+            </p:extLst>
+          </p:nvPr>
+        </p:nvGraphicFramePr>
+        <p:xfrm>
+          <a:off x="2739840" y="2789714"/>
+          <a:ext cx="6712319" cy="2423160"/>
+        </p:xfrm>
+        <a:graphic>
+          <a:graphicData uri="http://schemas.openxmlformats.org/drawingml/2006/table">
+            <a:tbl>
+              <a:tblPr/>
+              <a:tblGrid>
+                <a:gridCol w="130249">
+                  <a:extLst>
+                    <a:ext uri="{9D8B030D-6E8A-4147-A177-3AD203B41FA5}">
+                      <a16:colId xmlns:a16="http://schemas.microsoft.com/office/drawing/2014/main" val="204648628"/>
+                    </a:ext>
+                  </a:extLst>
+                </a:gridCol>
+                <a:gridCol w="6582070">
+                  <a:extLst>
+                    <a:ext uri="{9D8B030D-6E8A-4147-A177-3AD203B41FA5}">
+                      <a16:colId xmlns:a16="http://schemas.microsoft.com/office/drawing/2014/main" val="1914400739"/>
+                    </a:ext>
+                  </a:extLst>
+                </a:gridCol>
+              </a:tblGrid>
+              <a:tr h="0">
+                <a:tc>
+                  <a:txBody>
+                    <a:bodyPr/>
+                    <a:lstStyle/>
+                    <a:p>
+                      <a:pPr marL="285750" indent="-285750" algn="l" fontAlgn="t">
+                        <a:buFont typeface="Arial" panose="020B0604020202020204" pitchFamily="34" charset="0"/>
+                        <a:buChar char="•"/>
+                      </a:pPr>
+                      <a:endParaRPr lang="en-US">
+                        <a:solidFill>
+                          <a:schemeClr val="accent1"/>
+                        </a:solidFill>
+                        <a:effectLst/>
+                      </a:endParaRPr>
+                    </a:p>
+                  </a:txBody>
+                  <a:tcPr marL="28575" marR="28575" marT="28575" marB="28575">
+                    <a:lnL>
+                      <a:noFill/>
+                    </a:lnL>
+                    <a:lnR>
+                      <a:noFill/>
+                    </a:lnR>
+                    <a:lnT>
+                      <a:noFill/>
+                    </a:lnT>
+                    <a:lnB>
+                      <a:noFill/>
+                    </a:lnB>
+                    <a:noFill/>
+                  </a:tcPr>
+                </a:tc>
+                <a:tc>
+                  <a:txBody>
+                    <a:bodyPr/>
+                    <a:lstStyle/>
+                    <a:p>
+                      <a:pPr marL="285750" indent="-285750" algn="l" fontAlgn="b">
+                        <a:buFont typeface="Arial" panose="020B0604020202020204" pitchFamily="34" charset="0"/>
+                        <a:buChar char="•"/>
+                      </a:pPr>
+                      <a:r>
+                        <a:rPr lang="en-US" dirty="0">
+                          <a:solidFill>
+                            <a:schemeClr val="accent1"/>
+                          </a:solidFill>
+                          <a:effectLst/>
+                        </a:rPr>
+                        <a:t>L1 regularization penalizes the sum of weights, L2 penalizes the sum of squared weights.</a:t>
+                      </a:r>
+                    </a:p>
+                  </a:txBody>
+                  <a:tcPr marL="28575" marR="28575" marT="28575" marB="28575" anchor="b">
+                    <a:lnL>
+                      <a:noFill/>
+                    </a:lnL>
+                    <a:lnR>
+                      <a:noFill/>
+                    </a:lnR>
+                    <a:lnT>
+                      <a:noFill/>
+                    </a:lnT>
+                    <a:lnB>
+                      <a:noFill/>
+                    </a:lnB>
+                    <a:noFill/>
+                  </a:tcPr>
+                </a:tc>
+                <a:extLst>
+                  <a:ext uri="{0D108BD9-81ED-4DB2-BD59-A6C34878D82A}">
+                    <a16:rowId xmlns:a16="http://schemas.microsoft.com/office/drawing/2014/main" val="593279521"/>
+                  </a:ext>
+                </a:extLst>
+              </a:tr>
+              <a:tr h="0">
+                <a:tc>
+                  <a:txBody>
+                    <a:bodyPr/>
+                    <a:lstStyle/>
+                    <a:p>
+                      <a:pPr marL="285750" indent="-285750" algn="l" fontAlgn="t">
+                        <a:buFont typeface="Arial" panose="020B0604020202020204" pitchFamily="34" charset="0"/>
+                        <a:buChar char="•"/>
+                      </a:pPr>
+                      <a:endParaRPr lang="en-US">
+                        <a:solidFill>
+                          <a:schemeClr val="accent1"/>
+                        </a:solidFill>
+                        <a:effectLst/>
+                      </a:endParaRPr>
+                    </a:p>
+                  </a:txBody>
+                  <a:tcPr marL="28575" marR="28575" marT="28575" marB="28575">
+                    <a:lnL>
+                      <a:noFill/>
+                    </a:lnL>
+                    <a:lnR>
+                      <a:noFill/>
+                    </a:lnR>
+                    <a:lnT>
+                      <a:noFill/>
+                    </a:lnT>
+                    <a:lnB>
+                      <a:noFill/>
+                    </a:lnB>
+                    <a:noFill/>
+                  </a:tcPr>
+                </a:tc>
+                <a:tc>
+                  <a:txBody>
+                    <a:bodyPr/>
+                    <a:lstStyle/>
+                    <a:p>
+                      <a:pPr marL="285750" indent="-285750" algn="l" fontAlgn="b">
+                        <a:buFont typeface="Arial" panose="020B0604020202020204" pitchFamily="34" charset="0"/>
+                        <a:buChar char="•"/>
+                      </a:pPr>
+                      <a:r>
+                        <a:rPr lang="en-US">
+                          <a:solidFill>
+                            <a:schemeClr val="accent1"/>
+                          </a:solidFill>
+                          <a:effectLst/>
+                        </a:rPr>
+                        <a:t>L2 regularization penalizes the sum of weights, L1 penalizes the sum of squared weights.</a:t>
+                      </a:r>
+                    </a:p>
+                  </a:txBody>
+                  <a:tcPr marL="28575" marR="28575" marT="28575" marB="28575" anchor="b">
+                    <a:lnL>
+                      <a:noFill/>
+                    </a:lnL>
+                    <a:lnR>
+                      <a:noFill/>
+                    </a:lnR>
+                    <a:lnT>
+                      <a:noFill/>
+                    </a:lnT>
+                    <a:lnB>
+                      <a:noFill/>
+                    </a:lnB>
+                    <a:noFill/>
+                  </a:tcPr>
+                </a:tc>
+                <a:extLst>
+                  <a:ext uri="{0D108BD9-81ED-4DB2-BD59-A6C34878D82A}">
+                    <a16:rowId xmlns:a16="http://schemas.microsoft.com/office/drawing/2014/main" val="3349121185"/>
+                  </a:ext>
+                </a:extLst>
+              </a:tr>
+              <a:tr h="0">
+                <a:tc>
+                  <a:txBody>
+                    <a:bodyPr/>
+                    <a:lstStyle/>
+                    <a:p>
+                      <a:pPr marL="285750" indent="-285750" algn="l" fontAlgn="t">
+                        <a:buFont typeface="Arial" panose="020B0604020202020204" pitchFamily="34" charset="0"/>
+                        <a:buChar char="•"/>
+                      </a:pPr>
+                      <a:endParaRPr lang="en-US">
+                        <a:solidFill>
+                          <a:schemeClr val="accent1"/>
+                        </a:solidFill>
+                        <a:effectLst/>
+                      </a:endParaRPr>
+                    </a:p>
+                  </a:txBody>
+                  <a:tcPr marL="28575" marR="28575" marT="28575" marB="28575">
+                    <a:lnL>
+                      <a:noFill/>
+                    </a:lnL>
+                    <a:lnR>
+                      <a:noFill/>
+                    </a:lnR>
+                    <a:lnT>
+                      <a:noFill/>
+                    </a:lnT>
+                    <a:lnB>
+                      <a:noFill/>
+                    </a:lnB>
+                    <a:noFill/>
+                  </a:tcPr>
+                </a:tc>
+                <a:tc>
+                  <a:txBody>
+                    <a:bodyPr/>
+                    <a:lstStyle/>
+                    <a:p>
+                      <a:pPr marL="285750" indent="-285750" algn="l" fontAlgn="b">
+                        <a:buFont typeface="Arial" panose="020B0604020202020204" pitchFamily="34" charset="0"/>
+                        <a:buChar char="•"/>
+                      </a:pPr>
+                      <a:r>
+                        <a:rPr lang="en-US">
+                          <a:solidFill>
+                            <a:schemeClr val="accent1"/>
+                          </a:solidFill>
+                          <a:effectLst/>
+                        </a:rPr>
+                        <a:t>L1 regularization penalizes the sum of absolute value of the weights, L2 penalizes the sum of squared weights.</a:t>
+                      </a:r>
+                    </a:p>
+                  </a:txBody>
+                  <a:tcPr marL="28575" marR="28575" marT="28575" marB="28575" anchor="b">
+                    <a:lnL>
+                      <a:noFill/>
+                    </a:lnL>
+                    <a:lnR>
+                      <a:noFill/>
+                    </a:lnR>
+                    <a:lnT>
+                      <a:noFill/>
+                    </a:lnT>
+                    <a:lnB>
+                      <a:noFill/>
+                    </a:lnB>
+                    <a:noFill/>
+                  </a:tcPr>
+                </a:tc>
+                <a:extLst>
+                  <a:ext uri="{0D108BD9-81ED-4DB2-BD59-A6C34878D82A}">
+                    <a16:rowId xmlns:a16="http://schemas.microsoft.com/office/drawing/2014/main" val="1802680094"/>
+                  </a:ext>
+                </a:extLst>
+              </a:tr>
+              <a:tr h="0">
+                <a:tc>
+                  <a:txBody>
+                    <a:bodyPr/>
+                    <a:lstStyle/>
+                    <a:p>
+                      <a:pPr marL="285750" indent="-285750" algn="l" fontAlgn="t">
+                        <a:buFont typeface="Arial" panose="020B0604020202020204" pitchFamily="34" charset="0"/>
+                        <a:buChar char="•"/>
+                      </a:pPr>
+                      <a:endParaRPr lang="en-US">
+                        <a:solidFill>
+                          <a:schemeClr val="accent1"/>
+                        </a:solidFill>
+                        <a:effectLst/>
+                      </a:endParaRPr>
+                    </a:p>
+                  </a:txBody>
+                  <a:tcPr marL="28575" marR="28575" marT="28575" marB="28575">
+                    <a:lnL>
+                      <a:noFill/>
+                    </a:lnL>
+                    <a:lnR>
+                      <a:noFill/>
+                    </a:lnR>
+                    <a:lnT>
+                      <a:noFill/>
+                    </a:lnT>
+                    <a:lnB>
+                      <a:noFill/>
+                    </a:lnB>
+                    <a:noFill/>
+                  </a:tcPr>
+                </a:tc>
+                <a:tc>
+                  <a:txBody>
+                    <a:bodyPr/>
+                    <a:lstStyle/>
+                    <a:p>
+                      <a:pPr marL="285750" indent="-285750" algn="l" fontAlgn="b">
+                        <a:buFont typeface="Arial" panose="020B0604020202020204" pitchFamily="34" charset="0"/>
+                        <a:buChar char="•"/>
+                      </a:pPr>
+                      <a:r>
+                        <a:rPr lang="en-US" dirty="0">
+                          <a:solidFill>
+                            <a:schemeClr val="accent1"/>
+                          </a:solidFill>
+                          <a:effectLst/>
+                        </a:rPr>
+                        <a:t>L2 regularization penalizes the sum of absolute value of the weights, L1 penalizes the sum of squared weights.</a:t>
+                      </a:r>
+                    </a:p>
+                  </a:txBody>
+                  <a:tcPr marL="28575" marR="28575" marT="28575" marB="28575" anchor="b">
+                    <a:lnL>
+                      <a:noFill/>
+                    </a:lnL>
+                    <a:lnR>
+                      <a:noFill/>
+                    </a:lnR>
+                    <a:lnT>
+                      <a:noFill/>
+                    </a:lnT>
+                    <a:lnB>
+                      <a:noFill/>
+                    </a:lnB>
+                    <a:noFill/>
+                  </a:tcPr>
+                </a:tc>
+                <a:extLst>
+                  <a:ext uri="{0D108BD9-81ED-4DB2-BD59-A6C34878D82A}">
+                    <a16:rowId xmlns:a16="http://schemas.microsoft.com/office/drawing/2014/main" val="1765213355"/>
+                  </a:ext>
+                </a:extLst>
+              </a:tr>
+            </a:tbl>
+          </a:graphicData>
+        </a:graphic>
+      </p:graphicFrame>
+    </p:spTree>
+    <p:extLst>
+      <p:ext uri="{BB962C8B-B14F-4D97-AF65-F5344CB8AC3E}">
+        <p14:creationId xmlns:p14="http://schemas.microsoft.com/office/powerpoint/2010/main" val="3960787238"/>
+      </p:ext>
+    </p:extLst>
+  </p:cSld>
+  <p:clrMapOvr>
+    <a:masterClrMapping/>
+  </p:clrMapOvr>
+</p:sld>
+</file>
+
+<file path=ppt/slides/slide6.xml><?xml version="1.0" encoding="utf-8"?>
+<p:sld xmlns:a="http://schemas.openxmlformats.org/drawingml/2006/main" xmlns:r="http://schemas.openxmlformats.org/officeDocument/2006/relationships" xmlns:p="http://schemas.openxmlformats.org/presentationml/2006/main">
+  <p:cSld>
+    <p:spTree>
+      <p:nvGrpSpPr>
+        <p:cNvPr id="1" name="">
+          <a:extLst>
+            <a:ext uri="{FF2B5EF4-FFF2-40B4-BE49-F238E27FC236}">
+              <a16:creationId xmlns:a16="http://schemas.microsoft.com/office/drawing/2014/main" id="{646A8694-3A75-F2A5-8FC4-A3594C5980C0}"/>
+            </a:ext>
+          </a:extLst>
+        </p:cNvPr>
+        <p:cNvGrpSpPr/>
+        <p:nvPr/>
+      </p:nvGrpSpPr>
+      <p:grpSpPr>
+        <a:xfrm>
+          <a:off x="0" y="0"/>
+          <a:ext cx="0" cy="0"/>
+          <a:chOff x="0" y="0"/>
+          <a:chExt cx="0" cy="0"/>
+        </a:xfrm>
+      </p:grpSpPr>
+      <p:sp>
+        <p:nvSpPr>
+          <p:cNvPr id="7" name="Title 1">
+            <a:extLst>
+              <a:ext uri="{FF2B5EF4-FFF2-40B4-BE49-F238E27FC236}">
+                <a16:creationId xmlns:a16="http://schemas.microsoft.com/office/drawing/2014/main" id="{6C0FDADC-A965-71A7-E964-DD5A483C89F1}"/>
+              </a:ext>
+            </a:extLst>
+          </p:cNvPr>
+          <p:cNvSpPr>
+            <a:spLocks noGrp="1"/>
+          </p:cNvSpPr>
+          <p:nvPr>
+            <p:ph type="title"/>
+          </p:nvPr>
+        </p:nvSpPr>
+        <p:spPr>
+          <a:xfrm>
+            <a:off x="838200" y="365125"/>
+            <a:ext cx="10515600" cy="1325563"/>
+          </a:xfrm>
+        </p:spPr>
+        <p:txBody>
+          <a:bodyPr/>
+          <a:lstStyle/>
+          <a:p>
+            <a:r>
+              <a:rPr lang="en-US" dirty="0">
+                <a:solidFill>
+                  <a:schemeClr val="tx2"/>
+                </a:solidFill>
+              </a:rPr>
+              <a:t>Q1</a:t>
+            </a:r>
+            <a:endParaRPr lang="en-US" sz="3000" b="1" i="1" dirty="0">
+              <a:solidFill>
+                <a:schemeClr val="tx2"/>
+              </a:solidFill>
+            </a:endParaRPr>
+          </a:p>
+        </p:txBody>
+      </p:sp>
+      <p:sp>
+        <p:nvSpPr>
+          <p:cNvPr id="8" name="Content Placeholder 4">
+            <a:extLst>
+              <a:ext uri="{FF2B5EF4-FFF2-40B4-BE49-F238E27FC236}">
+                <a16:creationId xmlns:a16="http://schemas.microsoft.com/office/drawing/2014/main" id="{97CD3549-1B55-9FEE-E0D5-0D91ED48D058}"/>
+              </a:ext>
+            </a:extLst>
+          </p:cNvPr>
+          <p:cNvSpPr txBox="1">
+            <a:spLocks/>
+          </p:cNvSpPr>
+          <p:nvPr/>
+        </p:nvSpPr>
+        <p:spPr>
+          <a:xfrm>
+            <a:off x="3812413" y="2728613"/>
+            <a:ext cx="4567173" cy="4351338"/>
+          </a:xfrm>
+          <a:prstGeom prst="rect">
+            <a:avLst/>
+          </a:prstGeom>
+        </p:spPr>
+        <p:txBody>
+          <a:bodyPr vert="horz" lIns="91440" tIns="45720" rIns="91440" bIns="45720" rtlCol="0">
+            <a:noAutofit/>
+          </a:bodyPr>
+          <a:lstStyle>
+            <a:lvl1pPr marL="228600" indent="-228600" algn="l" defTabSz="914400" rtl="0" eaLnBrk="1" latinLnBrk="0" hangingPunct="1">
+              <a:lnSpc>
+                <a:spcPct val="90000"/>
+              </a:lnSpc>
+              <a:spcBef>
+                <a:spcPts val="1000"/>
+              </a:spcBef>
+              <a:buFont typeface="Arial" panose="020B0604020202020204" pitchFamily="34" charset="0"/>
+              <a:buChar char="•"/>
+              <a:defRPr sz="2800" kern="1200">
+                <a:solidFill>
+                  <a:schemeClr val="tx1"/>
+                </a:solidFill>
+                <a:latin typeface="+mn-lt"/>
+                <a:ea typeface="+mn-ea"/>
+                <a:cs typeface="+mn-cs"/>
+              </a:defRPr>
+            </a:lvl1pPr>
+            <a:lvl2pPr marL="685800" indent="-228600" algn="l" defTabSz="914400" rtl="0" eaLnBrk="1" latinLnBrk="0" hangingPunct="1">
+              <a:lnSpc>
+                <a:spcPct val="90000"/>
+              </a:lnSpc>
+              <a:spcBef>
+                <a:spcPts val="500"/>
+              </a:spcBef>
+              <a:buFont typeface="Arial" panose="020B0604020202020204" pitchFamily="34" charset="0"/>
+              <a:buChar char="•"/>
+              <a:defRPr sz="2400" kern="1200">
+                <a:solidFill>
+                  <a:schemeClr val="tx1"/>
+                </a:solidFill>
+                <a:latin typeface="+mn-lt"/>
+                <a:ea typeface="+mn-ea"/>
+                <a:cs typeface="+mn-cs"/>
+              </a:defRPr>
+            </a:lvl2pPr>
+            <a:lvl3pPr marL="1143000" indent="-228600" algn="l" defTabSz="914400" rtl="0" eaLnBrk="1" latinLnBrk="0" hangingPunct="1">
+              <a:lnSpc>
+                <a:spcPct val="90000"/>
+              </a:lnSpc>
+              <a:spcBef>
+                <a:spcPts val="500"/>
+              </a:spcBef>
+              <a:buFont typeface="Arial" panose="020B0604020202020204" pitchFamily="34" charset="0"/>
+              <a:buChar char="•"/>
+              <a:defRPr sz="2000" kern="1200">
+                <a:solidFill>
+                  <a:schemeClr val="tx1"/>
+                </a:solidFill>
+                <a:latin typeface="+mn-lt"/>
+                <a:ea typeface="+mn-ea"/>
+                <a:cs typeface="+mn-cs"/>
+              </a:defRPr>
+            </a:lvl3pPr>
+            <a:lvl4pPr marL="1600200" indent="-228600" algn="l" defTabSz="914400" rtl="0" eaLnBrk="1" latinLnBrk="0" hangingPunct="1">
+              <a:lnSpc>
+                <a:spcPct val="90000"/>
+              </a:lnSpc>
+              <a:spcBef>
+                <a:spcPts val="500"/>
+              </a:spcBef>
+              <a:buFont typeface="Arial" panose="020B0604020202020204" pitchFamily="34" charset="0"/>
+              <a:buChar char="•"/>
+              <a:defRPr sz="1800" kern="1200">
+                <a:solidFill>
+                  <a:schemeClr val="tx1"/>
+                </a:solidFill>
+                <a:latin typeface="+mn-lt"/>
+                <a:ea typeface="+mn-ea"/>
+                <a:cs typeface="+mn-cs"/>
+              </a:defRPr>
+            </a:lvl4pPr>
+            <a:lvl5pPr marL="2057400" indent="-228600" algn="l" defTabSz="914400" rtl="0" eaLnBrk="1" latinLnBrk="0" hangingPunct="1">
+              <a:lnSpc>
+                <a:spcPct val="90000"/>
+              </a:lnSpc>
+              <a:spcBef>
+                <a:spcPts val="500"/>
+              </a:spcBef>
+              <a:buFont typeface="Arial" panose="020B0604020202020204" pitchFamily="34" charset="0"/>
+              <a:buChar char="•"/>
+              <a:defRPr sz="1800" kern="1200">
+                <a:solidFill>
+                  <a:schemeClr val="tx1"/>
+                </a:solidFill>
+                <a:latin typeface="+mn-lt"/>
+                <a:ea typeface="+mn-ea"/>
+                <a:cs typeface="+mn-cs"/>
+              </a:defRPr>
+            </a:lvl5pPr>
+            <a:lvl6pPr marL="2514600" indent="-228600" algn="l" defTabSz="914400" rtl="0" eaLnBrk="1" latinLnBrk="0" hangingPunct="1">
+              <a:lnSpc>
+                <a:spcPct val="90000"/>
+              </a:lnSpc>
+              <a:spcBef>
+                <a:spcPts val="500"/>
+              </a:spcBef>
+              <a:buFont typeface="Arial" panose="020B0604020202020204" pitchFamily="34" charset="0"/>
+              <a:buChar char="•"/>
+              <a:defRPr sz="1800" kern="1200">
+                <a:solidFill>
+                  <a:schemeClr val="tx1"/>
+                </a:solidFill>
+                <a:latin typeface="+mn-lt"/>
+                <a:ea typeface="+mn-ea"/>
+                <a:cs typeface="+mn-cs"/>
+              </a:defRPr>
+            </a:lvl6pPr>
+            <a:lvl7pPr marL="2971800" indent="-228600" algn="l" defTabSz="914400" rtl="0" eaLnBrk="1" latinLnBrk="0" hangingPunct="1">
+              <a:lnSpc>
+                <a:spcPct val="90000"/>
+              </a:lnSpc>
+              <a:spcBef>
+                <a:spcPts val="500"/>
+              </a:spcBef>
+              <a:buFont typeface="Arial" panose="020B0604020202020204" pitchFamily="34" charset="0"/>
+              <a:buChar char="•"/>
+              <a:defRPr sz="1800" kern="1200">
+                <a:solidFill>
+                  <a:schemeClr val="tx1"/>
+                </a:solidFill>
+                <a:latin typeface="+mn-lt"/>
+                <a:ea typeface="+mn-ea"/>
+                <a:cs typeface="+mn-cs"/>
+              </a:defRPr>
+            </a:lvl7pPr>
+            <a:lvl8pPr marL="3429000" indent="-228600" algn="l" defTabSz="914400" rtl="0" eaLnBrk="1" latinLnBrk="0" hangingPunct="1">
+              <a:lnSpc>
+                <a:spcPct val="90000"/>
+              </a:lnSpc>
+              <a:spcBef>
+                <a:spcPts val="500"/>
+              </a:spcBef>
+              <a:buFont typeface="Arial" panose="020B0604020202020204" pitchFamily="34" charset="0"/>
+              <a:buChar char="•"/>
+              <a:defRPr sz="1800" kern="1200">
+                <a:solidFill>
+                  <a:schemeClr val="tx1"/>
+                </a:solidFill>
+                <a:latin typeface="+mn-lt"/>
+                <a:ea typeface="+mn-ea"/>
+                <a:cs typeface="+mn-cs"/>
+              </a:defRPr>
+            </a:lvl8pPr>
+            <a:lvl9pPr marL="3886200" indent="-228600" algn="l" defTabSz="914400" rtl="0" eaLnBrk="1" latinLnBrk="0" hangingPunct="1">
+              <a:lnSpc>
+                <a:spcPct val="90000"/>
+              </a:lnSpc>
+              <a:spcBef>
+                <a:spcPts val="500"/>
+              </a:spcBef>
+              <a:buFont typeface="Arial" panose="020B0604020202020204" pitchFamily="34" charset="0"/>
+              <a:buChar char="•"/>
+              <a:defRPr sz="1800" kern="1200">
+                <a:solidFill>
+                  <a:schemeClr val="tx1"/>
+                </a:solidFill>
+                <a:latin typeface="+mn-lt"/>
+                <a:ea typeface="+mn-ea"/>
+                <a:cs typeface="+mn-cs"/>
+              </a:defRPr>
+            </a:lvl9pPr>
+          </a:lstStyle>
+          <a:p>
+            <a:endParaRPr lang="en-US" dirty="0">
+              <a:solidFill>
+                <a:schemeClr val="tx2"/>
+              </a:solidFill>
+            </a:endParaRPr>
+          </a:p>
+        </p:txBody>
+      </p:sp>
+      <p:sp>
+        <p:nvSpPr>
+          <p:cNvPr id="9" name="TextBox 8">
+            <a:extLst>
+              <a:ext uri="{FF2B5EF4-FFF2-40B4-BE49-F238E27FC236}">
+                <a16:creationId xmlns:a16="http://schemas.microsoft.com/office/drawing/2014/main" id="{18B06D62-44A8-5A09-2C24-37D2AE2E5948}"/>
+              </a:ext>
+            </a:extLst>
+          </p:cNvPr>
+          <p:cNvSpPr txBox="1"/>
+          <p:nvPr/>
+        </p:nvSpPr>
+        <p:spPr>
+          <a:xfrm>
+            <a:off x="2860431" y="1946435"/>
+            <a:ext cx="6096000" cy="646331"/>
+          </a:xfrm>
+          <a:prstGeom prst="rect">
+            <a:avLst/>
+          </a:prstGeom>
+          <a:noFill/>
+        </p:spPr>
+        <p:txBody>
+          <a:bodyPr wrap="square">
+            <a:spAutoFit/>
+          </a:bodyPr>
+          <a:lstStyle/>
+          <a:p>
+            <a:r>
+              <a:rPr lang="en-US" dirty="0"/>
+              <a:t>What is the primary difference between L1 and L2 regularization?</a:t>
+            </a:r>
+          </a:p>
+        </p:txBody>
+      </p:sp>
+      <p:graphicFrame>
+        <p:nvGraphicFramePr>
+          <p:cNvPr id="2" name="Table 1">
+            <a:extLst>
+              <a:ext uri="{FF2B5EF4-FFF2-40B4-BE49-F238E27FC236}">
+                <a16:creationId xmlns:a16="http://schemas.microsoft.com/office/drawing/2014/main" id="{6757F8FF-A463-22AF-F01B-EBC5AAB7120B}"/>
+              </a:ext>
+            </a:extLst>
+          </p:cNvPr>
+          <p:cNvGraphicFramePr>
+            <a:graphicFrameLocks noGrp="1"/>
+          </p:cNvGraphicFramePr>
+          <p:nvPr>
+            <p:extLst>
+              <p:ext uri="{D42A27DB-BD31-4B8C-83A1-F6EECF244321}">
+                <p14:modId xmlns:p14="http://schemas.microsoft.com/office/powerpoint/2010/main" val="1487125657"/>
+              </p:ext>
+            </p:extLst>
+          </p:nvPr>
+        </p:nvGraphicFramePr>
+        <p:xfrm>
+          <a:off x="2739840" y="2789714"/>
+          <a:ext cx="6712319" cy="2423160"/>
+        </p:xfrm>
+        <a:graphic>
+          <a:graphicData uri="http://schemas.openxmlformats.org/drawingml/2006/table">
+            <a:tbl>
+              <a:tblPr/>
+              <a:tblGrid>
+                <a:gridCol w="130249">
+                  <a:extLst>
+                    <a:ext uri="{9D8B030D-6E8A-4147-A177-3AD203B41FA5}">
+                      <a16:colId xmlns:a16="http://schemas.microsoft.com/office/drawing/2014/main" val="204648628"/>
+                    </a:ext>
+                  </a:extLst>
+                </a:gridCol>
+                <a:gridCol w="6582070">
+                  <a:extLst>
+                    <a:ext uri="{9D8B030D-6E8A-4147-A177-3AD203B41FA5}">
+                      <a16:colId xmlns:a16="http://schemas.microsoft.com/office/drawing/2014/main" val="1914400739"/>
+                    </a:ext>
+                  </a:extLst>
+                </a:gridCol>
+              </a:tblGrid>
+              <a:tr h="0">
+                <a:tc>
+                  <a:txBody>
+                    <a:bodyPr/>
+                    <a:lstStyle/>
+                    <a:p>
+                      <a:pPr marL="285750" indent="-285750" algn="l" fontAlgn="t">
+                        <a:buFont typeface="Arial" panose="020B0604020202020204" pitchFamily="34" charset="0"/>
+                        <a:buChar char="•"/>
+                      </a:pPr>
+                      <a:endParaRPr lang="en-US">
+                        <a:solidFill>
+                          <a:schemeClr val="accent1"/>
+                        </a:solidFill>
+                        <a:effectLst/>
+                      </a:endParaRPr>
+                    </a:p>
+                  </a:txBody>
+                  <a:tcPr marL="28575" marR="28575" marT="28575" marB="28575">
+                    <a:lnL>
+                      <a:noFill/>
+                    </a:lnL>
+                    <a:lnR>
+                      <a:noFill/>
+                    </a:lnR>
+                    <a:lnT>
+                      <a:noFill/>
+                    </a:lnT>
+                    <a:lnB>
+                      <a:noFill/>
+                    </a:lnB>
+                    <a:noFill/>
+                  </a:tcPr>
+                </a:tc>
+                <a:tc>
+                  <a:txBody>
+                    <a:bodyPr/>
+                    <a:lstStyle/>
+                    <a:p>
+                      <a:pPr marL="285750" indent="-285750" algn="l" fontAlgn="b">
+                        <a:buFont typeface="Arial" panose="020B0604020202020204" pitchFamily="34" charset="0"/>
+                        <a:buChar char="•"/>
+                      </a:pPr>
+                      <a:r>
+                        <a:rPr lang="en-US" dirty="0">
+                          <a:solidFill>
+                            <a:schemeClr val="accent1"/>
+                          </a:solidFill>
+                          <a:effectLst/>
+                        </a:rPr>
+                        <a:t>L1 regularization penalizes the sum of weights, L2 penalizes the sum of squared weights.</a:t>
+                      </a:r>
+                    </a:p>
+                  </a:txBody>
+                  <a:tcPr marL="28575" marR="28575" marT="28575" marB="28575" anchor="b">
+                    <a:lnL>
+                      <a:noFill/>
+                    </a:lnL>
+                    <a:lnR>
+                      <a:noFill/>
+                    </a:lnR>
+                    <a:lnT>
+                      <a:noFill/>
+                    </a:lnT>
+                    <a:lnB>
+                      <a:noFill/>
+                    </a:lnB>
+                    <a:noFill/>
+                  </a:tcPr>
+                </a:tc>
+                <a:extLst>
+                  <a:ext uri="{0D108BD9-81ED-4DB2-BD59-A6C34878D82A}">
+                    <a16:rowId xmlns:a16="http://schemas.microsoft.com/office/drawing/2014/main" val="593279521"/>
+                  </a:ext>
+                </a:extLst>
+              </a:tr>
+              <a:tr h="0">
+                <a:tc>
+                  <a:txBody>
+                    <a:bodyPr/>
+                    <a:lstStyle/>
+                    <a:p>
+                      <a:pPr marL="285750" indent="-285750" algn="l" fontAlgn="t">
+                        <a:buFont typeface="Arial" panose="020B0604020202020204" pitchFamily="34" charset="0"/>
+                        <a:buChar char="•"/>
+                      </a:pPr>
+                      <a:endParaRPr lang="en-US">
+                        <a:solidFill>
+                          <a:schemeClr val="accent1"/>
+                        </a:solidFill>
+                        <a:effectLst/>
+                      </a:endParaRPr>
+                    </a:p>
+                  </a:txBody>
+                  <a:tcPr marL="28575" marR="28575" marT="28575" marB="28575">
+                    <a:lnL>
+                      <a:noFill/>
+                    </a:lnL>
+                    <a:lnR>
+                      <a:noFill/>
+                    </a:lnR>
+                    <a:lnT>
+                      <a:noFill/>
+                    </a:lnT>
+                    <a:lnB>
+                      <a:noFill/>
+                    </a:lnB>
+                    <a:noFill/>
+                  </a:tcPr>
+                </a:tc>
+                <a:tc>
+                  <a:txBody>
+                    <a:bodyPr/>
+                    <a:lstStyle/>
+                    <a:p>
+                      <a:pPr marL="285750" indent="-285750" algn="l" fontAlgn="b">
+                        <a:buFont typeface="Arial" panose="020B0604020202020204" pitchFamily="34" charset="0"/>
+                        <a:buChar char="•"/>
+                      </a:pPr>
+                      <a:r>
+                        <a:rPr lang="en-US">
+                          <a:solidFill>
+                            <a:schemeClr val="accent1"/>
+                          </a:solidFill>
+                          <a:effectLst/>
+                        </a:rPr>
+                        <a:t>L2 regularization penalizes the sum of weights, L1 penalizes the sum of squared weights.</a:t>
+                      </a:r>
+                    </a:p>
+                  </a:txBody>
+                  <a:tcPr marL="28575" marR="28575" marT="28575" marB="28575" anchor="b">
+                    <a:lnL>
+                      <a:noFill/>
+                    </a:lnL>
+                    <a:lnR>
+                      <a:noFill/>
+                    </a:lnR>
+                    <a:lnT>
+                      <a:noFill/>
+                    </a:lnT>
+                    <a:lnB>
+                      <a:noFill/>
+                    </a:lnB>
+                    <a:noFill/>
+                  </a:tcPr>
+                </a:tc>
+                <a:extLst>
+                  <a:ext uri="{0D108BD9-81ED-4DB2-BD59-A6C34878D82A}">
+                    <a16:rowId xmlns:a16="http://schemas.microsoft.com/office/drawing/2014/main" val="3349121185"/>
+                  </a:ext>
+                </a:extLst>
+              </a:tr>
+              <a:tr h="0">
+                <a:tc>
+                  <a:txBody>
+                    <a:bodyPr/>
+                    <a:lstStyle/>
+                    <a:p>
+                      <a:pPr marL="285750" indent="-285750" algn="l" fontAlgn="t">
+                        <a:buFont typeface="Arial" panose="020B0604020202020204" pitchFamily="34" charset="0"/>
+                        <a:buChar char="•"/>
+                      </a:pPr>
+                      <a:endParaRPr lang="en-US">
+                        <a:solidFill>
+                          <a:schemeClr val="accent1"/>
+                        </a:solidFill>
+                        <a:effectLst/>
+                      </a:endParaRPr>
+                    </a:p>
+                  </a:txBody>
+                  <a:tcPr marL="28575" marR="28575" marT="28575" marB="28575">
+                    <a:lnL>
+                      <a:noFill/>
+                    </a:lnL>
+                    <a:lnR>
+                      <a:noFill/>
+                    </a:lnR>
+                    <a:lnT>
+                      <a:noFill/>
+                    </a:lnT>
+                    <a:lnB>
+                      <a:noFill/>
+                    </a:lnB>
+                    <a:noFill/>
+                  </a:tcPr>
+                </a:tc>
+                <a:tc>
+                  <a:txBody>
+                    <a:bodyPr/>
+                    <a:lstStyle/>
+                    <a:p>
+                      <a:pPr marL="285750" indent="-285750" algn="l" fontAlgn="b">
+                        <a:buFont typeface="Arial" panose="020B0604020202020204" pitchFamily="34" charset="0"/>
+                        <a:buChar char="•"/>
+                      </a:pPr>
+                      <a:r>
+                        <a:rPr lang="en-US" dirty="0">
+                          <a:solidFill>
+                            <a:schemeClr val="accent1"/>
+                          </a:solidFill>
+                          <a:effectLst/>
+                          <a:highlight>
+                            <a:srgbClr val="FFFF00"/>
+                          </a:highlight>
+                        </a:rPr>
+                        <a:t>L1 regularization penalizes the sum of absolute value of the weights, L2 penalizes the sum of squared weights.</a:t>
+                      </a:r>
+                    </a:p>
+                  </a:txBody>
+                  <a:tcPr marL="28575" marR="28575" marT="28575" marB="28575" anchor="b">
+                    <a:lnL>
+                      <a:noFill/>
+                    </a:lnL>
+                    <a:lnR>
+                      <a:noFill/>
+                    </a:lnR>
+                    <a:lnT>
+                      <a:noFill/>
+                    </a:lnT>
+                    <a:lnB>
+                      <a:noFill/>
+                    </a:lnB>
+                    <a:noFill/>
+                  </a:tcPr>
+                </a:tc>
+                <a:extLst>
+                  <a:ext uri="{0D108BD9-81ED-4DB2-BD59-A6C34878D82A}">
+                    <a16:rowId xmlns:a16="http://schemas.microsoft.com/office/drawing/2014/main" val="1802680094"/>
+                  </a:ext>
+                </a:extLst>
+              </a:tr>
+              <a:tr h="0">
+                <a:tc>
+                  <a:txBody>
+                    <a:bodyPr/>
+                    <a:lstStyle/>
+                    <a:p>
+                      <a:pPr marL="285750" indent="-285750" algn="l" fontAlgn="t">
+                        <a:buFont typeface="Arial" panose="020B0604020202020204" pitchFamily="34" charset="0"/>
+                        <a:buChar char="•"/>
+                      </a:pPr>
+                      <a:endParaRPr lang="en-US">
+                        <a:solidFill>
+                          <a:schemeClr val="accent1"/>
+                        </a:solidFill>
+                        <a:effectLst/>
+                      </a:endParaRPr>
+                    </a:p>
+                  </a:txBody>
+                  <a:tcPr marL="28575" marR="28575" marT="28575" marB="28575">
+                    <a:lnL>
+                      <a:noFill/>
+                    </a:lnL>
+                    <a:lnR>
+                      <a:noFill/>
+                    </a:lnR>
+                    <a:lnT>
+                      <a:noFill/>
+                    </a:lnT>
+                    <a:lnB>
+                      <a:noFill/>
+                    </a:lnB>
+                    <a:noFill/>
+                  </a:tcPr>
+                </a:tc>
+                <a:tc>
+                  <a:txBody>
+                    <a:bodyPr/>
+                    <a:lstStyle/>
+                    <a:p>
+                      <a:pPr marL="285750" indent="-285750" algn="l" fontAlgn="b">
+                        <a:buFont typeface="Arial" panose="020B0604020202020204" pitchFamily="34" charset="0"/>
+                        <a:buChar char="•"/>
+                      </a:pPr>
+                      <a:r>
+                        <a:rPr lang="en-US" dirty="0">
+                          <a:solidFill>
+                            <a:schemeClr val="accent1"/>
+                          </a:solidFill>
+                          <a:effectLst/>
+                        </a:rPr>
+                        <a:t>L2 regularization penalizes the sum of absolute value of the weights, L1 penalizes the sum of squared weights.</a:t>
+                      </a:r>
+                    </a:p>
+                  </a:txBody>
+                  <a:tcPr marL="28575" marR="28575" marT="28575" marB="28575" anchor="b">
+                    <a:lnL>
+                      <a:noFill/>
+                    </a:lnL>
+                    <a:lnR>
+                      <a:noFill/>
+                    </a:lnR>
+                    <a:lnT>
+                      <a:noFill/>
+                    </a:lnT>
+                    <a:lnB>
+                      <a:noFill/>
+                    </a:lnB>
+                    <a:noFill/>
+                  </a:tcPr>
+                </a:tc>
+                <a:extLst>
+                  <a:ext uri="{0D108BD9-81ED-4DB2-BD59-A6C34878D82A}">
+                    <a16:rowId xmlns:a16="http://schemas.microsoft.com/office/drawing/2014/main" val="1765213355"/>
+                  </a:ext>
+                </a:extLst>
+              </a:tr>
+            </a:tbl>
+          </a:graphicData>
+        </a:graphic>
+      </p:graphicFrame>
+    </p:spTree>
+    <p:extLst>
+      <p:ext uri="{BB962C8B-B14F-4D97-AF65-F5344CB8AC3E}">
+        <p14:creationId xmlns:p14="http://schemas.microsoft.com/office/powerpoint/2010/main" val="488307963"/>
+      </p:ext>
+    </p:extLst>
+  </p:cSld>
+  <p:clrMapOvr>
+    <a:masterClrMapping/>
+  </p:clrMapOvr>
+</p:sld>
+</file>
+
+<file path=ppt/slides/slide7.xml><?xml version="1.0" encoding="utf-8"?>
+<p:sld xmlns:a="http://schemas.openxmlformats.org/drawingml/2006/main" xmlns:r="http://schemas.openxmlformats.org/officeDocument/2006/relationships" xmlns:p="http://schemas.openxmlformats.org/presentationml/2006/main">
+  <p:cSld>
+    <p:spTree>
+      <p:nvGrpSpPr>
+        <p:cNvPr id="1" name="">
+          <a:extLst>
+            <a:ext uri="{FF2B5EF4-FFF2-40B4-BE49-F238E27FC236}">
+              <a16:creationId xmlns:a16="http://schemas.microsoft.com/office/drawing/2014/main" id="{238E7D33-32E9-2EE9-09DB-F416AFB4BD32}"/>
+            </a:ext>
+          </a:extLst>
+        </p:cNvPr>
+        <p:cNvGrpSpPr/>
+        <p:nvPr/>
+      </p:nvGrpSpPr>
+      <p:grpSpPr>
+        <a:xfrm>
+          <a:off x="0" y="0"/>
+          <a:ext cx="0" cy="0"/>
+          <a:chOff x="0" y="0"/>
+          <a:chExt cx="0" cy="0"/>
+        </a:xfrm>
+      </p:grpSpPr>
+      <p:sp>
+        <p:nvSpPr>
+          <p:cNvPr id="7" name="Title 1">
+            <a:extLst>
+              <a:ext uri="{FF2B5EF4-FFF2-40B4-BE49-F238E27FC236}">
+                <a16:creationId xmlns:a16="http://schemas.microsoft.com/office/drawing/2014/main" id="{965DB460-EB2D-0211-9B05-72D783F9B013}"/>
+              </a:ext>
+            </a:extLst>
+          </p:cNvPr>
+          <p:cNvSpPr>
+            <a:spLocks noGrp="1"/>
+          </p:cNvSpPr>
+          <p:nvPr>
+            <p:ph type="title"/>
+          </p:nvPr>
+        </p:nvSpPr>
+        <p:spPr>
+          <a:xfrm>
+            <a:off x="838200" y="365125"/>
+            <a:ext cx="10515600" cy="1325563"/>
+          </a:xfrm>
+        </p:spPr>
+        <p:txBody>
+          <a:bodyPr/>
+          <a:lstStyle/>
+          <a:p>
+            <a:r>
+              <a:rPr lang="en-US" dirty="0">
+                <a:solidFill>
+                  <a:schemeClr val="tx2"/>
+                </a:solidFill>
+              </a:rPr>
+              <a:t>Q2</a:t>
+            </a:r>
+            <a:endParaRPr lang="en-US" sz="3000" b="1" i="1" dirty="0">
+              <a:solidFill>
+                <a:schemeClr val="tx2"/>
+              </a:solidFill>
+            </a:endParaRPr>
+          </a:p>
+        </p:txBody>
+      </p:sp>
+      <p:sp>
+        <p:nvSpPr>
+          <p:cNvPr id="8" name="Content Placeholder 4">
+            <a:extLst>
+              <a:ext uri="{FF2B5EF4-FFF2-40B4-BE49-F238E27FC236}">
+                <a16:creationId xmlns:a16="http://schemas.microsoft.com/office/drawing/2014/main" id="{DEBDC06F-037D-D09B-4F5F-75E9ACA35C56}"/>
+              </a:ext>
+            </a:extLst>
+          </p:cNvPr>
+          <p:cNvSpPr txBox="1">
+            <a:spLocks/>
+          </p:cNvSpPr>
+          <p:nvPr/>
+        </p:nvSpPr>
+        <p:spPr>
+          <a:xfrm>
+            <a:off x="3812413" y="2728613"/>
+            <a:ext cx="4567173" cy="4351338"/>
+          </a:xfrm>
+          <a:prstGeom prst="rect">
+            <a:avLst/>
+          </a:prstGeom>
+        </p:spPr>
+        <p:txBody>
+          <a:bodyPr vert="horz" lIns="91440" tIns="45720" rIns="91440" bIns="45720" rtlCol="0">
+            <a:noAutofit/>
+          </a:bodyPr>
+          <a:lstStyle>
+            <a:lvl1pPr marL="228600" indent="-228600" algn="l" defTabSz="914400" rtl="0" eaLnBrk="1" latinLnBrk="0" hangingPunct="1">
+              <a:lnSpc>
+                <a:spcPct val="90000"/>
+              </a:lnSpc>
+              <a:spcBef>
+                <a:spcPts val="1000"/>
+              </a:spcBef>
+              <a:buFont typeface="Arial" panose="020B0604020202020204" pitchFamily="34" charset="0"/>
+              <a:buChar char="•"/>
+              <a:defRPr sz="2800" kern="1200">
+                <a:solidFill>
+                  <a:schemeClr val="tx1"/>
+                </a:solidFill>
+                <a:latin typeface="+mn-lt"/>
+                <a:ea typeface="+mn-ea"/>
+                <a:cs typeface="+mn-cs"/>
+              </a:defRPr>
+            </a:lvl1pPr>
+            <a:lvl2pPr marL="685800" indent="-228600" algn="l" defTabSz="914400" rtl="0" eaLnBrk="1" latinLnBrk="0" hangingPunct="1">
+              <a:lnSpc>
+                <a:spcPct val="90000"/>
+              </a:lnSpc>
+              <a:spcBef>
+                <a:spcPts val="500"/>
+              </a:spcBef>
+              <a:buFont typeface="Arial" panose="020B0604020202020204" pitchFamily="34" charset="0"/>
+              <a:buChar char="•"/>
+              <a:defRPr sz="2400" kern="1200">
+                <a:solidFill>
+                  <a:schemeClr val="tx1"/>
+                </a:solidFill>
+                <a:latin typeface="+mn-lt"/>
+                <a:ea typeface="+mn-ea"/>
+                <a:cs typeface="+mn-cs"/>
+              </a:defRPr>
+            </a:lvl2pPr>
+            <a:lvl3pPr marL="1143000" indent="-228600" algn="l" defTabSz="914400" rtl="0" eaLnBrk="1" latinLnBrk="0" hangingPunct="1">
+              <a:lnSpc>
+                <a:spcPct val="90000"/>
+              </a:lnSpc>
+              <a:spcBef>
+                <a:spcPts val="500"/>
+              </a:spcBef>
+              <a:buFont typeface="Arial" panose="020B0604020202020204" pitchFamily="34" charset="0"/>
+              <a:buChar char="•"/>
+              <a:defRPr sz="2000" kern="1200">
+                <a:solidFill>
+                  <a:schemeClr val="tx1"/>
+                </a:solidFill>
+                <a:latin typeface="+mn-lt"/>
+                <a:ea typeface="+mn-ea"/>
+                <a:cs typeface="+mn-cs"/>
+              </a:defRPr>
+            </a:lvl3pPr>
+            <a:lvl4pPr marL="1600200" indent="-228600" algn="l" defTabSz="914400" rtl="0" eaLnBrk="1" latinLnBrk="0" hangingPunct="1">
+              <a:lnSpc>
+                <a:spcPct val="90000"/>
+              </a:lnSpc>
+              <a:spcBef>
+                <a:spcPts val="500"/>
+              </a:spcBef>
+              <a:buFont typeface="Arial" panose="020B0604020202020204" pitchFamily="34" charset="0"/>
+              <a:buChar char="•"/>
+              <a:defRPr sz="1800" kern="1200">
+                <a:solidFill>
+                  <a:schemeClr val="tx1"/>
+                </a:solidFill>
+                <a:latin typeface="+mn-lt"/>
+                <a:ea typeface="+mn-ea"/>
+                <a:cs typeface="+mn-cs"/>
+              </a:defRPr>
+            </a:lvl4pPr>
+            <a:lvl5pPr marL="2057400" indent="-228600" algn="l" defTabSz="914400" rtl="0" eaLnBrk="1" latinLnBrk="0" hangingPunct="1">
+              <a:lnSpc>
+                <a:spcPct val="90000"/>
+              </a:lnSpc>
+              <a:spcBef>
+                <a:spcPts val="500"/>
+              </a:spcBef>
+              <a:buFont typeface="Arial" panose="020B0604020202020204" pitchFamily="34" charset="0"/>
+              <a:buChar char="•"/>
+              <a:defRPr sz="1800" kern="1200">
+                <a:solidFill>
+                  <a:schemeClr val="tx1"/>
+                </a:solidFill>
+                <a:latin typeface="+mn-lt"/>
+                <a:ea typeface="+mn-ea"/>
+                <a:cs typeface="+mn-cs"/>
+              </a:defRPr>
+            </a:lvl5pPr>
+            <a:lvl6pPr marL="2514600" indent="-228600" algn="l" defTabSz="914400" rtl="0" eaLnBrk="1" latinLnBrk="0" hangingPunct="1">
+              <a:lnSpc>
+                <a:spcPct val="90000"/>
+              </a:lnSpc>
+              <a:spcBef>
+                <a:spcPts val="500"/>
+              </a:spcBef>
+              <a:buFont typeface="Arial" panose="020B0604020202020204" pitchFamily="34" charset="0"/>
+              <a:buChar char="•"/>
+              <a:defRPr sz="1800" kern="1200">
+                <a:solidFill>
+                  <a:schemeClr val="tx1"/>
+                </a:solidFill>
+                <a:latin typeface="+mn-lt"/>
+                <a:ea typeface="+mn-ea"/>
+                <a:cs typeface="+mn-cs"/>
+              </a:defRPr>
+            </a:lvl6pPr>
+            <a:lvl7pPr marL="2971800" indent="-228600" algn="l" defTabSz="914400" rtl="0" eaLnBrk="1" latinLnBrk="0" hangingPunct="1">
+              <a:lnSpc>
+                <a:spcPct val="90000"/>
+              </a:lnSpc>
+              <a:spcBef>
+                <a:spcPts val="500"/>
+              </a:spcBef>
+              <a:buFont typeface="Arial" panose="020B0604020202020204" pitchFamily="34" charset="0"/>
+              <a:buChar char="•"/>
+              <a:defRPr sz="1800" kern="1200">
+                <a:solidFill>
+                  <a:schemeClr val="tx1"/>
+                </a:solidFill>
+                <a:latin typeface="+mn-lt"/>
+                <a:ea typeface="+mn-ea"/>
+                <a:cs typeface="+mn-cs"/>
+              </a:defRPr>
+            </a:lvl7pPr>
+            <a:lvl8pPr marL="3429000" indent="-228600" algn="l" defTabSz="914400" rtl="0" eaLnBrk="1" latinLnBrk="0" hangingPunct="1">
+              <a:lnSpc>
+                <a:spcPct val="90000"/>
+              </a:lnSpc>
+              <a:spcBef>
+                <a:spcPts val="500"/>
+              </a:spcBef>
+              <a:buFont typeface="Arial" panose="020B0604020202020204" pitchFamily="34" charset="0"/>
+              <a:buChar char="•"/>
+              <a:defRPr sz="1800" kern="1200">
+                <a:solidFill>
+                  <a:schemeClr val="tx1"/>
+                </a:solidFill>
+                <a:latin typeface="+mn-lt"/>
+                <a:ea typeface="+mn-ea"/>
+                <a:cs typeface="+mn-cs"/>
+              </a:defRPr>
+            </a:lvl8pPr>
+            <a:lvl9pPr marL="3886200" indent="-228600" algn="l" defTabSz="914400" rtl="0" eaLnBrk="1" latinLnBrk="0" hangingPunct="1">
+              <a:lnSpc>
+                <a:spcPct val="90000"/>
+              </a:lnSpc>
+              <a:spcBef>
+                <a:spcPts val="500"/>
+              </a:spcBef>
+              <a:buFont typeface="Arial" panose="020B0604020202020204" pitchFamily="34" charset="0"/>
+              <a:buChar char="•"/>
+              <a:defRPr sz="1800" kern="1200">
+                <a:solidFill>
+                  <a:schemeClr val="tx1"/>
+                </a:solidFill>
+                <a:latin typeface="+mn-lt"/>
+                <a:ea typeface="+mn-ea"/>
+                <a:cs typeface="+mn-cs"/>
+              </a:defRPr>
+            </a:lvl9pPr>
+          </a:lstStyle>
+          <a:p>
+            <a:endParaRPr lang="en-US" dirty="0">
+              <a:solidFill>
+                <a:schemeClr val="tx2"/>
+              </a:solidFill>
+            </a:endParaRPr>
+          </a:p>
+        </p:txBody>
+      </p:sp>
+      <p:sp>
+        <p:nvSpPr>
+          <p:cNvPr id="9" name="TextBox 8">
+            <a:extLst>
+              <a:ext uri="{FF2B5EF4-FFF2-40B4-BE49-F238E27FC236}">
+                <a16:creationId xmlns:a16="http://schemas.microsoft.com/office/drawing/2014/main" id="{19322258-E427-33B6-4B02-D571DCB698B0}"/>
+              </a:ext>
+            </a:extLst>
+          </p:cNvPr>
+          <p:cNvSpPr txBox="1"/>
+          <p:nvPr/>
+        </p:nvSpPr>
+        <p:spPr>
+          <a:xfrm>
+            <a:off x="2860431" y="1946435"/>
+            <a:ext cx="6096000" cy="646331"/>
+          </a:xfrm>
+          <a:prstGeom prst="rect">
+            <a:avLst/>
+          </a:prstGeom>
+          <a:noFill/>
+        </p:spPr>
+        <p:txBody>
+          <a:bodyPr wrap="square">
+            <a:spAutoFit/>
+          </a:bodyPr>
+          <a:lstStyle/>
+          <a:p>
+            <a:r>
+              <a:rPr lang="en-US" dirty="0"/>
+              <a:t>What is the purpose of regularization in logistic regression?</a:t>
+            </a:r>
+          </a:p>
+          <a:p>
+            <a:endParaRPr lang="en-US" dirty="0"/>
+          </a:p>
+        </p:txBody>
+      </p:sp>
+      <p:graphicFrame>
+        <p:nvGraphicFramePr>
+          <p:cNvPr id="2" name="Table 1">
+            <a:extLst>
+              <a:ext uri="{FF2B5EF4-FFF2-40B4-BE49-F238E27FC236}">
+                <a16:creationId xmlns:a16="http://schemas.microsoft.com/office/drawing/2014/main" id="{2F112183-8788-F9DB-3839-268FF037EE86}"/>
+              </a:ext>
+            </a:extLst>
+          </p:cNvPr>
+          <p:cNvGraphicFramePr>
+            <a:graphicFrameLocks noGrp="1"/>
+          </p:cNvGraphicFramePr>
+          <p:nvPr>
+            <p:extLst>
+              <p:ext uri="{D42A27DB-BD31-4B8C-83A1-F6EECF244321}">
+                <p14:modId xmlns:p14="http://schemas.microsoft.com/office/powerpoint/2010/main" val="4014424143"/>
+              </p:ext>
+            </p:extLst>
+          </p:nvPr>
+        </p:nvGraphicFramePr>
+        <p:xfrm>
+          <a:off x="2739840" y="2789714"/>
+          <a:ext cx="6712319" cy="1325880"/>
+        </p:xfrm>
+        <a:graphic>
+          <a:graphicData uri="http://schemas.openxmlformats.org/drawingml/2006/table">
+            <a:tbl>
+              <a:tblPr/>
+              <a:tblGrid>
+                <a:gridCol w="130249">
+                  <a:extLst>
+                    <a:ext uri="{9D8B030D-6E8A-4147-A177-3AD203B41FA5}">
+                      <a16:colId xmlns:a16="http://schemas.microsoft.com/office/drawing/2014/main" val="204648628"/>
+                    </a:ext>
+                  </a:extLst>
+                </a:gridCol>
+                <a:gridCol w="6582070">
+                  <a:extLst>
+                    <a:ext uri="{9D8B030D-6E8A-4147-A177-3AD203B41FA5}">
+                      <a16:colId xmlns:a16="http://schemas.microsoft.com/office/drawing/2014/main" val="1914400739"/>
+                    </a:ext>
+                  </a:extLst>
+                </a:gridCol>
+              </a:tblGrid>
+              <a:tr h="0">
+                <a:tc>
+                  <a:txBody>
+                    <a:bodyPr/>
+                    <a:lstStyle/>
+                    <a:p>
+                      <a:pPr marL="285750" indent="-285750" algn="l" fontAlgn="t">
+                        <a:buFont typeface="Arial" panose="020B0604020202020204" pitchFamily="34" charset="0"/>
+                        <a:buChar char="•"/>
+                      </a:pPr>
+                      <a:endParaRPr lang="en-US">
+                        <a:solidFill>
+                          <a:schemeClr val="accent1"/>
+                        </a:solidFill>
+                        <a:effectLst/>
+                      </a:endParaRPr>
+                    </a:p>
+                  </a:txBody>
+                  <a:tcPr marL="28575" marR="28575" marT="28575" marB="28575">
+                    <a:lnL>
+                      <a:noFill/>
+                    </a:lnL>
+                    <a:lnR>
+                      <a:noFill/>
+                    </a:lnR>
+                    <a:lnT>
+                      <a:noFill/>
+                    </a:lnT>
+                    <a:lnB>
+                      <a:noFill/>
+                    </a:lnB>
+                    <a:noFill/>
+                  </a:tcPr>
+                </a:tc>
+                <a:tc>
+                  <a:txBody>
+                    <a:bodyPr/>
+                    <a:lstStyle/>
+                    <a:p>
+                      <a:pPr marL="285750" indent="-285750" algn="l" fontAlgn="b">
+                        <a:buFont typeface="Arial" panose="020B0604020202020204" pitchFamily="34" charset="0"/>
+                        <a:buChar char="•"/>
+                      </a:pPr>
+                      <a:r>
+                        <a:rPr lang="en-US">
+                          <a:solidFill>
+                            <a:schemeClr val="accent1"/>
+                          </a:solidFill>
+                          <a:effectLst/>
+                        </a:rPr>
+                        <a:t>To increase the complexity of the model.</a:t>
+                      </a:r>
+                    </a:p>
+                  </a:txBody>
+                  <a:tcPr marL="28575" marR="28575" marT="28575" marB="28575" anchor="b">
+                    <a:lnL>
+                      <a:noFill/>
+                    </a:lnL>
+                    <a:lnR>
+                      <a:noFill/>
+                    </a:lnR>
+                    <a:lnT>
+                      <a:noFill/>
+                    </a:lnT>
+                    <a:lnB>
+                      <a:noFill/>
+                    </a:lnB>
+                    <a:noFill/>
+                  </a:tcPr>
+                </a:tc>
+                <a:extLst>
+                  <a:ext uri="{0D108BD9-81ED-4DB2-BD59-A6C34878D82A}">
+                    <a16:rowId xmlns:a16="http://schemas.microsoft.com/office/drawing/2014/main" val="593279521"/>
+                  </a:ext>
+                </a:extLst>
+              </a:tr>
+              <a:tr h="0">
+                <a:tc>
+                  <a:txBody>
+                    <a:bodyPr/>
+                    <a:lstStyle/>
+                    <a:p>
+                      <a:pPr marL="285750" indent="-285750" algn="l" fontAlgn="t">
+                        <a:buFont typeface="Arial" panose="020B0604020202020204" pitchFamily="34" charset="0"/>
+                        <a:buChar char="•"/>
+                      </a:pPr>
+                      <a:endParaRPr lang="en-US">
+                        <a:solidFill>
+                          <a:schemeClr val="accent1"/>
+                        </a:solidFill>
+                        <a:effectLst/>
+                      </a:endParaRPr>
+                    </a:p>
+                  </a:txBody>
+                  <a:tcPr marL="28575" marR="28575" marT="28575" marB="28575">
+                    <a:lnL>
+                      <a:noFill/>
+                    </a:lnL>
+                    <a:lnR>
+                      <a:noFill/>
+                    </a:lnR>
+                    <a:lnT>
+                      <a:noFill/>
+                    </a:lnT>
+                    <a:lnB>
+                      <a:noFill/>
+                    </a:lnB>
+                    <a:noFill/>
+                  </a:tcPr>
+                </a:tc>
+                <a:tc>
+                  <a:txBody>
+                    <a:bodyPr/>
+                    <a:lstStyle/>
+                    <a:p>
+                      <a:pPr marL="285750" indent="-285750" algn="l" fontAlgn="b">
+                        <a:buFont typeface="Arial" panose="020B0604020202020204" pitchFamily="34" charset="0"/>
+                        <a:buChar char="•"/>
+                      </a:pPr>
+                      <a:r>
+                        <a:rPr lang="en-US">
+                          <a:solidFill>
+                            <a:schemeClr val="accent1"/>
+                          </a:solidFill>
+                          <a:effectLst/>
+                        </a:rPr>
+                        <a:t> To ensure the model fits the training data perfectly.</a:t>
+                      </a:r>
+                    </a:p>
+                  </a:txBody>
+                  <a:tcPr marL="28575" marR="28575" marT="28575" marB="28575" anchor="b">
+                    <a:lnL>
+                      <a:noFill/>
+                    </a:lnL>
+                    <a:lnR>
+                      <a:noFill/>
+                    </a:lnR>
+                    <a:lnT>
+                      <a:noFill/>
+                    </a:lnT>
+                    <a:lnB>
+                      <a:noFill/>
+                    </a:lnB>
+                    <a:noFill/>
+                  </a:tcPr>
+                </a:tc>
+                <a:extLst>
+                  <a:ext uri="{0D108BD9-81ED-4DB2-BD59-A6C34878D82A}">
+                    <a16:rowId xmlns:a16="http://schemas.microsoft.com/office/drawing/2014/main" val="3349121185"/>
+                  </a:ext>
+                </a:extLst>
+              </a:tr>
+              <a:tr h="0">
+                <a:tc>
+                  <a:txBody>
+                    <a:bodyPr/>
+                    <a:lstStyle/>
+                    <a:p>
+                      <a:pPr marL="285750" indent="-285750" algn="l" fontAlgn="t">
+                        <a:buFont typeface="Arial" panose="020B0604020202020204" pitchFamily="34" charset="0"/>
+                        <a:buChar char="•"/>
+                      </a:pPr>
+                      <a:endParaRPr lang="en-US">
+                        <a:solidFill>
+                          <a:schemeClr val="accent1"/>
+                        </a:solidFill>
+                        <a:effectLst/>
+                      </a:endParaRPr>
+                    </a:p>
+                  </a:txBody>
+                  <a:tcPr marL="28575" marR="28575" marT="28575" marB="28575">
+                    <a:lnL>
+                      <a:noFill/>
+                    </a:lnL>
+                    <a:lnR>
+                      <a:noFill/>
+                    </a:lnR>
+                    <a:lnT>
+                      <a:noFill/>
+                    </a:lnT>
+                    <a:lnB>
+                      <a:noFill/>
+                    </a:lnB>
+                    <a:noFill/>
+                  </a:tcPr>
+                </a:tc>
+                <a:tc>
+                  <a:txBody>
+                    <a:bodyPr/>
+                    <a:lstStyle/>
+                    <a:p>
+                      <a:pPr marL="285750" indent="-285750" algn="l" fontAlgn="b">
+                        <a:buFont typeface="Arial" panose="020B0604020202020204" pitchFamily="34" charset="0"/>
+                        <a:buChar char="•"/>
+                      </a:pPr>
+                      <a:r>
+                        <a:rPr lang="en-US">
+                          <a:solidFill>
+                            <a:schemeClr val="accent1"/>
+                          </a:solidFill>
+                          <a:effectLst/>
+                        </a:rPr>
+                        <a:t> To penalize complex models and reduce overfitting.</a:t>
+                      </a:r>
+                    </a:p>
+                  </a:txBody>
+                  <a:tcPr marL="28575" marR="28575" marT="28575" marB="28575" anchor="b">
+                    <a:lnL>
+                      <a:noFill/>
+                    </a:lnL>
+                    <a:lnR>
+                      <a:noFill/>
+                    </a:lnR>
+                    <a:lnT>
+                      <a:noFill/>
+                    </a:lnT>
+                    <a:lnB>
+                      <a:noFill/>
+                    </a:lnB>
+                    <a:noFill/>
+                  </a:tcPr>
+                </a:tc>
+                <a:extLst>
+                  <a:ext uri="{0D108BD9-81ED-4DB2-BD59-A6C34878D82A}">
+                    <a16:rowId xmlns:a16="http://schemas.microsoft.com/office/drawing/2014/main" val="1802680094"/>
+                  </a:ext>
+                </a:extLst>
+              </a:tr>
+              <a:tr h="0">
+                <a:tc>
+                  <a:txBody>
+                    <a:bodyPr/>
+                    <a:lstStyle/>
+                    <a:p>
+                      <a:pPr marL="285750" indent="-285750" algn="l" fontAlgn="t">
+                        <a:buFont typeface="Arial" panose="020B0604020202020204" pitchFamily="34" charset="0"/>
+                        <a:buChar char="•"/>
+                      </a:pPr>
+                      <a:endParaRPr lang="en-US">
+                        <a:solidFill>
+                          <a:schemeClr val="accent1"/>
+                        </a:solidFill>
+                        <a:effectLst/>
+                      </a:endParaRPr>
+                    </a:p>
+                  </a:txBody>
+                  <a:tcPr marL="28575" marR="28575" marT="28575" marB="28575">
+                    <a:lnL>
+                      <a:noFill/>
+                    </a:lnL>
+                    <a:lnR>
+                      <a:noFill/>
+                    </a:lnR>
+                    <a:lnT>
+                      <a:noFill/>
+                    </a:lnT>
+                    <a:lnB>
+                      <a:noFill/>
+                    </a:lnB>
+                    <a:noFill/>
+                  </a:tcPr>
+                </a:tc>
+                <a:tc>
+                  <a:txBody>
+                    <a:bodyPr/>
+                    <a:lstStyle/>
+                    <a:p>
+                      <a:pPr marL="285750" indent="-285750" algn="l" fontAlgn="b">
+                        <a:buFont typeface="Arial" panose="020B0604020202020204" pitchFamily="34" charset="0"/>
+                        <a:buChar char="•"/>
+                      </a:pPr>
+                      <a:r>
+                        <a:rPr lang="en-US" dirty="0">
+                          <a:solidFill>
+                            <a:schemeClr val="accent1"/>
+                          </a:solidFill>
+                          <a:effectLst/>
+                        </a:rPr>
+                        <a:t> To avoid using nonlinear features.</a:t>
+                      </a:r>
+                    </a:p>
+                  </a:txBody>
+                  <a:tcPr marL="28575" marR="28575" marT="28575" marB="28575" anchor="b">
+                    <a:lnL>
+                      <a:noFill/>
+                    </a:lnL>
+                    <a:lnR>
+                      <a:noFill/>
+                    </a:lnR>
+                    <a:lnT>
+                      <a:noFill/>
+                    </a:lnT>
+                    <a:lnB>
+                      <a:noFill/>
+                    </a:lnB>
+                    <a:noFill/>
+                  </a:tcPr>
+                </a:tc>
+                <a:extLst>
+                  <a:ext uri="{0D108BD9-81ED-4DB2-BD59-A6C34878D82A}">
+                    <a16:rowId xmlns:a16="http://schemas.microsoft.com/office/drawing/2014/main" val="1765213355"/>
+                  </a:ext>
+                </a:extLst>
+              </a:tr>
+            </a:tbl>
+          </a:graphicData>
+        </a:graphic>
+      </p:graphicFrame>
+    </p:spTree>
+    <p:extLst>
+      <p:ext uri="{BB962C8B-B14F-4D97-AF65-F5344CB8AC3E}">
+        <p14:creationId xmlns:p14="http://schemas.microsoft.com/office/powerpoint/2010/main" val="655180568"/>
+      </p:ext>
+    </p:extLst>
+  </p:cSld>
+  <p:clrMapOvr>
+    <a:masterClrMapping/>
+  </p:clrMapOvr>
+</p:sld>
+</file>
+
+<file path=ppt/slides/slide8.xml><?xml version="1.0" encoding="utf-8"?>
+<p:sld xmlns:a="http://schemas.openxmlformats.org/drawingml/2006/main" xmlns:r="http://schemas.openxmlformats.org/officeDocument/2006/relationships" xmlns:p="http://schemas.openxmlformats.org/presentationml/2006/main">
+  <p:cSld>
+    <p:spTree>
+      <p:nvGrpSpPr>
+        <p:cNvPr id="1" name="">
+          <a:extLst>
+            <a:ext uri="{FF2B5EF4-FFF2-40B4-BE49-F238E27FC236}">
+              <a16:creationId xmlns:a16="http://schemas.microsoft.com/office/drawing/2014/main" id="{A1B41880-EDEA-8C14-1365-3FE06CCD66B5}"/>
+            </a:ext>
+          </a:extLst>
+        </p:cNvPr>
+        <p:cNvGrpSpPr/>
+        <p:nvPr/>
+      </p:nvGrpSpPr>
+      <p:grpSpPr>
+        <a:xfrm>
+          <a:off x="0" y="0"/>
+          <a:ext cx="0" cy="0"/>
+          <a:chOff x="0" y="0"/>
+          <a:chExt cx="0" cy="0"/>
+        </a:xfrm>
+      </p:grpSpPr>
+      <p:sp>
+        <p:nvSpPr>
+          <p:cNvPr id="7" name="Title 1">
+            <a:extLst>
+              <a:ext uri="{FF2B5EF4-FFF2-40B4-BE49-F238E27FC236}">
+                <a16:creationId xmlns:a16="http://schemas.microsoft.com/office/drawing/2014/main" id="{0FDEFEA6-2A46-D6C3-5185-33D17EA69FC0}"/>
+              </a:ext>
+            </a:extLst>
+          </p:cNvPr>
+          <p:cNvSpPr>
+            <a:spLocks noGrp="1"/>
+          </p:cNvSpPr>
+          <p:nvPr>
+            <p:ph type="title"/>
+          </p:nvPr>
+        </p:nvSpPr>
+        <p:spPr>
+          <a:xfrm>
+            <a:off x="838200" y="365125"/>
+            <a:ext cx="10515600" cy="1325563"/>
+          </a:xfrm>
+        </p:spPr>
+        <p:txBody>
+          <a:bodyPr/>
+          <a:lstStyle/>
+          <a:p>
+            <a:r>
+              <a:rPr lang="en-US" dirty="0">
+                <a:solidFill>
+                  <a:schemeClr val="tx2"/>
+                </a:solidFill>
+              </a:rPr>
+              <a:t>Q2</a:t>
+            </a:r>
+            <a:endParaRPr lang="en-US" sz="3000" b="1" i="1" dirty="0">
+              <a:solidFill>
+                <a:schemeClr val="tx2"/>
+              </a:solidFill>
+            </a:endParaRPr>
+          </a:p>
+        </p:txBody>
+      </p:sp>
+      <p:sp>
+        <p:nvSpPr>
+          <p:cNvPr id="8" name="Content Placeholder 4">
+            <a:extLst>
+              <a:ext uri="{FF2B5EF4-FFF2-40B4-BE49-F238E27FC236}">
+                <a16:creationId xmlns:a16="http://schemas.microsoft.com/office/drawing/2014/main" id="{15974830-C935-0BF4-9818-7AAAD72AE71C}"/>
+              </a:ext>
+            </a:extLst>
+          </p:cNvPr>
+          <p:cNvSpPr txBox="1">
+            <a:spLocks/>
+          </p:cNvSpPr>
+          <p:nvPr/>
+        </p:nvSpPr>
+        <p:spPr>
+          <a:xfrm>
+            <a:off x="3812413" y="2728613"/>
+            <a:ext cx="4567173" cy="4351338"/>
+          </a:xfrm>
+          <a:prstGeom prst="rect">
+            <a:avLst/>
+          </a:prstGeom>
+        </p:spPr>
+        <p:txBody>
+          <a:bodyPr vert="horz" lIns="91440" tIns="45720" rIns="91440" bIns="45720" rtlCol="0">
+            <a:noAutofit/>
+          </a:bodyPr>
+          <a:lstStyle>
+            <a:lvl1pPr marL="228600" indent="-228600" algn="l" defTabSz="914400" rtl="0" eaLnBrk="1" latinLnBrk="0" hangingPunct="1">
+              <a:lnSpc>
+                <a:spcPct val="90000"/>
+              </a:lnSpc>
+              <a:spcBef>
+                <a:spcPts val="1000"/>
+              </a:spcBef>
+              <a:buFont typeface="Arial" panose="020B0604020202020204" pitchFamily="34" charset="0"/>
+              <a:buChar char="•"/>
+              <a:defRPr sz="2800" kern="1200">
+                <a:solidFill>
+                  <a:schemeClr val="tx1"/>
+                </a:solidFill>
+                <a:latin typeface="+mn-lt"/>
+                <a:ea typeface="+mn-ea"/>
+                <a:cs typeface="+mn-cs"/>
+              </a:defRPr>
+            </a:lvl1pPr>
+            <a:lvl2pPr marL="685800" indent="-228600" algn="l" defTabSz="914400" rtl="0" eaLnBrk="1" latinLnBrk="0" hangingPunct="1">
+              <a:lnSpc>
+                <a:spcPct val="90000"/>
+              </a:lnSpc>
+              <a:spcBef>
+                <a:spcPts val="500"/>
+              </a:spcBef>
+              <a:buFont typeface="Arial" panose="020B0604020202020204" pitchFamily="34" charset="0"/>
+              <a:buChar char="•"/>
+              <a:defRPr sz="2400" kern="1200">
+                <a:solidFill>
+                  <a:schemeClr val="tx1"/>
+                </a:solidFill>
+                <a:latin typeface="+mn-lt"/>
+                <a:ea typeface="+mn-ea"/>
+                <a:cs typeface="+mn-cs"/>
+              </a:defRPr>
+            </a:lvl2pPr>
+            <a:lvl3pPr marL="1143000" indent="-228600" algn="l" defTabSz="914400" rtl="0" eaLnBrk="1" latinLnBrk="0" hangingPunct="1">
+              <a:lnSpc>
+                <a:spcPct val="90000"/>
+              </a:lnSpc>
+              <a:spcBef>
+                <a:spcPts val="500"/>
+              </a:spcBef>
+              <a:buFont typeface="Arial" panose="020B0604020202020204" pitchFamily="34" charset="0"/>
+              <a:buChar char="•"/>
+              <a:defRPr sz="2000" kern="1200">
+                <a:solidFill>
+                  <a:schemeClr val="tx1"/>
+                </a:solidFill>
+                <a:latin typeface="+mn-lt"/>
+                <a:ea typeface="+mn-ea"/>
+                <a:cs typeface="+mn-cs"/>
+              </a:defRPr>
+            </a:lvl3pPr>
+            <a:lvl4pPr marL="1600200" indent="-228600" algn="l" defTabSz="914400" rtl="0" eaLnBrk="1" latinLnBrk="0" hangingPunct="1">
+              <a:lnSpc>
+                <a:spcPct val="90000"/>
+              </a:lnSpc>
+              <a:spcBef>
+                <a:spcPts val="500"/>
+              </a:spcBef>
+              <a:buFont typeface="Arial" panose="020B0604020202020204" pitchFamily="34" charset="0"/>
+              <a:buChar char="•"/>
+              <a:defRPr sz="1800" kern="1200">
+                <a:solidFill>
+                  <a:schemeClr val="tx1"/>
+                </a:solidFill>
+                <a:latin typeface="+mn-lt"/>
+                <a:ea typeface="+mn-ea"/>
+                <a:cs typeface="+mn-cs"/>
+              </a:defRPr>
+            </a:lvl4pPr>
+            <a:lvl5pPr marL="2057400" indent="-228600" algn="l" defTabSz="914400" rtl="0" eaLnBrk="1" latinLnBrk="0" hangingPunct="1">
+              <a:lnSpc>
+                <a:spcPct val="90000"/>
+              </a:lnSpc>
+              <a:spcBef>
+                <a:spcPts val="500"/>
+              </a:spcBef>
+              <a:buFont typeface="Arial" panose="020B0604020202020204" pitchFamily="34" charset="0"/>
+              <a:buChar char="•"/>
+              <a:defRPr sz="1800" kern="1200">
+                <a:solidFill>
+                  <a:schemeClr val="tx1"/>
+                </a:solidFill>
+                <a:latin typeface="+mn-lt"/>
+                <a:ea typeface="+mn-ea"/>
+                <a:cs typeface="+mn-cs"/>
+              </a:defRPr>
+            </a:lvl5pPr>
+            <a:lvl6pPr marL="2514600" indent="-228600" algn="l" defTabSz="914400" rtl="0" eaLnBrk="1" latinLnBrk="0" hangingPunct="1">
+              <a:lnSpc>
+                <a:spcPct val="90000"/>
+              </a:lnSpc>
+              <a:spcBef>
+                <a:spcPts val="500"/>
+              </a:spcBef>
+              <a:buFont typeface="Arial" panose="020B0604020202020204" pitchFamily="34" charset="0"/>
+              <a:buChar char="•"/>
+              <a:defRPr sz="1800" kern="1200">
+                <a:solidFill>
+                  <a:schemeClr val="tx1"/>
+                </a:solidFill>
+                <a:latin typeface="+mn-lt"/>
+                <a:ea typeface="+mn-ea"/>
+                <a:cs typeface="+mn-cs"/>
+              </a:defRPr>
+            </a:lvl6pPr>
+            <a:lvl7pPr marL="2971800" indent="-228600" algn="l" defTabSz="914400" rtl="0" eaLnBrk="1" latinLnBrk="0" hangingPunct="1">
+              <a:lnSpc>
+                <a:spcPct val="90000"/>
+              </a:lnSpc>
+              <a:spcBef>
+                <a:spcPts val="500"/>
+              </a:spcBef>
+              <a:buFont typeface="Arial" panose="020B0604020202020204" pitchFamily="34" charset="0"/>
+              <a:buChar char="•"/>
+              <a:defRPr sz="1800" kern="1200">
+                <a:solidFill>
+                  <a:schemeClr val="tx1"/>
+                </a:solidFill>
+                <a:latin typeface="+mn-lt"/>
+                <a:ea typeface="+mn-ea"/>
+                <a:cs typeface="+mn-cs"/>
+              </a:defRPr>
+            </a:lvl7pPr>
+            <a:lvl8pPr marL="3429000" indent="-228600" algn="l" defTabSz="914400" rtl="0" eaLnBrk="1" latinLnBrk="0" hangingPunct="1">
+              <a:lnSpc>
+                <a:spcPct val="90000"/>
+              </a:lnSpc>
+              <a:spcBef>
+                <a:spcPts val="500"/>
+              </a:spcBef>
+              <a:buFont typeface="Arial" panose="020B0604020202020204" pitchFamily="34" charset="0"/>
+              <a:buChar char="•"/>
+              <a:defRPr sz="1800" kern="1200">
+                <a:solidFill>
+                  <a:schemeClr val="tx1"/>
+                </a:solidFill>
+                <a:latin typeface="+mn-lt"/>
+                <a:ea typeface="+mn-ea"/>
+                <a:cs typeface="+mn-cs"/>
+              </a:defRPr>
+            </a:lvl8pPr>
+            <a:lvl9pPr marL="3886200" indent="-228600" algn="l" defTabSz="914400" rtl="0" eaLnBrk="1" latinLnBrk="0" hangingPunct="1">
+              <a:lnSpc>
+                <a:spcPct val="90000"/>
+              </a:lnSpc>
+              <a:spcBef>
+                <a:spcPts val="500"/>
+              </a:spcBef>
+              <a:buFont typeface="Arial" panose="020B0604020202020204" pitchFamily="34" charset="0"/>
+              <a:buChar char="•"/>
+              <a:defRPr sz="1800" kern="1200">
+                <a:solidFill>
+                  <a:schemeClr val="tx1"/>
+                </a:solidFill>
+                <a:latin typeface="+mn-lt"/>
+                <a:ea typeface="+mn-ea"/>
+                <a:cs typeface="+mn-cs"/>
+              </a:defRPr>
+            </a:lvl9pPr>
+          </a:lstStyle>
+          <a:p>
+            <a:endParaRPr lang="en-US" dirty="0">
+              <a:solidFill>
+                <a:schemeClr val="tx2"/>
+              </a:solidFill>
+            </a:endParaRPr>
+          </a:p>
+        </p:txBody>
+      </p:sp>
+      <p:sp>
+        <p:nvSpPr>
+          <p:cNvPr id="9" name="TextBox 8">
+            <a:extLst>
+              <a:ext uri="{FF2B5EF4-FFF2-40B4-BE49-F238E27FC236}">
+                <a16:creationId xmlns:a16="http://schemas.microsoft.com/office/drawing/2014/main" id="{5789F2E6-AC7E-EF83-660C-BCC1885C9204}"/>
+              </a:ext>
+            </a:extLst>
+          </p:cNvPr>
+          <p:cNvSpPr txBox="1"/>
+          <p:nvPr/>
+        </p:nvSpPr>
+        <p:spPr>
+          <a:xfrm>
+            <a:off x="2860431" y="1946435"/>
+            <a:ext cx="6096000" cy="646331"/>
+          </a:xfrm>
+          <a:prstGeom prst="rect">
+            <a:avLst/>
+          </a:prstGeom>
+          <a:noFill/>
+        </p:spPr>
+        <p:txBody>
+          <a:bodyPr wrap="square">
+            <a:spAutoFit/>
+          </a:bodyPr>
+          <a:lstStyle/>
+          <a:p>
+            <a:r>
+              <a:rPr lang="en-US" dirty="0"/>
+              <a:t>What is the purpose of regularization in logistic regression?</a:t>
+            </a:r>
+          </a:p>
+          <a:p>
+            <a:endParaRPr lang="en-US" dirty="0"/>
+          </a:p>
+        </p:txBody>
+      </p:sp>
+      <p:graphicFrame>
+        <p:nvGraphicFramePr>
+          <p:cNvPr id="2" name="Table 1">
+            <a:extLst>
+              <a:ext uri="{FF2B5EF4-FFF2-40B4-BE49-F238E27FC236}">
+                <a16:creationId xmlns:a16="http://schemas.microsoft.com/office/drawing/2014/main" id="{4F96BC63-E51B-4901-F41B-6A548889F4C2}"/>
+              </a:ext>
+            </a:extLst>
+          </p:cNvPr>
+          <p:cNvGraphicFramePr>
+            <a:graphicFrameLocks noGrp="1"/>
+          </p:cNvGraphicFramePr>
+          <p:nvPr>
+            <p:extLst>
+              <p:ext uri="{D42A27DB-BD31-4B8C-83A1-F6EECF244321}">
+                <p14:modId xmlns:p14="http://schemas.microsoft.com/office/powerpoint/2010/main" val="364658283"/>
+              </p:ext>
+            </p:extLst>
+          </p:nvPr>
+        </p:nvGraphicFramePr>
+        <p:xfrm>
+          <a:off x="2739840" y="2789714"/>
+          <a:ext cx="6712319" cy="1325880"/>
+        </p:xfrm>
+        <a:graphic>
+          <a:graphicData uri="http://schemas.openxmlformats.org/drawingml/2006/table">
+            <a:tbl>
+              <a:tblPr/>
+              <a:tblGrid>
+                <a:gridCol w="130249">
+                  <a:extLst>
+                    <a:ext uri="{9D8B030D-6E8A-4147-A177-3AD203B41FA5}">
+                      <a16:colId xmlns:a16="http://schemas.microsoft.com/office/drawing/2014/main" val="204648628"/>
+                    </a:ext>
+                  </a:extLst>
+                </a:gridCol>
+                <a:gridCol w="6582070">
+                  <a:extLst>
+                    <a:ext uri="{9D8B030D-6E8A-4147-A177-3AD203B41FA5}">
+                      <a16:colId xmlns:a16="http://schemas.microsoft.com/office/drawing/2014/main" val="1914400739"/>
+                    </a:ext>
+                  </a:extLst>
+                </a:gridCol>
+              </a:tblGrid>
+              <a:tr h="0">
+                <a:tc>
+                  <a:txBody>
+                    <a:bodyPr/>
+                    <a:lstStyle/>
+                    <a:p>
+                      <a:pPr marL="285750" indent="-285750" algn="l" fontAlgn="t">
+                        <a:buFont typeface="Arial" panose="020B0604020202020204" pitchFamily="34" charset="0"/>
+                        <a:buChar char="•"/>
+                      </a:pPr>
+                      <a:endParaRPr lang="en-US">
+                        <a:solidFill>
+                          <a:schemeClr val="accent1"/>
+                        </a:solidFill>
+                        <a:effectLst/>
+                      </a:endParaRPr>
+                    </a:p>
+                  </a:txBody>
+                  <a:tcPr marL="28575" marR="28575" marT="28575" marB="28575">
+                    <a:lnL>
+                      <a:noFill/>
+                    </a:lnL>
+                    <a:lnR>
+                      <a:noFill/>
+                    </a:lnR>
+                    <a:lnT>
+                      <a:noFill/>
+                    </a:lnT>
+                    <a:lnB>
+                      <a:noFill/>
+                    </a:lnB>
+                    <a:noFill/>
+                  </a:tcPr>
+                </a:tc>
+                <a:tc>
+                  <a:txBody>
+                    <a:bodyPr/>
+                    <a:lstStyle/>
+                    <a:p>
+                      <a:pPr marL="285750" indent="-285750" algn="l" fontAlgn="b">
+                        <a:buFont typeface="Arial" panose="020B0604020202020204" pitchFamily="34" charset="0"/>
+                        <a:buChar char="•"/>
+                      </a:pPr>
+                      <a:r>
+                        <a:rPr lang="en-US">
+                          <a:solidFill>
+                            <a:schemeClr val="accent1"/>
+                          </a:solidFill>
+                          <a:effectLst/>
+                        </a:rPr>
+                        <a:t>To increase the complexity of the model.</a:t>
+                      </a:r>
+                    </a:p>
+                  </a:txBody>
+                  <a:tcPr marL="28575" marR="28575" marT="28575" marB="28575" anchor="b">
+                    <a:lnL>
+                      <a:noFill/>
+                    </a:lnL>
+                    <a:lnR>
+                      <a:noFill/>
+                    </a:lnR>
+                    <a:lnT>
+                      <a:noFill/>
+                    </a:lnT>
+                    <a:lnB>
+                      <a:noFill/>
+                    </a:lnB>
+                    <a:noFill/>
+                  </a:tcPr>
+                </a:tc>
+                <a:extLst>
+                  <a:ext uri="{0D108BD9-81ED-4DB2-BD59-A6C34878D82A}">
+                    <a16:rowId xmlns:a16="http://schemas.microsoft.com/office/drawing/2014/main" val="593279521"/>
+                  </a:ext>
+                </a:extLst>
+              </a:tr>
+              <a:tr h="0">
+                <a:tc>
+                  <a:txBody>
+                    <a:bodyPr/>
+                    <a:lstStyle/>
+                    <a:p>
+                      <a:pPr marL="285750" indent="-285750" algn="l" fontAlgn="t">
+                        <a:buFont typeface="Arial" panose="020B0604020202020204" pitchFamily="34" charset="0"/>
+                        <a:buChar char="•"/>
+                      </a:pPr>
+                      <a:endParaRPr lang="en-US">
+                        <a:solidFill>
+                          <a:schemeClr val="accent1"/>
+                        </a:solidFill>
+                        <a:effectLst/>
+                      </a:endParaRPr>
+                    </a:p>
+                  </a:txBody>
+                  <a:tcPr marL="28575" marR="28575" marT="28575" marB="28575">
+                    <a:lnL>
+                      <a:noFill/>
+                    </a:lnL>
+                    <a:lnR>
+                      <a:noFill/>
+                    </a:lnR>
+                    <a:lnT>
+                      <a:noFill/>
+                    </a:lnT>
+                    <a:lnB>
+                      <a:noFill/>
+                    </a:lnB>
+                    <a:noFill/>
+                  </a:tcPr>
+                </a:tc>
+                <a:tc>
+                  <a:txBody>
+                    <a:bodyPr/>
+                    <a:lstStyle/>
+                    <a:p>
+                      <a:pPr marL="285750" indent="-285750" algn="l" fontAlgn="b">
+                        <a:buFont typeface="Arial" panose="020B0604020202020204" pitchFamily="34" charset="0"/>
+                        <a:buChar char="•"/>
+                      </a:pPr>
+                      <a:r>
+                        <a:rPr lang="en-US">
+                          <a:solidFill>
+                            <a:schemeClr val="accent1"/>
+                          </a:solidFill>
+                          <a:effectLst/>
+                        </a:rPr>
+                        <a:t> To ensure the model fits the training data perfectly.</a:t>
+                      </a:r>
+                    </a:p>
+                  </a:txBody>
+                  <a:tcPr marL="28575" marR="28575" marT="28575" marB="28575" anchor="b">
+                    <a:lnL>
+                      <a:noFill/>
+                    </a:lnL>
+                    <a:lnR>
+                      <a:noFill/>
+                    </a:lnR>
+                    <a:lnT>
+                      <a:noFill/>
+                    </a:lnT>
+                    <a:lnB>
+                      <a:noFill/>
+                    </a:lnB>
+                    <a:noFill/>
+                  </a:tcPr>
+                </a:tc>
+                <a:extLst>
+                  <a:ext uri="{0D108BD9-81ED-4DB2-BD59-A6C34878D82A}">
+                    <a16:rowId xmlns:a16="http://schemas.microsoft.com/office/drawing/2014/main" val="3349121185"/>
+                  </a:ext>
+                </a:extLst>
+              </a:tr>
+              <a:tr h="0">
+                <a:tc>
+                  <a:txBody>
+                    <a:bodyPr/>
+                    <a:lstStyle/>
+                    <a:p>
+                      <a:pPr marL="285750" indent="-285750" algn="l" fontAlgn="t">
+                        <a:buFont typeface="Arial" panose="020B0604020202020204" pitchFamily="34" charset="0"/>
+                        <a:buChar char="•"/>
+                      </a:pPr>
+                      <a:endParaRPr lang="en-US">
+                        <a:solidFill>
+                          <a:schemeClr val="accent1"/>
+                        </a:solidFill>
+                        <a:effectLst/>
+                      </a:endParaRPr>
+                    </a:p>
+                  </a:txBody>
+                  <a:tcPr marL="28575" marR="28575" marT="28575" marB="28575">
+                    <a:lnL>
+                      <a:noFill/>
+                    </a:lnL>
+                    <a:lnR>
+                      <a:noFill/>
+                    </a:lnR>
+                    <a:lnT>
+                      <a:noFill/>
+                    </a:lnT>
+                    <a:lnB>
+                      <a:noFill/>
+                    </a:lnB>
+                    <a:noFill/>
+                  </a:tcPr>
+                </a:tc>
+                <a:tc>
+                  <a:txBody>
+                    <a:bodyPr/>
+                    <a:lstStyle/>
+                    <a:p>
+                      <a:pPr marL="285750" indent="-285750" algn="l" fontAlgn="b">
+                        <a:buFont typeface="Arial" panose="020B0604020202020204" pitchFamily="34" charset="0"/>
+                        <a:buChar char="•"/>
+                      </a:pPr>
+                      <a:r>
+                        <a:rPr lang="en-US" dirty="0">
+                          <a:solidFill>
+                            <a:schemeClr val="accent1"/>
+                          </a:solidFill>
+                          <a:effectLst/>
+                          <a:highlight>
+                            <a:srgbClr val="FFFF00"/>
+                          </a:highlight>
+                        </a:rPr>
+                        <a:t> To penalize complex models and reduce overfitting.</a:t>
+                      </a:r>
+                    </a:p>
+                  </a:txBody>
+                  <a:tcPr marL="28575" marR="28575" marT="28575" marB="28575" anchor="b">
+                    <a:lnL>
+                      <a:noFill/>
+                    </a:lnL>
+                    <a:lnR>
+                      <a:noFill/>
+                    </a:lnR>
+                    <a:lnT>
+                      <a:noFill/>
+                    </a:lnT>
+                    <a:lnB>
+                      <a:noFill/>
+                    </a:lnB>
+                    <a:noFill/>
+                  </a:tcPr>
+                </a:tc>
+                <a:extLst>
+                  <a:ext uri="{0D108BD9-81ED-4DB2-BD59-A6C34878D82A}">
+                    <a16:rowId xmlns:a16="http://schemas.microsoft.com/office/drawing/2014/main" val="1802680094"/>
+                  </a:ext>
+                </a:extLst>
+              </a:tr>
+              <a:tr h="0">
+                <a:tc>
+                  <a:txBody>
+                    <a:bodyPr/>
+                    <a:lstStyle/>
+                    <a:p>
+                      <a:pPr marL="285750" indent="-285750" algn="l" fontAlgn="t">
+                        <a:buFont typeface="Arial" panose="020B0604020202020204" pitchFamily="34" charset="0"/>
+                        <a:buChar char="•"/>
+                      </a:pPr>
+                      <a:endParaRPr lang="en-US">
+                        <a:solidFill>
+                          <a:schemeClr val="accent1"/>
+                        </a:solidFill>
+                        <a:effectLst/>
+                      </a:endParaRPr>
+                    </a:p>
+                  </a:txBody>
+                  <a:tcPr marL="28575" marR="28575" marT="28575" marB="28575">
+                    <a:lnL>
+                      <a:noFill/>
+                    </a:lnL>
+                    <a:lnR>
+                      <a:noFill/>
+                    </a:lnR>
+                    <a:lnT>
+                      <a:noFill/>
+                    </a:lnT>
+                    <a:lnB>
+                      <a:noFill/>
+                    </a:lnB>
+                    <a:noFill/>
+                  </a:tcPr>
+                </a:tc>
+                <a:tc>
+                  <a:txBody>
+                    <a:bodyPr/>
+                    <a:lstStyle/>
+                    <a:p>
+                      <a:pPr marL="285750" indent="-285750" algn="l" fontAlgn="b">
+                        <a:buFont typeface="Arial" panose="020B0604020202020204" pitchFamily="34" charset="0"/>
+                        <a:buChar char="•"/>
+                      </a:pPr>
+                      <a:r>
+                        <a:rPr lang="en-US" dirty="0">
+                          <a:solidFill>
+                            <a:schemeClr val="accent1"/>
+                          </a:solidFill>
+                          <a:effectLst/>
+                        </a:rPr>
+                        <a:t> To avoid using nonlinear features.</a:t>
+                      </a:r>
+                    </a:p>
+                  </a:txBody>
+                  <a:tcPr marL="28575" marR="28575" marT="28575" marB="28575" anchor="b">
+                    <a:lnL>
+                      <a:noFill/>
+                    </a:lnL>
+                    <a:lnR>
+                      <a:noFill/>
+                    </a:lnR>
+                    <a:lnT>
+                      <a:noFill/>
+                    </a:lnT>
+                    <a:lnB>
+                      <a:noFill/>
+                    </a:lnB>
+                    <a:noFill/>
+                  </a:tcPr>
+                </a:tc>
+                <a:extLst>
+                  <a:ext uri="{0D108BD9-81ED-4DB2-BD59-A6C34878D82A}">
+                    <a16:rowId xmlns:a16="http://schemas.microsoft.com/office/drawing/2014/main" val="1765213355"/>
+                  </a:ext>
+                </a:extLst>
+              </a:tr>
+            </a:tbl>
+          </a:graphicData>
+        </a:graphic>
+      </p:graphicFrame>
+    </p:spTree>
+    <p:extLst>
+      <p:ext uri="{BB962C8B-B14F-4D97-AF65-F5344CB8AC3E}">
+        <p14:creationId xmlns:p14="http://schemas.microsoft.com/office/powerpoint/2010/main" val="3510163532"/>
+      </p:ext>
+    </p:extLst>
+  </p:cSld>
+  <p:clrMapOvr>
+    <a:masterClrMapping/>
+  </p:clrMapOvr>
+</p:sld>
+</file>
+
+<file path=ppt/slides/slide9.xml><?xml version="1.0" encoding="utf-8"?>
+<p:sld xmlns:a="http://schemas.openxmlformats.org/drawingml/2006/main" xmlns:r="http://schemas.openxmlformats.org/officeDocument/2006/relationships" xmlns:p="http://schemas.openxmlformats.org/presentationml/2006/main">
+  <p:cSld>
+    <p:spTree>
+      <p:nvGrpSpPr>
+        <p:cNvPr id="1" name="">
+          <a:extLst>
+            <a:ext uri="{FF2B5EF4-FFF2-40B4-BE49-F238E27FC236}">
+              <a16:creationId xmlns:a16="http://schemas.microsoft.com/office/drawing/2014/main" id="{78EC0C39-7722-245C-FFC6-2473C3F84C8A}"/>
+            </a:ext>
+          </a:extLst>
+        </p:cNvPr>
+        <p:cNvGrpSpPr/>
+        <p:nvPr/>
+      </p:nvGrpSpPr>
+      <p:grpSpPr>
+        <a:xfrm>
+          <a:off x="0" y="0"/>
+          <a:ext cx="0" cy="0"/>
+          <a:chOff x="0" y="0"/>
+          <a:chExt cx="0" cy="0"/>
+        </a:xfrm>
+      </p:grpSpPr>
+      <p:sp>
+        <p:nvSpPr>
+          <p:cNvPr id="7" name="Title 1">
+            <a:extLst>
+              <a:ext uri="{FF2B5EF4-FFF2-40B4-BE49-F238E27FC236}">
+                <a16:creationId xmlns:a16="http://schemas.microsoft.com/office/drawing/2014/main" id="{C7FF2390-BCC2-E765-838D-9BB882A506ED}"/>
+              </a:ext>
+            </a:extLst>
+          </p:cNvPr>
+          <p:cNvSpPr>
+            <a:spLocks noGrp="1"/>
+          </p:cNvSpPr>
+          <p:nvPr>
+            <p:ph type="title"/>
+          </p:nvPr>
+        </p:nvSpPr>
+        <p:spPr>
+          <a:xfrm>
+            <a:off x="838200" y="365125"/>
+            <a:ext cx="10515600" cy="1325563"/>
+          </a:xfrm>
+        </p:spPr>
+        <p:txBody>
+          <a:bodyPr/>
+          <a:lstStyle/>
+          <a:p>
+            <a:r>
+              <a:rPr lang="en-US" dirty="0">
+                <a:solidFill>
+                  <a:schemeClr val="tx2"/>
+                </a:solidFill>
+              </a:rPr>
+              <a:t>Q3</a:t>
+            </a:r>
+            <a:endParaRPr lang="en-US" sz="3000" b="1" i="1" dirty="0">
+              <a:solidFill>
+                <a:schemeClr val="tx2"/>
+              </a:solidFill>
+            </a:endParaRPr>
+          </a:p>
+        </p:txBody>
+      </p:sp>
+      <p:sp>
+        <p:nvSpPr>
+          <p:cNvPr id="8" name="Content Placeholder 4">
+            <a:extLst>
+              <a:ext uri="{FF2B5EF4-FFF2-40B4-BE49-F238E27FC236}">
+                <a16:creationId xmlns:a16="http://schemas.microsoft.com/office/drawing/2014/main" id="{9ADEA1AB-7AAF-EE32-3435-E4556520EA81}"/>
+              </a:ext>
+            </a:extLst>
+          </p:cNvPr>
+          <p:cNvSpPr txBox="1">
+            <a:spLocks/>
+          </p:cNvSpPr>
+          <p:nvPr/>
+        </p:nvSpPr>
+        <p:spPr>
+          <a:xfrm>
+            <a:off x="3812413" y="2728613"/>
+            <a:ext cx="4567173" cy="4351338"/>
+          </a:xfrm>
+          <a:prstGeom prst="rect">
+            <a:avLst/>
+          </a:prstGeom>
+        </p:spPr>
+        <p:txBody>
+          <a:bodyPr vert="horz" lIns="91440" tIns="45720" rIns="91440" bIns="45720" rtlCol="0">
+            <a:noAutofit/>
+          </a:bodyPr>
+          <a:lstStyle>
+            <a:lvl1pPr marL="228600" indent="-228600" algn="l" defTabSz="914400" rtl="0" eaLnBrk="1" latinLnBrk="0" hangingPunct="1">
+              <a:lnSpc>
+                <a:spcPct val="90000"/>
+              </a:lnSpc>
+              <a:spcBef>
+                <a:spcPts val="1000"/>
+              </a:spcBef>
+              <a:buFont typeface="Arial" panose="020B0604020202020204" pitchFamily="34" charset="0"/>
+              <a:buChar char="•"/>
+              <a:defRPr sz="2800" kern="1200">
+                <a:solidFill>
+                  <a:schemeClr val="tx1"/>
+                </a:solidFill>
+                <a:latin typeface="+mn-lt"/>
+                <a:ea typeface="+mn-ea"/>
+                <a:cs typeface="+mn-cs"/>
+              </a:defRPr>
+            </a:lvl1pPr>
+            <a:lvl2pPr marL="685800" indent="-228600" algn="l" defTabSz="914400" rtl="0" eaLnBrk="1" latinLnBrk="0" hangingPunct="1">
+              <a:lnSpc>
+                <a:spcPct val="90000"/>
+              </a:lnSpc>
+              <a:spcBef>
+                <a:spcPts val="500"/>
+              </a:spcBef>
+              <a:buFont typeface="Arial" panose="020B0604020202020204" pitchFamily="34" charset="0"/>
+              <a:buChar char="•"/>
+              <a:defRPr sz="2400" kern="1200">
+                <a:solidFill>
+                  <a:schemeClr val="tx1"/>
+                </a:solidFill>
+                <a:latin typeface="+mn-lt"/>
+                <a:ea typeface="+mn-ea"/>
+                <a:cs typeface="+mn-cs"/>
+              </a:defRPr>
+            </a:lvl2pPr>
+            <a:lvl3pPr marL="1143000" indent="-228600" algn="l" defTabSz="914400" rtl="0" eaLnBrk="1" latinLnBrk="0" hangingPunct="1">
+              <a:lnSpc>
+                <a:spcPct val="90000"/>
+              </a:lnSpc>
+              <a:spcBef>
+                <a:spcPts val="500"/>
+              </a:spcBef>
+              <a:buFont typeface="Arial" panose="020B0604020202020204" pitchFamily="34" charset="0"/>
+              <a:buChar char="•"/>
+              <a:defRPr sz="2000" kern="1200">
+                <a:solidFill>
+                  <a:schemeClr val="tx1"/>
+                </a:solidFill>
+                <a:latin typeface="+mn-lt"/>
+                <a:ea typeface="+mn-ea"/>
+                <a:cs typeface="+mn-cs"/>
+              </a:defRPr>
+            </a:lvl3pPr>
+            <a:lvl4pPr marL="1600200" indent="-228600" algn="l" defTabSz="914400" rtl="0" eaLnBrk="1" latinLnBrk="0" hangingPunct="1">
+              <a:lnSpc>
+                <a:spcPct val="90000"/>
+              </a:lnSpc>
+              <a:spcBef>
+                <a:spcPts val="500"/>
+              </a:spcBef>
+              <a:buFont typeface="Arial" panose="020B0604020202020204" pitchFamily="34" charset="0"/>
+              <a:buChar char="•"/>
+              <a:defRPr sz="1800" kern="1200">
+                <a:solidFill>
+                  <a:schemeClr val="tx1"/>
+                </a:solidFill>
+                <a:latin typeface="+mn-lt"/>
+                <a:ea typeface="+mn-ea"/>
+                <a:cs typeface="+mn-cs"/>
+              </a:defRPr>
+            </a:lvl4pPr>
+            <a:lvl5pPr marL="2057400" indent="-228600" algn="l" defTabSz="914400" rtl="0" eaLnBrk="1" latinLnBrk="0" hangingPunct="1">
+              <a:lnSpc>
+                <a:spcPct val="90000"/>
+              </a:lnSpc>
+              <a:spcBef>
+                <a:spcPts val="500"/>
+              </a:spcBef>
+              <a:buFont typeface="Arial" panose="020B0604020202020204" pitchFamily="34" charset="0"/>
+              <a:buChar char="•"/>
+              <a:defRPr sz="1800" kern="1200">
+                <a:solidFill>
+                  <a:schemeClr val="tx1"/>
+                </a:solidFill>
+                <a:latin typeface="+mn-lt"/>
+                <a:ea typeface="+mn-ea"/>
+                <a:cs typeface="+mn-cs"/>
+              </a:defRPr>
+            </a:lvl5pPr>
+            <a:lvl6pPr marL="2514600" indent="-228600" algn="l" defTabSz="914400" rtl="0" eaLnBrk="1" latinLnBrk="0" hangingPunct="1">
+              <a:lnSpc>
+                <a:spcPct val="90000"/>
+              </a:lnSpc>
+              <a:spcBef>
+                <a:spcPts val="500"/>
+              </a:spcBef>
+              <a:buFont typeface="Arial" panose="020B0604020202020204" pitchFamily="34" charset="0"/>
+              <a:buChar char="•"/>
+              <a:defRPr sz="1800" kern="1200">
+                <a:solidFill>
+                  <a:schemeClr val="tx1"/>
+                </a:solidFill>
+                <a:latin typeface="+mn-lt"/>
+                <a:ea typeface="+mn-ea"/>
+                <a:cs typeface="+mn-cs"/>
+              </a:defRPr>
+            </a:lvl6pPr>
+            <a:lvl7pPr marL="2971800" indent="-228600" algn="l" defTabSz="914400" rtl="0" eaLnBrk="1" latinLnBrk="0" hangingPunct="1">
+              <a:lnSpc>
+                <a:spcPct val="90000"/>
+              </a:lnSpc>
+              <a:spcBef>
+                <a:spcPts val="500"/>
+              </a:spcBef>
+              <a:buFont typeface="Arial" panose="020B0604020202020204" pitchFamily="34" charset="0"/>
+              <a:buChar char="•"/>
+              <a:defRPr sz="1800" kern="1200">
+                <a:solidFill>
+                  <a:schemeClr val="tx1"/>
+                </a:solidFill>
+                <a:latin typeface="+mn-lt"/>
+                <a:ea typeface="+mn-ea"/>
+                <a:cs typeface="+mn-cs"/>
+              </a:defRPr>
+            </a:lvl7pPr>
+            <a:lvl8pPr marL="3429000" indent="-228600" algn="l" defTabSz="914400" rtl="0" eaLnBrk="1" latinLnBrk="0" hangingPunct="1">
+              <a:lnSpc>
+                <a:spcPct val="90000"/>
+              </a:lnSpc>
+              <a:spcBef>
+                <a:spcPts val="500"/>
+              </a:spcBef>
+              <a:buFont typeface="Arial" panose="020B0604020202020204" pitchFamily="34" charset="0"/>
+              <a:buChar char="•"/>
+              <a:defRPr sz="1800" kern="1200">
+                <a:solidFill>
+                  <a:schemeClr val="tx1"/>
+                </a:solidFill>
+                <a:latin typeface="+mn-lt"/>
+                <a:ea typeface="+mn-ea"/>
+                <a:cs typeface="+mn-cs"/>
+              </a:defRPr>
+            </a:lvl8pPr>
+            <a:lvl9pPr marL="3886200" indent="-228600" algn="l" defTabSz="914400" rtl="0" eaLnBrk="1" latinLnBrk="0" hangingPunct="1">
+              <a:lnSpc>
+                <a:spcPct val="90000"/>
+              </a:lnSpc>
+              <a:spcBef>
+                <a:spcPts val="500"/>
+              </a:spcBef>
+              <a:buFont typeface="Arial" panose="020B0604020202020204" pitchFamily="34" charset="0"/>
+              <a:buChar char="•"/>
+              <a:defRPr sz="1800" kern="1200">
+                <a:solidFill>
+                  <a:schemeClr val="tx1"/>
+                </a:solidFill>
+                <a:latin typeface="+mn-lt"/>
+                <a:ea typeface="+mn-ea"/>
+                <a:cs typeface="+mn-cs"/>
+              </a:defRPr>
+            </a:lvl9pPr>
+          </a:lstStyle>
+          <a:p>
+            <a:endParaRPr lang="en-US" dirty="0">
+              <a:solidFill>
+                <a:schemeClr val="tx2"/>
+              </a:solidFill>
+            </a:endParaRPr>
+          </a:p>
+        </p:txBody>
+      </p:sp>
+      <p:sp>
+        <p:nvSpPr>
+          <p:cNvPr id="9" name="TextBox 8">
+            <a:extLst>
+              <a:ext uri="{FF2B5EF4-FFF2-40B4-BE49-F238E27FC236}">
+                <a16:creationId xmlns:a16="http://schemas.microsoft.com/office/drawing/2014/main" id="{89BB4525-6A8F-0DF0-4C05-1BB57C528EDC}"/>
+              </a:ext>
+            </a:extLst>
+          </p:cNvPr>
+          <p:cNvSpPr txBox="1"/>
+          <p:nvPr/>
+        </p:nvSpPr>
+        <p:spPr>
+          <a:xfrm>
+            <a:off x="2860431" y="1946435"/>
+            <a:ext cx="6096000" cy="923330"/>
+          </a:xfrm>
+          <a:prstGeom prst="rect">
+            <a:avLst/>
+          </a:prstGeom>
+          <a:noFill/>
+        </p:spPr>
+        <p:txBody>
+          <a:bodyPr wrap="square">
+            <a:spAutoFit/>
+          </a:bodyPr>
+          <a:lstStyle/>
+          <a:p>
+            <a:r>
+              <a:rPr lang="en-US" b="0" i="0" dirty="0">
+                <a:solidFill>
+                  <a:srgbClr val="202122"/>
+                </a:solidFill>
+                <a:effectLst/>
+                <a:latin typeface="Lato" panose="020F0502020204030203" pitchFamily="34" charset="0"/>
+              </a:rPr>
+              <a:t>In linear/polynomial regression, we can increase the degree of the model to increase the complexity. We can also increase complexity by </a:t>
+            </a:r>
+            <a:endParaRPr lang="en-US" dirty="0"/>
+          </a:p>
+        </p:txBody>
+      </p:sp>
+      <p:graphicFrame>
+        <p:nvGraphicFramePr>
+          <p:cNvPr id="3" name="Table 2">
+            <a:extLst>
+              <a:ext uri="{FF2B5EF4-FFF2-40B4-BE49-F238E27FC236}">
+                <a16:creationId xmlns:a16="http://schemas.microsoft.com/office/drawing/2014/main" id="{F6F27F79-DB33-6FF5-0CC8-7C775ACB3FBF}"/>
+              </a:ext>
+            </a:extLst>
+          </p:cNvPr>
+          <p:cNvGraphicFramePr>
+            <a:graphicFrameLocks noGrp="1"/>
+          </p:cNvGraphicFramePr>
+          <p:nvPr/>
+        </p:nvGraphicFramePr>
+        <p:xfrm>
+          <a:off x="3235568" y="3046153"/>
+          <a:ext cx="4997053" cy="1211580"/>
+        </p:xfrm>
+        <a:graphic>
+          <a:graphicData uri="http://schemas.openxmlformats.org/drawingml/2006/table">
+            <a:tbl>
+              <a:tblPr/>
+              <a:tblGrid>
+                <a:gridCol w="319983">
+                  <a:extLst>
+                    <a:ext uri="{9D8B030D-6E8A-4147-A177-3AD203B41FA5}">
+                      <a16:colId xmlns:a16="http://schemas.microsoft.com/office/drawing/2014/main" val="3787195517"/>
+                    </a:ext>
+                  </a:extLst>
+                </a:gridCol>
+                <a:gridCol w="4677070">
+                  <a:extLst>
+                    <a:ext uri="{9D8B030D-6E8A-4147-A177-3AD203B41FA5}">
+                      <a16:colId xmlns:a16="http://schemas.microsoft.com/office/drawing/2014/main" val="2721124467"/>
+                    </a:ext>
+                  </a:extLst>
+                </a:gridCol>
+              </a:tblGrid>
+              <a:tr h="0">
+                <a:tc>
+                  <a:txBody>
+                    <a:bodyPr/>
+                    <a:lstStyle/>
+                    <a:p>
+                      <a:pPr marL="285750" indent="-285750" algn="l" fontAlgn="t">
+                        <a:buFont typeface="Arial" panose="020B0604020202020204" pitchFamily="34" charset="0"/>
+                        <a:buChar char="•"/>
+                      </a:pPr>
+                      <a:endParaRPr lang="en-US">
+                        <a:solidFill>
+                          <a:schemeClr val="accent1"/>
+                        </a:solidFill>
+                        <a:effectLst/>
+                      </a:endParaRPr>
+                    </a:p>
+                  </a:txBody>
+                  <a:tcPr marL="28575" marR="28575" marT="28575" marB="28575">
+                    <a:lnL>
+                      <a:noFill/>
+                    </a:lnL>
+                    <a:lnR>
+                      <a:noFill/>
+                    </a:lnR>
+                    <a:lnT>
+                      <a:noFill/>
+                    </a:lnT>
+                    <a:lnB>
+                      <a:noFill/>
+                    </a:lnB>
+                    <a:noFill/>
+                  </a:tcPr>
+                </a:tc>
+                <a:tc>
+                  <a:txBody>
+                    <a:bodyPr/>
+                    <a:lstStyle/>
+                    <a:p>
+                      <a:pPr marL="285750" indent="-285750" algn="l" fontAlgn="b">
+                        <a:buFont typeface="Arial" panose="020B0604020202020204" pitchFamily="34" charset="0"/>
+                        <a:buChar char="•"/>
+                      </a:pPr>
+                      <a:r>
+                        <a:rPr lang="en-US">
+                          <a:solidFill>
+                            <a:schemeClr val="accent1"/>
+                          </a:solidFill>
+                          <a:effectLst/>
+                        </a:rPr>
+                        <a:t>increasing regularization on the model in the training process</a:t>
+                      </a:r>
+                    </a:p>
+                  </a:txBody>
+                  <a:tcPr marL="28575" marR="28575" marT="28575" marB="28575" anchor="b">
+                    <a:lnL>
+                      <a:noFill/>
+                    </a:lnL>
+                    <a:lnR>
+                      <a:noFill/>
+                    </a:lnR>
+                    <a:lnT>
+                      <a:noFill/>
+                    </a:lnT>
+                    <a:lnB>
+                      <a:noFill/>
+                    </a:lnB>
+                    <a:noFill/>
+                  </a:tcPr>
+                </a:tc>
+                <a:extLst>
+                  <a:ext uri="{0D108BD9-81ED-4DB2-BD59-A6C34878D82A}">
+                    <a16:rowId xmlns:a16="http://schemas.microsoft.com/office/drawing/2014/main" val="723855495"/>
+                  </a:ext>
+                </a:extLst>
+              </a:tr>
+              <a:tr h="0">
+                <a:tc>
+                  <a:txBody>
+                    <a:bodyPr/>
+                    <a:lstStyle/>
+                    <a:p>
+                      <a:pPr marL="285750" indent="-285750" algn="l" fontAlgn="t">
+                        <a:buFont typeface="Arial" panose="020B0604020202020204" pitchFamily="34" charset="0"/>
+                        <a:buChar char="•"/>
+                      </a:pPr>
+                      <a:endParaRPr lang="en-US">
+                        <a:solidFill>
+                          <a:schemeClr val="accent1"/>
+                        </a:solidFill>
+                        <a:effectLst/>
+                      </a:endParaRPr>
+                    </a:p>
+                  </a:txBody>
+                  <a:tcPr marL="28575" marR="28575" marT="28575" marB="28575">
+                    <a:lnL>
+                      <a:noFill/>
+                    </a:lnL>
+                    <a:lnR>
+                      <a:noFill/>
+                    </a:lnR>
+                    <a:lnT>
+                      <a:noFill/>
+                    </a:lnT>
+                    <a:lnB>
+                      <a:noFill/>
+                    </a:lnB>
+                    <a:noFill/>
+                  </a:tcPr>
+                </a:tc>
+                <a:tc>
+                  <a:txBody>
+                    <a:bodyPr/>
+                    <a:lstStyle/>
+                    <a:p>
+                      <a:pPr marL="285750" indent="-285750" algn="l" fontAlgn="b">
+                        <a:buFont typeface="Arial" panose="020B0604020202020204" pitchFamily="34" charset="0"/>
+                        <a:buChar char="•"/>
+                      </a:pPr>
+                      <a:r>
+                        <a:rPr lang="en-US" dirty="0">
+                          <a:solidFill>
+                            <a:schemeClr val="accent1"/>
+                          </a:solidFill>
+                          <a:effectLst/>
+                        </a:rPr>
+                        <a:t>decreasing regularization on the model in the training process</a:t>
+                      </a:r>
+                    </a:p>
+                  </a:txBody>
+                  <a:tcPr marL="28575" marR="28575" marT="28575" marB="28575" anchor="b">
+                    <a:lnL>
+                      <a:noFill/>
+                    </a:lnL>
+                    <a:lnR>
+                      <a:noFill/>
+                    </a:lnR>
+                    <a:lnT>
+                      <a:noFill/>
+                    </a:lnT>
+                    <a:lnB>
+                      <a:noFill/>
+                    </a:lnB>
+                    <a:noFill/>
+                  </a:tcPr>
+                </a:tc>
+                <a:extLst>
+                  <a:ext uri="{0D108BD9-81ED-4DB2-BD59-A6C34878D82A}">
+                    <a16:rowId xmlns:a16="http://schemas.microsoft.com/office/drawing/2014/main" val="1087781796"/>
+                  </a:ext>
+                </a:extLst>
+              </a:tr>
+            </a:tbl>
+          </a:graphicData>
+        </a:graphic>
+      </p:graphicFrame>
+    </p:spTree>
+    <p:extLst>
+      <p:ext uri="{BB962C8B-B14F-4D97-AF65-F5344CB8AC3E}">
+        <p14:creationId xmlns:p14="http://schemas.microsoft.com/office/powerpoint/2010/main" val="2495126823"/>
       </p:ext>
     </p:extLst>
   </p:cSld>
